--- a/download/projecthub.pptx
+++ b/download/projecthub.pptx
@@ -7,13 +7,12 @@
   <p:sldIdLst>
     <p:sldId id="256" r:id="rId2"/>
     <p:sldId id="261" r:id="rId3"/>
-    <p:sldId id="258" r:id="rId4"/>
-    <p:sldId id="260" r:id="rId5"/>
-    <p:sldId id="262" r:id="rId6"/>
-    <p:sldId id="265" r:id="rId7"/>
-    <p:sldId id="274" r:id="rId8"/>
-    <p:sldId id="277" r:id="rId9"/>
-    <p:sldId id="275" r:id="rId10"/>
+    <p:sldId id="262" r:id="rId4"/>
+    <p:sldId id="258" r:id="rId5"/>
+    <p:sldId id="260" r:id="rId6"/>
+    <p:sldId id="274" r:id="rId7"/>
+    <p:sldId id="277" r:id="rId8"/>
+    <p:sldId id="275" r:id="rId9"/>
   </p:sldIdLst>
   <p:sldSz cx="12192000" cy="6858000"/>
   <p:notesSz cx="6858000" cy="9144000"/>
@@ -267,7 +266,7 @@
           <a:p>
             <a:fld id="{64B58118-7136-4391-B85D-7F5F960D48AA}" type="datetimeFigureOut">
               <a:rPr lang="ru-RU" smtClean="0"/>
-              <a:t>18.01.2024</a:t>
+              <a:t>13.02.2024</a:t>
             </a:fld>
             <a:endParaRPr lang="ru-RU"/>
           </a:p>
@@ -465,7 +464,7 @@
           <a:p>
             <a:fld id="{64B58118-7136-4391-B85D-7F5F960D48AA}" type="datetimeFigureOut">
               <a:rPr lang="ru-RU" smtClean="0"/>
-              <a:t>18.01.2024</a:t>
+              <a:t>13.02.2024</a:t>
             </a:fld>
             <a:endParaRPr lang="ru-RU"/>
           </a:p>
@@ -673,7 +672,7 @@
           <a:p>
             <a:fld id="{64B58118-7136-4391-B85D-7F5F960D48AA}" type="datetimeFigureOut">
               <a:rPr lang="ru-RU" smtClean="0"/>
-              <a:t>18.01.2024</a:t>
+              <a:t>13.02.2024</a:t>
             </a:fld>
             <a:endParaRPr lang="ru-RU"/>
           </a:p>
@@ -871,7 +870,7 @@
           <a:p>
             <a:fld id="{64B58118-7136-4391-B85D-7F5F960D48AA}" type="datetimeFigureOut">
               <a:rPr lang="ru-RU" smtClean="0"/>
-              <a:t>18.01.2024</a:t>
+              <a:t>13.02.2024</a:t>
             </a:fld>
             <a:endParaRPr lang="ru-RU"/>
           </a:p>
@@ -1146,7 +1145,7 @@
           <a:p>
             <a:fld id="{64B58118-7136-4391-B85D-7F5F960D48AA}" type="datetimeFigureOut">
               <a:rPr lang="ru-RU" smtClean="0"/>
-              <a:t>18.01.2024</a:t>
+              <a:t>13.02.2024</a:t>
             </a:fld>
             <a:endParaRPr lang="ru-RU"/>
           </a:p>
@@ -1411,7 +1410,7 @@
           <a:p>
             <a:fld id="{64B58118-7136-4391-B85D-7F5F960D48AA}" type="datetimeFigureOut">
               <a:rPr lang="ru-RU" smtClean="0"/>
-              <a:t>18.01.2024</a:t>
+              <a:t>13.02.2024</a:t>
             </a:fld>
             <a:endParaRPr lang="ru-RU"/>
           </a:p>
@@ -1823,7 +1822,7 @@
           <a:p>
             <a:fld id="{64B58118-7136-4391-B85D-7F5F960D48AA}" type="datetimeFigureOut">
               <a:rPr lang="ru-RU" smtClean="0"/>
-              <a:t>18.01.2024</a:t>
+              <a:t>13.02.2024</a:t>
             </a:fld>
             <a:endParaRPr lang="ru-RU"/>
           </a:p>
@@ -1964,7 +1963,7 @@
           <a:p>
             <a:fld id="{64B58118-7136-4391-B85D-7F5F960D48AA}" type="datetimeFigureOut">
               <a:rPr lang="ru-RU" smtClean="0"/>
-              <a:t>18.01.2024</a:t>
+              <a:t>13.02.2024</a:t>
             </a:fld>
             <a:endParaRPr lang="ru-RU"/>
           </a:p>
@@ -2077,7 +2076,7 @@
           <a:p>
             <a:fld id="{64B58118-7136-4391-B85D-7F5F960D48AA}" type="datetimeFigureOut">
               <a:rPr lang="ru-RU" smtClean="0"/>
-              <a:t>18.01.2024</a:t>
+              <a:t>13.02.2024</a:t>
             </a:fld>
             <a:endParaRPr lang="ru-RU"/>
           </a:p>
@@ -2388,7 +2387,7 @@
           <a:p>
             <a:fld id="{64B58118-7136-4391-B85D-7F5F960D48AA}" type="datetimeFigureOut">
               <a:rPr lang="ru-RU" smtClean="0"/>
-              <a:t>18.01.2024</a:t>
+              <a:t>13.02.2024</a:t>
             </a:fld>
             <a:endParaRPr lang="ru-RU"/>
           </a:p>
@@ -2676,7 +2675,7 @@
           <a:p>
             <a:fld id="{64B58118-7136-4391-B85D-7F5F960D48AA}" type="datetimeFigureOut">
               <a:rPr lang="ru-RU" smtClean="0"/>
-              <a:t>18.01.2024</a:t>
+              <a:t>13.02.2024</a:t>
             </a:fld>
             <a:endParaRPr lang="ru-RU"/>
           </a:p>
@@ -2917,7 +2916,7 @@
           <a:p>
             <a:fld id="{64B58118-7136-4391-B85D-7F5F960D48AA}" type="datetimeFigureOut">
               <a:rPr lang="ru-RU" smtClean="0"/>
-              <a:t>18.01.2024</a:t>
+              <a:t>13.02.2024</a:t>
             </a:fld>
             <a:endParaRPr lang="ru-RU"/>
           </a:p>
@@ -5052,6 +5051,836 @@
           <a:chExt cx="0" cy="0"/>
         </a:xfrm>
       </p:grpSpPr>
+      <p:pic>
+        <p:nvPicPr>
+          <p:cNvPr id="10" name="Рисунок 9">
+            <a:extLst>
+              <a:ext uri="{FF2B5EF4-FFF2-40B4-BE49-F238E27FC236}">
+                <a16:creationId xmlns:a16="http://schemas.microsoft.com/office/drawing/2014/main" id="{DB58150B-078E-4E71-8B9B-6515E8A175F5}"/>
+              </a:ext>
+            </a:extLst>
+          </p:cNvPr>
+          <p:cNvPicPr>
+            <a:picLocks noChangeAspect="1"/>
+          </p:cNvPicPr>
+          <p:nvPr/>
+        </p:nvPicPr>
+        <p:blipFill>
+          <a:blip r:embed="rId2" cstate="print">
+            <a:extLst>
+              <a:ext uri="{28A0092B-C50C-407E-A947-70E740481C1C}">
+                <a14:useLocalDpi xmlns:a14="http://schemas.microsoft.com/office/drawing/2010/main" val="0"/>
+              </a:ext>
+              <a:ext uri="{96DAC541-7B7A-43D3-8B79-37D633B846F1}">
+                <asvg:svgBlip xmlns:asvg="http://schemas.microsoft.com/office/drawing/2016/SVG/main" r:embed="rId3"/>
+              </a:ext>
+            </a:extLst>
+          </a:blip>
+          <a:stretch>
+            <a:fillRect/>
+          </a:stretch>
+        </p:blipFill>
+        <p:spPr>
+          <a:xfrm>
+            <a:off x="8388913" y="1924321"/>
+            <a:ext cx="3009357" cy="3009357"/>
+          </a:xfrm>
+          <a:prstGeom prst="rect">
+            <a:avLst/>
+          </a:prstGeom>
+        </p:spPr>
+      </p:pic>
+      <p:sp>
+        <p:nvSpPr>
+          <p:cNvPr id="12" name="Подзаголовок 2">
+            <a:extLst>
+              <a:ext uri="{FF2B5EF4-FFF2-40B4-BE49-F238E27FC236}">
+                <a16:creationId xmlns:a16="http://schemas.microsoft.com/office/drawing/2014/main" id="{EE804BE5-7086-4725-9D8D-39ECD913A505}"/>
+              </a:ext>
+            </a:extLst>
+          </p:cNvPr>
+          <p:cNvSpPr txBox="1">
+            <a:spLocks/>
+          </p:cNvSpPr>
+          <p:nvPr/>
+        </p:nvSpPr>
+        <p:spPr>
+          <a:xfrm>
+            <a:off x="113926" y="443193"/>
+            <a:ext cx="6261834" cy="874319"/>
+          </a:xfrm>
+          <a:prstGeom prst="rect">
+            <a:avLst/>
+          </a:prstGeom>
+          <a:solidFill>
+            <a:srgbClr val="121212">
+              <a:alpha val="0"/>
+            </a:srgbClr>
+          </a:solidFill>
+        </p:spPr>
+        <p:txBody>
+          <a:bodyPr vert="horz" lIns="91440" tIns="45720" rIns="91440" bIns="45720" rtlCol="0">
+            <a:normAutofit/>
+          </a:bodyPr>
+          <a:lstStyle>
+            <a:lvl1pPr marL="0" indent="0" algn="ctr" defTabSz="914400" rtl="0" eaLnBrk="1" latinLnBrk="0" hangingPunct="1">
+              <a:lnSpc>
+                <a:spcPct val="90000"/>
+              </a:lnSpc>
+              <a:spcBef>
+                <a:spcPts val="1000"/>
+              </a:spcBef>
+              <a:buFont typeface="Arial" panose="020B0604020202020204" pitchFamily="34" charset="0"/>
+              <a:buNone/>
+              <a:defRPr sz="2400" kern="1200">
+                <a:solidFill>
+                  <a:schemeClr val="tx1"/>
+                </a:solidFill>
+                <a:latin typeface="+mn-lt"/>
+                <a:ea typeface="+mn-ea"/>
+                <a:cs typeface="+mn-cs"/>
+              </a:defRPr>
+            </a:lvl1pPr>
+            <a:lvl2pPr marL="457200" indent="0" algn="ctr" defTabSz="914400" rtl="0" eaLnBrk="1" latinLnBrk="0" hangingPunct="1">
+              <a:lnSpc>
+                <a:spcPct val="90000"/>
+              </a:lnSpc>
+              <a:spcBef>
+                <a:spcPts val="500"/>
+              </a:spcBef>
+              <a:buFont typeface="Arial" panose="020B0604020202020204" pitchFamily="34" charset="0"/>
+              <a:buNone/>
+              <a:defRPr sz="2000" kern="1200">
+                <a:solidFill>
+                  <a:schemeClr val="tx1"/>
+                </a:solidFill>
+                <a:latin typeface="+mn-lt"/>
+                <a:ea typeface="+mn-ea"/>
+                <a:cs typeface="+mn-cs"/>
+              </a:defRPr>
+            </a:lvl2pPr>
+            <a:lvl3pPr marL="914400" indent="0" algn="ctr" defTabSz="914400" rtl="0" eaLnBrk="1" latinLnBrk="0" hangingPunct="1">
+              <a:lnSpc>
+                <a:spcPct val="90000"/>
+              </a:lnSpc>
+              <a:spcBef>
+                <a:spcPts val="500"/>
+              </a:spcBef>
+              <a:buFont typeface="Arial" panose="020B0604020202020204" pitchFamily="34" charset="0"/>
+              <a:buNone/>
+              <a:defRPr sz="1800" kern="1200">
+                <a:solidFill>
+                  <a:schemeClr val="tx1"/>
+                </a:solidFill>
+                <a:latin typeface="+mn-lt"/>
+                <a:ea typeface="+mn-ea"/>
+                <a:cs typeface="+mn-cs"/>
+              </a:defRPr>
+            </a:lvl3pPr>
+            <a:lvl4pPr marL="1371600" indent="0" algn="ctr" defTabSz="914400" rtl="0" eaLnBrk="1" latinLnBrk="0" hangingPunct="1">
+              <a:lnSpc>
+                <a:spcPct val="90000"/>
+              </a:lnSpc>
+              <a:spcBef>
+                <a:spcPts val="500"/>
+              </a:spcBef>
+              <a:buFont typeface="Arial" panose="020B0604020202020204" pitchFamily="34" charset="0"/>
+              <a:buNone/>
+              <a:defRPr sz="1600" kern="1200">
+                <a:solidFill>
+                  <a:schemeClr val="tx1"/>
+                </a:solidFill>
+                <a:latin typeface="+mn-lt"/>
+                <a:ea typeface="+mn-ea"/>
+                <a:cs typeface="+mn-cs"/>
+              </a:defRPr>
+            </a:lvl4pPr>
+            <a:lvl5pPr marL="1828800" indent="0" algn="ctr" defTabSz="914400" rtl="0" eaLnBrk="1" latinLnBrk="0" hangingPunct="1">
+              <a:lnSpc>
+                <a:spcPct val="90000"/>
+              </a:lnSpc>
+              <a:spcBef>
+                <a:spcPts val="500"/>
+              </a:spcBef>
+              <a:buFont typeface="Arial" panose="020B0604020202020204" pitchFamily="34" charset="0"/>
+              <a:buNone/>
+              <a:defRPr sz="1600" kern="1200">
+                <a:solidFill>
+                  <a:schemeClr val="tx1"/>
+                </a:solidFill>
+                <a:latin typeface="+mn-lt"/>
+                <a:ea typeface="+mn-ea"/>
+                <a:cs typeface="+mn-cs"/>
+              </a:defRPr>
+            </a:lvl5pPr>
+            <a:lvl6pPr marL="2286000" indent="0" algn="ctr" defTabSz="914400" rtl="0" eaLnBrk="1" latinLnBrk="0" hangingPunct="1">
+              <a:lnSpc>
+                <a:spcPct val="90000"/>
+              </a:lnSpc>
+              <a:spcBef>
+                <a:spcPts val="500"/>
+              </a:spcBef>
+              <a:buFont typeface="Arial" panose="020B0604020202020204" pitchFamily="34" charset="0"/>
+              <a:buNone/>
+              <a:defRPr sz="1600" kern="1200">
+                <a:solidFill>
+                  <a:schemeClr val="tx1"/>
+                </a:solidFill>
+                <a:latin typeface="+mn-lt"/>
+                <a:ea typeface="+mn-ea"/>
+                <a:cs typeface="+mn-cs"/>
+              </a:defRPr>
+            </a:lvl6pPr>
+            <a:lvl7pPr marL="2743200" indent="0" algn="ctr" defTabSz="914400" rtl="0" eaLnBrk="1" latinLnBrk="0" hangingPunct="1">
+              <a:lnSpc>
+                <a:spcPct val="90000"/>
+              </a:lnSpc>
+              <a:spcBef>
+                <a:spcPts val="500"/>
+              </a:spcBef>
+              <a:buFont typeface="Arial" panose="020B0604020202020204" pitchFamily="34" charset="0"/>
+              <a:buNone/>
+              <a:defRPr sz="1600" kern="1200">
+                <a:solidFill>
+                  <a:schemeClr val="tx1"/>
+                </a:solidFill>
+                <a:latin typeface="+mn-lt"/>
+                <a:ea typeface="+mn-ea"/>
+                <a:cs typeface="+mn-cs"/>
+              </a:defRPr>
+            </a:lvl7pPr>
+            <a:lvl8pPr marL="3200400" indent="0" algn="ctr" defTabSz="914400" rtl="0" eaLnBrk="1" latinLnBrk="0" hangingPunct="1">
+              <a:lnSpc>
+                <a:spcPct val="90000"/>
+              </a:lnSpc>
+              <a:spcBef>
+                <a:spcPts val="500"/>
+              </a:spcBef>
+              <a:buFont typeface="Arial" panose="020B0604020202020204" pitchFamily="34" charset="0"/>
+              <a:buNone/>
+              <a:defRPr sz="1600" kern="1200">
+                <a:solidFill>
+                  <a:schemeClr val="tx1"/>
+                </a:solidFill>
+                <a:latin typeface="+mn-lt"/>
+                <a:ea typeface="+mn-ea"/>
+                <a:cs typeface="+mn-cs"/>
+              </a:defRPr>
+            </a:lvl8pPr>
+            <a:lvl9pPr marL="3657600" indent="0" algn="ctr" defTabSz="914400" rtl="0" eaLnBrk="1" latinLnBrk="0" hangingPunct="1">
+              <a:lnSpc>
+                <a:spcPct val="90000"/>
+              </a:lnSpc>
+              <a:spcBef>
+                <a:spcPts val="500"/>
+              </a:spcBef>
+              <a:buFont typeface="Arial" panose="020B0604020202020204" pitchFamily="34" charset="0"/>
+              <a:buNone/>
+              <a:defRPr sz="1600" kern="1200">
+                <a:solidFill>
+                  <a:schemeClr val="tx1"/>
+                </a:solidFill>
+                <a:latin typeface="+mn-lt"/>
+                <a:ea typeface="+mn-ea"/>
+                <a:cs typeface="+mn-cs"/>
+              </a:defRPr>
+            </a:lvl9pPr>
+          </a:lstStyle>
+          <a:p>
+            <a:pPr algn="l"/>
+            <a:r>
+              <a:rPr lang="ru-RU" sz="4400" dirty="0">
+                <a:solidFill>
+                  <a:schemeClr val="bg1">
+                    <a:lumMod val="85000"/>
+                  </a:schemeClr>
+                </a:solidFill>
+                <a:latin typeface="VDS" panose="02000506000000020004" pitchFamily="2" charset="-52"/>
+                <a:cs typeface="Arial" panose="020B0604020202020204" pitchFamily="34" charset="0"/>
+              </a:rPr>
+              <a:t>Целевая аудитория</a:t>
+            </a:r>
+          </a:p>
+        </p:txBody>
+      </p:sp>
+      <p:pic>
+        <p:nvPicPr>
+          <p:cNvPr id="15" name="Рисунок 14">
+            <a:extLst>
+              <a:ext uri="{FF2B5EF4-FFF2-40B4-BE49-F238E27FC236}">
+                <a16:creationId xmlns:a16="http://schemas.microsoft.com/office/drawing/2014/main" id="{7302D167-2FD3-4880-8D0A-306FFEAA926D}"/>
+              </a:ext>
+            </a:extLst>
+          </p:cNvPr>
+          <p:cNvPicPr>
+            <a:picLocks noChangeAspect="1"/>
+          </p:cNvPicPr>
+          <p:nvPr/>
+        </p:nvPicPr>
+        <p:blipFill>
+          <a:blip r:embed="rId4" cstate="print">
+            <a:extLst>
+              <a:ext uri="{28A0092B-C50C-407E-A947-70E740481C1C}">
+                <a14:useLocalDpi xmlns:a14="http://schemas.microsoft.com/office/drawing/2010/main" val="0"/>
+              </a:ext>
+              <a:ext uri="{96DAC541-7B7A-43D3-8B79-37D633B846F1}">
+                <asvg:svgBlip xmlns:asvg="http://schemas.microsoft.com/office/drawing/2016/SVG/main" r:embed="rId5"/>
+              </a:ext>
+            </a:extLst>
+          </a:blip>
+          <a:stretch>
+            <a:fillRect/>
+          </a:stretch>
+        </p:blipFill>
+        <p:spPr>
+          <a:xfrm>
+            <a:off x="11398270" y="103291"/>
+            <a:ext cx="679804" cy="679804"/>
+          </a:xfrm>
+          <a:prstGeom prst="rect">
+            <a:avLst/>
+          </a:prstGeom>
+        </p:spPr>
+      </p:pic>
+      <p:sp>
+        <p:nvSpPr>
+          <p:cNvPr id="20" name="TextBox 19">
+            <a:extLst>
+              <a:ext uri="{FF2B5EF4-FFF2-40B4-BE49-F238E27FC236}">
+                <a16:creationId xmlns:a16="http://schemas.microsoft.com/office/drawing/2014/main" id="{54D6DEF4-07CA-45E3-B832-03CC0857405E}"/>
+              </a:ext>
+            </a:extLst>
+          </p:cNvPr>
+          <p:cNvSpPr txBox="1"/>
+          <p:nvPr/>
+        </p:nvSpPr>
+        <p:spPr>
+          <a:xfrm>
+            <a:off x="0" y="43083"/>
+            <a:ext cx="5072513" cy="400110"/>
+          </a:xfrm>
+          <a:prstGeom prst="rect">
+            <a:avLst/>
+          </a:prstGeom>
+          <a:noFill/>
+        </p:spPr>
+        <p:txBody>
+          <a:bodyPr wrap="square" rtlCol="0">
+            <a:spAutoFit/>
+          </a:bodyPr>
+          <a:lstStyle/>
+          <a:p>
+            <a:r>
+              <a:rPr lang="en-US" sz="2000" b="1" dirty="0">
+                <a:solidFill>
+                  <a:srgbClr val="7F39FB"/>
+                </a:solidFill>
+                <a:latin typeface="Arial" panose="020B0604020202020204" pitchFamily="34" charset="0"/>
+                <a:cs typeface="Arial" panose="020B0604020202020204" pitchFamily="34" charset="0"/>
+              </a:rPr>
+              <a:t>PROJECT</a:t>
+            </a:r>
+            <a:r>
+              <a:rPr lang="en-US" sz="2000" b="1" dirty="0">
+                <a:solidFill>
+                  <a:schemeClr val="bg1"/>
+                </a:solidFill>
+                <a:latin typeface="Arial" panose="020B0604020202020204" pitchFamily="34" charset="0"/>
+                <a:cs typeface="Arial" panose="020B0604020202020204" pitchFamily="34" charset="0"/>
+              </a:rPr>
+              <a:t> HUB</a:t>
+            </a:r>
+            <a:endParaRPr lang="ru-RU" sz="2000" b="1" dirty="0">
+              <a:solidFill>
+                <a:schemeClr val="bg1"/>
+              </a:solidFill>
+              <a:latin typeface="Arial" panose="020B0604020202020204" pitchFamily="34" charset="0"/>
+              <a:cs typeface="Arial" panose="020B0604020202020204" pitchFamily="34" charset="0"/>
+            </a:endParaRPr>
+          </a:p>
+        </p:txBody>
+      </p:sp>
+      <p:cxnSp>
+        <p:nvCxnSpPr>
+          <p:cNvPr id="7" name="Прямая соединительная линия 6">
+            <a:extLst>
+              <a:ext uri="{FF2B5EF4-FFF2-40B4-BE49-F238E27FC236}">
+                <a16:creationId xmlns:a16="http://schemas.microsoft.com/office/drawing/2014/main" id="{9B899CA5-7AE0-49B4-B846-58C98AE8BDCD}"/>
+              </a:ext>
+            </a:extLst>
+          </p:cNvPr>
+          <p:cNvCxnSpPr>
+            <a:cxnSpLocks/>
+          </p:cNvCxnSpPr>
+          <p:nvPr/>
+        </p:nvCxnSpPr>
+        <p:spPr>
+          <a:xfrm>
+            <a:off x="106306" y="507346"/>
+            <a:ext cx="0" cy="5843307"/>
+          </a:xfrm>
+          <a:prstGeom prst="line">
+            <a:avLst/>
+          </a:prstGeom>
+          <a:ln w="22225" cap="sq">
+            <a:solidFill>
+              <a:srgbClr val="7030A0">
+                <a:alpha val="38000"/>
+              </a:srgbClr>
+            </a:solidFill>
+            <a:prstDash val="dash"/>
+            <a:round/>
+          </a:ln>
+        </p:spPr>
+        <p:style>
+          <a:lnRef idx="3">
+            <a:schemeClr val="dk1"/>
+          </a:lnRef>
+          <a:fillRef idx="0">
+            <a:schemeClr val="dk1"/>
+          </a:fillRef>
+          <a:effectRef idx="2">
+            <a:schemeClr val="dk1"/>
+          </a:effectRef>
+          <a:fontRef idx="minor">
+            <a:schemeClr val="tx1"/>
+          </a:fontRef>
+        </p:style>
+      </p:cxnSp>
+      <p:sp>
+        <p:nvSpPr>
+          <p:cNvPr id="11" name="Подзаголовок 2">
+            <a:extLst>
+              <a:ext uri="{FF2B5EF4-FFF2-40B4-BE49-F238E27FC236}">
+                <a16:creationId xmlns:a16="http://schemas.microsoft.com/office/drawing/2014/main" id="{FB7CC8B5-FC89-4818-BD2A-78CCB47F7068}"/>
+              </a:ext>
+            </a:extLst>
+          </p:cNvPr>
+          <p:cNvSpPr txBox="1">
+            <a:spLocks/>
+          </p:cNvSpPr>
+          <p:nvPr/>
+        </p:nvSpPr>
+        <p:spPr>
+          <a:xfrm>
+            <a:off x="1493751" y="2784302"/>
+            <a:ext cx="7157524" cy="2927708"/>
+          </a:xfrm>
+          <a:prstGeom prst="rect">
+            <a:avLst/>
+          </a:prstGeom>
+          <a:solidFill>
+            <a:srgbClr val="121212">
+              <a:alpha val="0"/>
+            </a:srgbClr>
+          </a:solidFill>
+        </p:spPr>
+        <p:txBody>
+          <a:bodyPr>
+            <a:normAutofit/>
+          </a:bodyPr>
+          <a:lstStyle>
+            <a:lvl1pPr marL="228600" indent="-228600" algn="l" defTabSz="914400" rtl="0" eaLnBrk="1" latinLnBrk="0" hangingPunct="1">
+              <a:lnSpc>
+                <a:spcPct val="90000"/>
+              </a:lnSpc>
+              <a:spcBef>
+                <a:spcPts val="1000"/>
+              </a:spcBef>
+              <a:buFont typeface="Arial" panose="020B0604020202020204" pitchFamily="34" charset="0"/>
+              <a:buChar char="•"/>
+              <a:defRPr sz="2800" kern="1200">
+                <a:solidFill>
+                  <a:schemeClr val="tx1"/>
+                </a:solidFill>
+                <a:latin typeface="+mn-lt"/>
+                <a:ea typeface="+mn-ea"/>
+                <a:cs typeface="+mn-cs"/>
+              </a:defRPr>
+            </a:lvl1pPr>
+            <a:lvl2pPr marL="685800" indent="-228600" algn="l" defTabSz="914400" rtl="0" eaLnBrk="1" latinLnBrk="0" hangingPunct="1">
+              <a:lnSpc>
+                <a:spcPct val="90000"/>
+              </a:lnSpc>
+              <a:spcBef>
+                <a:spcPts val="500"/>
+              </a:spcBef>
+              <a:buFont typeface="Arial" panose="020B0604020202020204" pitchFamily="34" charset="0"/>
+              <a:buChar char="•"/>
+              <a:defRPr sz="2400" kern="1200">
+                <a:solidFill>
+                  <a:schemeClr val="tx1"/>
+                </a:solidFill>
+                <a:latin typeface="+mn-lt"/>
+                <a:ea typeface="+mn-ea"/>
+                <a:cs typeface="+mn-cs"/>
+              </a:defRPr>
+            </a:lvl2pPr>
+            <a:lvl3pPr marL="1143000" indent="-228600" algn="l" defTabSz="914400" rtl="0" eaLnBrk="1" latinLnBrk="0" hangingPunct="1">
+              <a:lnSpc>
+                <a:spcPct val="90000"/>
+              </a:lnSpc>
+              <a:spcBef>
+                <a:spcPts val="500"/>
+              </a:spcBef>
+              <a:buFont typeface="Arial" panose="020B0604020202020204" pitchFamily="34" charset="0"/>
+              <a:buChar char="•"/>
+              <a:defRPr sz="2000" kern="1200">
+                <a:solidFill>
+                  <a:schemeClr val="tx1"/>
+                </a:solidFill>
+                <a:latin typeface="+mn-lt"/>
+                <a:ea typeface="+mn-ea"/>
+                <a:cs typeface="+mn-cs"/>
+              </a:defRPr>
+            </a:lvl3pPr>
+            <a:lvl4pPr marL="1600200" indent="-228600" algn="l" defTabSz="914400" rtl="0" eaLnBrk="1" latinLnBrk="0" hangingPunct="1">
+              <a:lnSpc>
+                <a:spcPct val="90000"/>
+              </a:lnSpc>
+              <a:spcBef>
+                <a:spcPts val="500"/>
+              </a:spcBef>
+              <a:buFont typeface="Arial" panose="020B0604020202020204" pitchFamily="34" charset="0"/>
+              <a:buChar char="•"/>
+              <a:defRPr sz="1800" kern="1200">
+                <a:solidFill>
+                  <a:schemeClr val="tx1"/>
+                </a:solidFill>
+                <a:latin typeface="+mn-lt"/>
+                <a:ea typeface="+mn-ea"/>
+                <a:cs typeface="+mn-cs"/>
+              </a:defRPr>
+            </a:lvl4pPr>
+            <a:lvl5pPr marL="2057400" indent="-228600" algn="l" defTabSz="914400" rtl="0" eaLnBrk="1" latinLnBrk="0" hangingPunct="1">
+              <a:lnSpc>
+                <a:spcPct val="90000"/>
+              </a:lnSpc>
+              <a:spcBef>
+                <a:spcPts val="500"/>
+              </a:spcBef>
+              <a:buFont typeface="Arial" panose="020B0604020202020204" pitchFamily="34" charset="0"/>
+              <a:buChar char="•"/>
+              <a:defRPr sz="1800" kern="1200">
+                <a:solidFill>
+                  <a:schemeClr val="tx1"/>
+                </a:solidFill>
+                <a:latin typeface="+mn-lt"/>
+                <a:ea typeface="+mn-ea"/>
+                <a:cs typeface="+mn-cs"/>
+              </a:defRPr>
+            </a:lvl5pPr>
+            <a:lvl6pPr marL="2514600" indent="-228600" algn="l" defTabSz="914400" rtl="0" eaLnBrk="1" latinLnBrk="0" hangingPunct="1">
+              <a:lnSpc>
+                <a:spcPct val="90000"/>
+              </a:lnSpc>
+              <a:spcBef>
+                <a:spcPts val="500"/>
+              </a:spcBef>
+              <a:buFont typeface="Arial" panose="020B0604020202020204" pitchFamily="34" charset="0"/>
+              <a:buChar char="•"/>
+              <a:defRPr sz="1800" kern="1200">
+                <a:solidFill>
+                  <a:schemeClr val="tx1"/>
+                </a:solidFill>
+                <a:latin typeface="+mn-lt"/>
+                <a:ea typeface="+mn-ea"/>
+                <a:cs typeface="+mn-cs"/>
+              </a:defRPr>
+            </a:lvl6pPr>
+            <a:lvl7pPr marL="2971800" indent="-228600" algn="l" defTabSz="914400" rtl="0" eaLnBrk="1" latinLnBrk="0" hangingPunct="1">
+              <a:lnSpc>
+                <a:spcPct val="90000"/>
+              </a:lnSpc>
+              <a:spcBef>
+                <a:spcPts val="500"/>
+              </a:spcBef>
+              <a:buFont typeface="Arial" panose="020B0604020202020204" pitchFamily="34" charset="0"/>
+              <a:buChar char="•"/>
+              <a:defRPr sz="1800" kern="1200">
+                <a:solidFill>
+                  <a:schemeClr val="tx1"/>
+                </a:solidFill>
+                <a:latin typeface="+mn-lt"/>
+                <a:ea typeface="+mn-ea"/>
+                <a:cs typeface="+mn-cs"/>
+              </a:defRPr>
+            </a:lvl7pPr>
+            <a:lvl8pPr marL="3429000" indent="-228600" algn="l" defTabSz="914400" rtl="0" eaLnBrk="1" latinLnBrk="0" hangingPunct="1">
+              <a:lnSpc>
+                <a:spcPct val="90000"/>
+              </a:lnSpc>
+              <a:spcBef>
+                <a:spcPts val="500"/>
+              </a:spcBef>
+              <a:buFont typeface="Arial" panose="020B0604020202020204" pitchFamily="34" charset="0"/>
+              <a:buChar char="•"/>
+              <a:defRPr sz="1800" kern="1200">
+                <a:solidFill>
+                  <a:schemeClr val="tx1"/>
+                </a:solidFill>
+                <a:latin typeface="+mn-lt"/>
+                <a:ea typeface="+mn-ea"/>
+                <a:cs typeface="+mn-cs"/>
+              </a:defRPr>
+            </a:lvl8pPr>
+            <a:lvl9pPr marL="3886200" indent="-228600" algn="l" defTabSz="914400" rtl="0" eaLnBrk="1" latinLnBrk="0" hangingPunct="1">
+              <a:lnSpc>
+                <a:spcPct val="90000"/>
+              </a:lnSpc>
+              <a:spcBef>
+                <a:spcPts val="500"/>
+              </a:spcBef>
+              <a:buFont typeface="Arial" panose="020B0604020202020204" pitchFamily="34" charset="0"/>
+              <a:buChar char="•"/>
+              <a:defRPr sz="1800" kern="1200">
+                <a:solidFill>
+                  <a:schemeClr val="tx1"/>
+                </a:solidFill>
+                <a:latin typeface="+mn-lt"/>
+                <a:ea typeface="+mn-ea"/>
+                <a:cs typeface="+mn-cs"/>
+              </a:defRPr>
+            </a:lvl9pPr>
+          </a:lstStyle>
+          <a:p>
+            <a:pPr>
+              <a:buClr>
+                <a:srgbClr val="7F39FB"/>
+              </a:buClr>
+            </a:pPr>
+            <a:r>
+              <a:rPr lang="ru-RU" sz="3600" dirty="0" err="1">
+                <a:solidFill>
+                  <a:schemeClr val="bg1">
+                    <a:lumMod val="85000"/>
+                  </a:schemeClr>
+                </a:solidFill>
+                <a:latin typeface="VDS" panose="02000506000000020004" pitchFamily="2" charset="-52"/>
+                <a:cs typeface="Arial" panose="020B0604020202020204" pitchFamily="34" charset="0"/>
+              </a:rPr>
+              <a:t>B</a:t>
+            </a:r>
+            <a:r>
+              <a:rPr lang="en-US" sz="3600" dirty="0">
+                <a:solidFill>
+                  <a:schemeClr val="bg1">
+                    <a:lumMod val="85000"/>
+                  </a:schemeClr>
+                </a:solidFill>
+                <a:latin typeface="VDS" panose="02000506000000020004" pitchFamily="2" charset="-52"/>
+                <a:cs typeface="Arial" panose="020B0604020202020204" pitchFamily="34" charset="0"/>
+              </a:rPr>
+              <a:t>2C </a:t>
+            </a:r>
+            <a:r>
+              <a:rPr lang="ru-RU" sz="3600" dirty="0">
+                <a:solidFill>
+                  <a:schemeClr val="bg1">
+                    <a:lumMod val="85000"/>
+                  </a:schemeClr>
+                </a:solidFill>
+                <a:latin typeface="VDS" panose="02000506000000020004" pitchFamily="2" charset="-52"/>
+                <a:cs typeface="Arial" panose="020B0604020202020204" pitchFamily="34" charset="0"/>
+              </a:rPr>
+              <a:t>Студенты</a:t>
+            </a:r>
+            <a:r>
+              <a:rPr lang="en-US" sz="3600" dirty="0">
+                <a:solidFill>
+                  <a:schemeClr val="bg1">
+                    <a:lumMod val="85000"/>
+                  </a:schemeClr>
+                </a:solidFill>
+                <a:latin typeface="VDS" panose="02000506000000020004" pitchFamily="2" charset="-52"/>
+                <a:cs typeface="Arial" panose="020B0604020202020204" pitchFamily="34" charset="0"/>
+              </a:rPr>
+              <a:t> </a:t>
+            </a:r>
+            <a:endParaRPr lang="ru-RU" sz="3600" dirty="0">
+              <a:solidFill>
+                <a:schemeClr val="bg1">
+                  <a:lumMod val="85000"/>
+                </a:schemeClr>
+              </a:solidFill>
+              <a:latin typeface="VDS" panose="02000506000000020004" pitchFamily="2" charset="-52"/>
+              <a:cs typeface="Arial" panose="020B0604020202020204" pitchFamily="34" charset="0"/>
+            </a:endParaRPr>
+          </a:p>
+          <a:p>
+            <a:pPr>
+              <a:buClr>
+                <a:srgbClr val="7F39FB"/>
+              </a:buClr>
+            </a:pPr>
+            <a:r>
+              <a:rPr lang="en-US" sz="3600" dirty="0">
+                <a:solidFill>
+                  <a:schemeClr val="bg1">
+                    <a:lumMod val="85000"/>
+                  </a:schemeClr>
+                </a:solidFill>
+                <a:latin typeface="VDS" panose="02000506000000020004" pitchFamily="2" charset="-52"/>
+                <a:cs typeface="Arial" panose="020B0604020202020204" pitchFamily="34" charset="0"/>
+              </a:rPr>
+              <a:t>B2B </a:t>
+            </a:r>
+            <a:r>
+              <a:rPr lang="ru-RU" sz="3600" dirty="0">
+                <a:solidFill>
+                  <a:schemeClr val="bg1">
+                    <a:lumMod val="85000"/>
+                  </a:schemeClr>
+                </a:solidFill>
+                <a:latin typeface="VDS" panose="02000506000000020004" pitchFamily="2" charset="-52"/>
+                <a:cs typeface="Arial" panose="020B0604020202020204" pitchFamily="34" charset="0"/>
+              </a:rPr>
+              <a:t>Бизнесмены </a:t>
+            </a:r>
+            <a:endParaRPr lang="en-US" sz="3600" dirty="0">
+              <a:solidFill>
+                <a:schemeClr val="bg1">
+                  <a:lumMod val="85000"/>
+                </a:schemeClr>
+              </a:solidFill>
+              <a:latin typeface="VDS" panose="02000506000000020004" pitchFamily="2" charset="-52"/>
+              <a:cs typeface="Arial" panose="020B0604020202020204" pitchFamily="34" charset="0"/>
+            </a:endParaRPr>
+          </a:p>
+        </p:txBody>
+      </p:sp>
+      <p:sp>
+        <p:nvSpPr>
+          <p:cNvPr id="13" name="TextBox 12">
+            <a:extLst>
+              <a:ext uri="{FF2B5EF4-FFF2-40B4-BE49-F238E27FC236}">
+                <a16:creationId xmlns:a16="http://schemas.microsoft.com/office/drawing/2014/main" id="{F785DF67-D6CF-4612-9C18-60E207D61E6B}"/>
+              </a:ext>
+            </a:extLst>
+          </p:cNvPr>
+          <p:cNvSpPr txBox="1"/>
+          <p:nvPr/>
+        </p:nvSpPr>
+        <p:spPr>
+          <a:xfrm>
+            <a:off x="11675708" y="6407285"/>
+            <a:ext cx="516292" cy="461665"/>
+          </a:xfrm>
+          <a:prstGeom prst="rect">
+            <a:avLst/>
+          </a:prstGeom>
+          <a:noFill/>
+        </p:spPr>
+        <p:txBody>
+          <a:bodyPr wrap="square" rtlCol="0">
+            <a:spAutoFit/>
+          </a:bodyPr>
+          <a:lstStyle/>
+          <a:p>
+            <a:r>
+              <a:rPr lang="en-US" sz="2400" b="1" dirty="0">
+                <a:solidFill>
+                  <a:schemeClr val="bg1"/>
+                </a:solidFill>
+                <a:latin typeface="VDS" panose="02000506000000020004" pitchFamily="2" charset="-52"/>
+              </a:rPr>
+              <a:t>0</a:t>
+            </a:r>
+            <a:r>
+              <a:rPr lang="ru-RU" sz="2400" b="1" dirty="0">
+                <a:solidFill>
+                  <a:schemeClr val="bg1"/>
+                </a:solidFill>
+                <a:latin typeface="VDS" panose="02000506000000020004" pitchFamily="2" charset="-52"/>
+              </a:rPr>
+              <a:t>4</a:t>
+            </a:r>
+            <a:endParaRPr lang="ru-RU" sz="2400" b="1" dirty="0">
+              <a:solidFill>
+                <a:srgbClr val="7F39FB"/>
+              </a:solidFill>
+              <a:latin typeface="VDS" panose="02000506000000020004" pitchFamily="2" charset="-52"/>
+            </a:endParaRPr>
+          </a:p>
+        </p:txBody>
+      </p:sp>
+      <p:pic>
+        <p:nvPicPr>
+          <p:cNvPr id="9" name="Рисунок 8">
+            <a:extLst>
+              <a:ext uri="{FF2B5EF4-FFF2-40B4-BE49-F238E27FC236}">
+                <a16:creationId xmlns:a16="http://schemas.microsoft.com/office/drawing/2014/main" id="{7C155EAE-A9ED-4066-A1BF-1F18D236B300}"/>
+              </a:ext>
+            </a:extLst>
+          </p:cNvPr>
+          <p:cNvPicPr>
+            <a:picLocks noChangeAspect="1"/>
+          </p:cNvPicPr>
+          <p:nvPr/>
+        </p:nvPicPr>
+        <p:blipFill>
+          <a:blip r:embed="rId6" cstate="print">
+            <a:extLst>
+              <a:ext uri="{28A0092B-C50C-407E-A947-70E740481C1C}">
+                <a14:useLocalDpi xmlns:a14="http://schemas.microsoft.com/office/drawing/2010/main" val="0"/>
+              </a:ext>
+              <a:ext uri="{96DAC541-7B7A-43D3-8B79-37D633B846F1}">
+                <asvg:svgBlip xmlns:asvg="http://schemas.microsoft.com/office/drawing/2016/SVG/main" r:embed="rId7"/>
+              </a:ext>
+            </a:extLst>
+          </a:blip>
+          <a:stretch>
+            <a:fillRect/>
+          </a:stretch>
+        </p:blipFill>
+        <p:spPr>
+          <a:xfrm>
+            <a:off x="8182144" y="1924321"/>
+            <a:ext cx="3009357" cy="3009357"/>
+          </a:xfrm>
+          <a:prstGeom prst="rect">
+            <a:avLst/>
+          </a:prstGeom>
+        </p:spPr>
+      </p:pic>
+    </p:spTree>
+    <p:extLst>
+      <p:ext uri="{BB962C8B-B14F-4D97-AF65-F5344CB8AC3E}">
+        <p14:creationId xmlns:p14="http://schemas.microsoft.com/office/powerpoint/2010/main" val="4268086182"/>
+      </p:ext>
+    </p:extLst>
+  </p:cSld>
+  <p:clrMapOvr>
+    <a:masterClrMapping/>
+  </p:clrMapOvr>
+</p:sld>
+</file>
+
+<file path=ppt/slides/slide4.xml><?xml version="1.0" encoding="utf-8"?>
+<p:sld xmlns:a="http://schemas.openxmlformats.org/drawingml/2006/main" xmlns:r="http://schemas.openxmlformats.org/officeDocument/2006/relationships" xmlns:p="http://schemas.openxmlformats.org/presentationml/2006/main">
+  <p:cSld>
+    <p:bg>
+      <p:bgPr>
+        <a:solidFill>
+          <a:srgbClr val="121212"/>
+        </a:solidFill>
+        <a:effectLst/>
+      </p:bgPr>
+    </p:bg>
+    <p:spTree>
+      <p:nvGrpSpPr>
+        <p:cNvPr id="1" name=""/>
+        <p:cNvGrpSpPr/>
+        <p:nvPr/>
+      </p:nvGrpSpPr>
+      <p:grpSpPr>
+        <a:xfrm>
+          <a:off x="0" y="0"/>
+          <a:ext cx="0" cy="0"/>
+          <a:chOff x="0" y="0"/>
+          <a:chExt cx="0" cy="0"/>
+        </a:xfrm>
+      </p:grpSpPr>
       <p:sp>
         <p:nvSpPr>
           <p:cNvPr id="12" name="Подзаголовок 2">
@@ -6342,7 +7171,7 @@
                 <a:buNone/>
               </a:pPr>
               <a:r>
-                <a:rPr lang="ru-RU" sz="2400" dirty="0">
+                <a:rPr lang="ru-RU" sz="2000" dirty="0">
                   <a:solidFill>
                     <a:schemeClr val="bg1">
                       <a:lumMod val="85000"/>
@@ -6351,41 +7180,8 @@
                   <a:latin typeface="VDS" panose="02000506000000020004" pitchFamily="2" charset="-52"/>
                   <a:cs typeface="Arial" panose="020B0604020202020204" pitchFamily="34" charset="0"/>
                 </a:rPr>
-                <a:t>60-90 студентов </a:t>
+                <a:t>30% молодых специалистов заявляют, что они испытывают трудности с поиском работы из-за отсутствия опыта</a:t>
               </a:r>
-              <a:r>
-                <a:rPr lang="en-US" sz="2400" dirty="0">
-                  <a:solidFill>
-                    <a:schemeClr val="bg1">
-                      <a:lumMod val="85000"/>
-                    </a:schemeClr>
-                  </a:solidFill>
-                  <a:latin typeface="VDS" panose="02000506000000020004" pitchFamily="2" charset="-52"/>
-                  <a:cs typeface="Arial" panose="020B0604020202020204" pitchFamily="34" charset="0"/>
-                </a:rPr>
-                <a:t>IThub </a:t>
-              </a:r>
-              <a:r>
-                <a:rPr lang="ru-RU" sz="2400" dirty="0">
-                  <a:solidFill>
-                    <a:schemeClr val="bg1">
-                      <a:lumMod val="85000"/>
-                    </a:schemeClr>
-                  </a:solidFill>
-                  <a:latin typeface="VDS" panose="02000506000000020004" pitchFamily="2" charset="-52"/>
-                  <a:cs typeface="Arial" panose="020B0604020202020204" pitchFamily="34" charset="0"/>
-                </a:rPr>
-                <a:t>ежегодно не могут найти друзей и команду </a:t>
-              </a:r>
-              <a:endParaRPr lang="ru-RU" sz="1800" dirty="0">
-                <a:solidFill>
-                  <a:schemeClr val="bg1">
-                    <a:lumMod val="85000"/>
-                  </a:schemeClr>
-                </a:solidFill>
-                <a:latin typeface="VDS" panose="02000506000000020004" pitchFamily="2" charset="-52"/>
-                <a:cs typeface="Arial" panose="020B0604020202020204" pitchFamily="34" charset="0"/>
-              </a:endParaRPr>
             </a:p>
           </p:txBody>
         </p:sp>
@@ -6868,55 +7664,7 @@
                 <a:latin typeface="VDS" panose="02000506000000020004" pitchFamily="2" charset="-52"/>
                 <a:cs typeface="Arial" panose="020B0604020202020204" pitchFamily="34" charset="0"/>
               </a:rPr>
-              <a:t>Сложность</a:t>
-            </a:r>
-            <a:r>
-              <a:rPr lang="ru-RU" dirty="0">
-                <a:solidFill>
-                  <a:schemeClr val="bg1">
-                    <a:lumMod val="85000"/>
-                  </a:schemeClr>
-                </a:solidFill>
-                <a:latin typeface="VDS" panose="02000506000000020004" pitchFamily="2" charset="-52"/>
-                <a:cs typeface="Arial" panose="020B0604020202020204" pitchFamily="34" charset="0"/>
-              </a:rPr>
-              <a:t> </a:t>
-            </a:r>
-            <a:r>
-              <a:rPr lang="ru-RU" sz="2400" dirty="0">
-                <a:solidFill>
-                  <a:schemeClr val="bg1">
-                    <a:lumMod val="85000"/>
-                  </a:schemeClr>
-                </a:solidFill>
-                <a:latin typeface="VDS" panose="02000506000000020004" pitchFamily="2" charset="-52"/>
-                <a:cs typeface="Arial" panose="020B0604020202020204" pitchFamily="34" charset="0"/>
-              </a:rPr>
-              <a:t>проектной</a:t>
-            </a:r>
-            <a:r>
-              <a:rPr lang="ru-RU" dirty="0">
-                <a:solidFill>
-                  <a:schemeClr val="bg1">
-                    <a:lumMod val="85000"/>
-                  </a:schemeClr>
-                </a:solidFill>
-                <a:latin typeface="VDS" panose="02000506000000020004" pitchFamily="2" charset="-52"/>
-                <a:cs typeface="Arial" panose="020B0604020202020204" pitchFamily="34" charset="0"/>
-              </a:rPr>
-              <a:t> </a:t>
-            </a:r>
-            <a:r>
-              <a:rPr lang="ru-RU" sz="2400" dirty="0">
-                <a:solidFill>
-                  <a:schemeClr val="bg1">
-                    <a:lumMod val="85000"/>
-                  </a:schemeClr>
-                </a:solidFill>
-                <a:latin typeface="VDS" panose="02000506000000020004" pitchFamily="2" charset="-52"/>
-                <a:cs typeface="Arial" panose="020B0604020202020204" pitchFamily="34" charset="0"/>
-              </a:rPr>
-              <a:t>деятельности</a:t>
+              <a:t>Сложность в получении опыта работы студентами</a:t>
             </a:r>
           </a:p>
         </p:txBody>
@@ -6937,7 +7685,7 @@
         </p:nvSpPr>
         <p:spPr>
           <a:xfrm>
-            <a:off x="511375" y="5234482"/>
+            <a:off x="516293" y="3135902"/>
             <a:ext cx="4209694" cy="957107"/>
           </a:xfrm>
           <a:prstGeom prst="rect">
@@ -6951,7 +7699,7 @@
         </p:spPr>
         <p:txBody>
           <a:bodyPr>
-            <a:normAutofit/>
+            <a:noAutofit/>
           </a:bodyPr>
           <a:lstStyle>
             <a:lvl1pPr marL="228600" indent="-228600" algn="l" defTabSz="914400" rtl="0" eaLnBrk="1" latinLnBrk="0" hangingPunct="1">
@@ -7134,41 +7882,8 @@
                 <a:latin typeface="VDS" panose="02000506000000020004" pitchFamily="2" charset="-52"/>
                 <a:cs typeface="Arial" panose="020B0604020202020204" pitchFamily="34" charset="0"/>
               </a:rPr>
-              <a:t>Тяжелая</a:t>
+              <a:t>Тяжелая адаптация студентов в новом коллективе</a:t>
             </a:r>
-            <a:r>
-              <a:rPr lang="ru-RU" dirty="0">
-                <a:solidFill>
-                  <a:schemeClr val="bg1">
-                    <a:lumMod val="85000"/>
-                  </a:schemeClr>
-                </a:solidFill>
-                <a:latin typeface="VDS" panose="02000506000000020004" pitchFamily="2" charset="-52"/>
-                <a:cs typeface="Arial" panose="020B0604020202020204" pitchFamily="34" charset="0"/>
-              </a:rPr>
-              <a:t> </a:t>
-            </a:r>
-            <a:r>
-              <a:rPr lang="ru-RU" sz="2400" dirty="0">
-                <a:solidFill>
-                  <a:schemeClr val="bg1">
-                    <a:lumMod val="85000"/>
-                  </a:schemeClr>
-                </a:solidFill>
-                <a:latin typeface="VDS" panose="02000506000000020004" pitchFamily="2" charset="-52"/>
-                <a:cs typeface="Arial" panose="020B0604020202020204" pitchFamily="34" charset="0"/>
-              </a:rPr>
-              <a:t>адаптация</a:t>
-            </a:r>
-            <a:endParaRPr lang="ru-RU" dirty="0">
-              <a:solidFill>
-                <a:schemeClr val="bg1">
-                  <a:lumMod val="85000"/>
-                </a:schemeClr>
-              </a:solidFill>
-              <a:latin typeface="VDS" panose="02000506000000020004" pitchFamily="2" charset="-52"/>
-              <a:cs typeface="Arial" panose="020B0604020202020204" pitchFamily="34" charset="0"/>
-            </a:endParaRPr>
           </a:p>
         </p:txBody>
       </p:sp>
@@ -7188,7 +7903,7 @@
         </p:nvSpPr>
         <p:spPr>
           <a:xfrm>
-            <a:off x="511375" y="3316805"/>
+            <a:off x="516293" y="5013833"/>
             <a:ext cx="4209694" cy="1322596"/>
           </a:xfrm>
           <a:prstGeom prst="rect">
@@ -7420,7 +8135,7 @@
 </p:sld>
 </file>
 
-<file path=ppt/slides/slide4.xml><?xml version="1.0" encoding="utf-8"?>
+<file path=ppt/slides/slide5.xml><?xml version="1.0" encoding="utf-8"?>
 <p:sld xmlns:a="http://schemas.openxmlformats.org/drawingml/2006/main" xmlns:r="http://schemas.openxmlformats.org/officeDocument/2006/relationships" xmlns:p="http://schemas.openxmlformats.org/presentationml/2006/main">
   <p:cSld>
     <p:bg>
@@ -7878,7 +8593,7 @@
         </p:spPr>
         <p:txBody>
           <a:bodyPr vert="horz" lIns="91440" tIns="45720" rIns="91440" bIns="45720" rtlCol="0">
-            <a:normAutofit fontScale="70000" lnSpcReduction="20000"/>
+            <a:normAutofit fontScale="77500" lnSpcReduction="20000"/>
           </a:bodyPr>
           <a:lstStyle>
             <a:lvl1pPr marL="0" indent="0" algn="ctr" defTabSz="914400" rtl="0" eaLnBrk="1" latinLnBrk="0" hangingPunct="1">
@@ -8175,7 +8890,7 @@
 </p:sld>
 </file>
 
-<file path=ppt/slides/slide5.xml><?xml version="1.0" encoding="utf-8"?>
+<file path=ppt/slides/slide6.xml><?xml version="1.0" encoding="utf-8"?>
 <p:sld xmlns:a="http://schemas.openxmlformats.org/drawingml/2006/main" xmlns:r="http://schemas.openxmlformats.org/officeDocument/2006/relationships" xmlns:p="http://schemas.openxmlformats.org/presentationml/2006/main">
   <p:cSld>
     <p:bg>
@@ -8200,45 +8915,6 @@
           <a:chExt cx="0" cy="0"/>
         </a:xfrm>
       </p:grpSpPr>
-      <p:pic>
-        <p:nvPicPr>
-          <p:cNvPr id="10" name="Рисунок 9">
-            <a:extLst>
-              <a:ext uri="{FF2B5EF4-FFF2-40B4-BE49-F238E27FC236}">
-                <a16:creationId xmlns:a16="http://schemas.microsoft.com/office/drawing/2014/main" id="{DB58150B-078E-4E71-8B9B-6515E8A175F5}"/>
-              </a:ext>
-            </a:extLst>
-          </p:cNvPr>
-          <p:cNvPicPr>
-            <a:picLocks noChangeAspect="1"/>
-          </p:cNvPicPr>
-          <p:nvPr/>
-        </p:nvPicPr>
-        <p:blipFill>
-          <a:blip r:embed="rId2" cstate="print">
-            <a:extLst>
-              <a:ext uri="{28A0092B-C50C-407E-A947-70E740481C1C}">
-                <a14:useLocalDpi xmlns:a14="http://schemas.microsoft.com/office/drawing/2010/main" val="0"/>
-              </a:ext>
-              <a:ext uri="{96DAC541-7B7A-43D3-8B79-37D633B846F1}">
-                <asvg:svgBlip xmlns:asvg="http://schemas.microsoft.com/office/drawing/2016/SVG/main" r:embed="rId3"/>
-              </a:ext>
-            </a:extLst>
-          </a:blip>
-          <a:stretch>
-            <a:fillRect/>
-          </a:stretch>
-        </p:blipFill>
-        <p:spPr>
-          <a:xfrm>
-            <a:off x="8388913" y="1924321"/>
-            <a:ext cx="3009357" cy="3009357"/>
-          </a:xfrm>
-          <a:prstGeom prst="rect">
-            <a:avLst/>
-          </a:prstGeom>
-        </p:spPr>
-      </p:pic>
       <p:sp>
         <p:nvSpPr>
           <p:cNvPr id="12" name="Подзаголовок 2">
@@ -8255,8 +8931,8 @@
         </p:nvSpPr>
         <p:spPr>
           <a:xfrm>
-            <a:off x="113926" y="443193"/>
-            <a:ext cx="6261834" cy="874319"/>
+            <a:off x="102791" y="438838"/>
+            <a:ext cx="7645960" cy="874319"/>
           </a:xfrm>
           <a:prstGeom prst="rect">
             <a:avLst/>
@@ -8447,7 +9123,7 @@
                 <a:latin typeface="VDS" panose="02000506000000020004" pitchFamily="2" charset="-52"/>
                 <a:cs typeface="Arial" panose="020B0604020202020204" pitchFamily="34" charset="0"/>
               </a:rPr>
-              <a:t>Целевая аудитория</a:t>
+              <a:t>Функции и преимущества</a:t>
             </a:r>
           </a:p>
         </p:txBody>
@@ -8467,13 +9143,13 @@
           <p:nvPr/>
         </p:nvPicPr>
         <p:blipFill>
-          <a:blip r:embed="rId4" cstate="print">
+          <a:blip r:embed="rId2" cstate="print">
             <a:extLst>
               <a:ext uri="{28A0092B-C50C-407E-A947-70E740481C1C}">
                 <a14:useLocalDpi xmlns:a14="http://schemas.microsoft.com/office/drawing/2010/main" val="0"/>
               </a:ext>
               <a:ext uri="{96DAC541-7B7A-43D3-8B79-37D633B846F1}">
-                <asvg:svgBlip xmlns:asvg="http://schemas.microsoft.com/office/drawing/2016/SVG/main" r:embed="rId5"/>
+                <asvg:svgBlip xmlns:asvg="http://schemas.microsoft.com/office/drawing/2016/SVG/main" r:embed="rId3"/>
               </a:ext>
             </a:extLst>
           </a:blip>
@@ -8598,312 +9274,10 @@
       </p:cxnSp>
       <p:sp>
         <p:nvSpPr>
-          <p:cNvPr id="11" name="Подзаголовок 2">
-            <a:extLst>
-              <a:ext uri="{FF2B5EF4-FFF2-40B4-BE49-F238E27FC236}">
-                <a16:creationId xmlns:a16="http://schemas.microsoft.com/office/drawing/2014/main" id="{FB7CC8B5-FC89-4818-BD2A-78CCB47F7068}"/>
-              </a:ext>
-            </a:extLst>
-          </p:cNvPr>
-          <p:cNvSpPr txBox="1">
-            <a:spLocks/>
-          </p:cNvSpPr>
-          <p:nvPr/>
-        </p:nvSpPr>
-        <p:spPr>
-          <a:xfrm>
-            <a:off x="1493751" y="2784302"/>
-            <a:ext cx="7157524" cy="2927708"/>
-          </a:xfrm>
-          <a:prstGeom prst="rect">
-            <a:avLst/>
-          </a:prstGeom>
-          <a:solidFill>
-            <a:srgbClr val="121212">
-              <a:alpha val="0"/>
-            </a:srgbClr>
-          </a:solidFill>
-        </p:spPr>
-        <p:txBody>
-          <a:bodyPr>
-            <a:normAutofit/>
-          </a:bodyPr>
-          <a:lstStyle>
-            <a:lvl1pPr marL="228600" indent="-228600" algn="l" defTabSz="914400" rtl="0" eaLnBrk="1" latinLnBrk="0" hangingPunct="1">
-              <a:lnSpc>
-                <a:spcPct val="90000"/>
-              </a:lnSpc>
-              <a:spcBef>
-                <a:spcPts val="1000"/>
-              </a:spcBef>
-              <a:buFont typeface="Arial" panose="020B0604020202020204" pitchFamily="34" charset="0"/>
-              <a:buChar char="•"/>
-              <a:defRPr sz="2800" kern="1200">
-                <a:solidFill>
-                  <a:schemeClr val="tx1"/>
-                </a:solidFill>
-                <a:latin typeface="+mn-lt"/>
-                <a:ea typeface="+mn-ea"/>
-                <a:cs typeface="+mn-cs"/>
-              </a:defRPr>
-            </a:lvl1pPr>
-            <a:lvl2pPr marL="685800" indent="-228600" algn="l" defTabSz="914400" rtl="0" eaLnBrk="1" latinLnBrk="0" hangingPunct="1">
-              <a:lnSpc>
-                <a:spcPct val="90000"/>
-              </a:lnSpc>
-              <a:spcBef>
-                <a:spcPts val="500"/>
-              </a:spcBef>
-              <a:buFont typeface="Arial" panose="020B0604020202020204" pitchFamily="34" charset="0"/>
-              <a:buChar char="•"/>
-              <a:defRPr sz="2400" kern="1200">
-                <a:solidFill>
-                  <a:schemeClr val="tx1"/>
-                </a:solidFill>
-                <a:latin typeface="+mn-lt"/>
-                <a:ea typeface="+mn-ea"/>
-                <a:cs typeface="+mn-cs"/>
-              </a:defRPr>
-            </a:lvl2pPr>
-            <a:lvl3pPr marL="1143000" indent="-228600" algn="l" defTabSz="914400" rtl="0" eaLnBrk="1" latinLnBrk="0" hangingPunct="1">
-              <a:lnSpc>
-                <a:spcPct val="90000"/>
-              </a:lnSpc>
-              <a:spcBef>
-                <a:spcPts val="500"/>
-              </a:spcBef>
-              <a:buFont typeface="Arial" panose="020B0604020202020204" pitchFamily="34" charset="0"/>
-              <a:buChar char="•"/>
-              <a:defRPr sz="2000" kern="1200">
-                <a:solidFill>
-                  <a:schemeClr val="tx1"/>
-                </a:solidFill>
-                <a:latin typeface="+mn-lt"/>
-                <a:ea typeface="+mn-ea"/>
-                <a:cs typeface="+mn-cs"/>
-              </a:defRPr>
-            </a:lvl3pPr>
-            <a:lvl4pPr marL="1600200" indent="-228600" algn="l" defTabSz="914400" rtl="0" eaLnBrk="1" latinLnBrk="0" hangingPunct="1">
-              <a:lnSpc>
-                <a:spcPct val="90000"/>
-              </a:lnSpc>
-              <a:spcBef>
-                <a:spcPts val="500"/>
-              </a:spcBef>
-              <a:buFont typeface="Arial" panose="020B0604020202020204" pitchFamily="34" charset="0"/>
-              <a:buChar char="•"/>
-              <a:defRPr sz="1800" kern="1200">
-                <a:solidFill>
-                  <a:schemeClr val="tx1"/>
-                </a:solidFill>
-                <a:latin typeface="+mn-lt"/>
-                <a:ea typeface="+mn-ea"/>
-                <a:cs typeface="+mn-cs"/>
-              </a:defRPr>
-            </a:lvl4pPr>
-            <a:lvl5pPr marL="2057400" indent="-228600" algn="l" defTabSz="914400" rtl="0" eaLnBrk="1" latinLnBrk="0" hangingPunct="1">
-              <a:lnSpc>
-                <a:spcPct val="90000"/>
-              </a:lnSpc>
-              <a:spcBef>
-                <a:spcPts val="500"/>
-              </a:spcBef>
-              <a:buFont typeface="Arial" panose="020B0604020202020204" pitchFamily="34" charset="0"/>
-              <a:buChar char="•"/>
-              <a:defRPr sz="1800" kern="1200">
-                <a:solidFill>
-                  <a:schemeClr val="tx1"/>
-                </a:solidFill>
-                <a:latin typeface="+mn-lt"/>
-                <a:ea typeface="+mn-ea"/>
-                <a:cs typeface="+mn-cs"/>
-              </a:defRPr>
-            </a:lvl5pPr>
-            <a:lvl6pPr marL="2514600" indent="-228600" algn="l" defTabSz="914400" rtl="0" eaLnBrk="1" latinLnBrk="0" hangingPunct="1">
-              <a:lnSpc>
-                <a:spcPct val="90000"/>
-              </a:lnSpc>
-              <a:spcBef>
-                <a:spcPts val="500"/>
-              </a:spcBef>
-              <a:buFont typeface="Arial" panose="020B0604020202020204" pitchFamily="34" charset="0"/>
-              <a:buChar char="•"/>
-              <a:defRPr sz="1800" kern="1200">
-                <a:solidFill>
-                  <a:schemeClr val="tx1"/>
-                </a:solidFill>
-                <a:latin typeface="+mn-lt"/>
-                <a:ea typeface="+mn-ea"/>
-                <a:cs typeface="+mn-cs"/>
-              </a:defRPr>
-            </a:lvl6pPr>
-            <a:lvl7pPr marL="2971800" indent="-228600" algn="l" defTabSz="914400" rtl="0" eaLnBrk="1" latinLnBrk="0" hangingPunct="1">
-              <a:lnSpc>
-                <a:spcPct val="90000"/>
-              </a:lnSpc>
-              <a:spcBef>
-                <a:spcPts val="500"/>
-              </a:spcBef>
-              <a:buFont typeface="Arial" panose="020B0604020202020204" pitchFamily="34" charset="0"/>
-              <a:buChar char="•"/>
-              <a:defRPr sz="1800" kern="1200">
-                <a:solidFill>
-                  <a:schemeClr val="tx1"/>
-                </a:solidFill>
-                <a:latin typeface="+mn-lt"/>
-                <a:ea typeface="+mn-ea"/>
-                <a:cs typeface="+mn-cs"/>
-              </a:defRPr>
-            </a:lvl7pPr>
-            <a:lvl8pPr marL="3429000" indent="-228600" algn="l" defTabSz="914400" rtl="0" eaLnBrk="1" latinLnBrk="0" hangingPunct="1">
-              <a:lnSpc>
-                <a:spcPct val="90000"/>
-              </a:lnSpc>
-              <a:spcBef>
-                <a:spcPts val="500"/>
-              </a:spcBef>
-              <a:buFont typeface="Arial" panose="020B0604020202020204" pitchFamily="34" charset="0"/>
-              <a:buChar char="•"/>
-              <a:defRPr sz="1800" kern="1200">
-                <a:solidFill>
-                  <a:schemeClr val="tx1"/>
-                </a:solidFill>
-                <a:latin typeface="+mn-lt"/>
-                <a:ea typeface="+mn-ea"/>
-                <a:cs typeface="+mn-cs"/>
-              </a:defRPr>
-            </a:lvl8pPr>
-            <a:lvl9pPr marL="3886200" indent="-228600" algn="l" defTabSz="914400" rtl="0" eaLnBrk="1" latinLnBrk="0" hangingPunct="1">
-              <a:lnSpc>
-                <a:spcPct val="90000"/>
-              </a:lnSpc>
-              <a:spcBef>
-                <a:spcPts val="500"/>
-              </a:spcBef>
-              <a:buFont typeface="Arial" panose="020B0604020202020204" pitchFamily="34" charset="0"/>
-              <a:buChar char="•"/>
-              <a:defRPr sz="1800" kern="1200">
-                <a:solidFill>
-                  <a:schemeClr val="tx1"/>
-                </a:solidFill>
-                <a:latin typeface="+mn-lt"/>
-                <a:ea typeface="+mn-ea"/>
-                <a:cs typeface="+mn-cs"/>
-              </a:defRPr>
-            </a:lvl9pPr>
-          </a:lstStyle>
-          <a:p>
-            <a:pPr>
-              <a:buClr>
-                <a:srgbClr val="7F39FB"/>
-              </a:buClr>
-            </a:pPr>
-            <a:r>
-              <a:rPr lang="ru-RU" sz="3600" dirty="0" err="1">
-                <a:solidFill>
-                  <a:schemeClr val="bg1">
-                    <a:lumMod val="85000"/>
-                  </a:schemeClr>
-                </a:solidFill>
-                <a:latin typeface="VDS" panose="02000506000000020004" pitchFamily="2" charset="-52"/>
-                <a:cs typeface="Arial" panose="020B0604020202020204" pitchFamily="34" charset="0"/>
-              </a:rPr>
-              <a:t>B</a:t>
-            </a:r>
-            <a:r>
-              <a:rPr lang="en-US" sz="3600" dirty="0">
-                <a:solidFill>
-                  <a:schemeClr val="bg1">
-                    <a:lumMod val="85000"/>
-                  </a:schemeClr>
-                </a:solidFill>
-                <a:latin typeface="VDS" panose="02000506000000020004" pitchFamily="2" charset="-52"/>
-                <a:cs typeface="Arial" panose="020B0604020202020204" pitchFamily="34" charset="0"/>
-              </a:rPr>
-              <a:t>2C </a:t>
-            </a:r>
-            <a:r>
-              <a:rPr lang="ru-RU" sz="3600" dirty="0">
-                <a:solidFill>
-                  <a:schemeClr val="bg1">
-                    <a:lumMod val="85000"/>
-                  </a:schemeClr>
-                </a:solidFill>
-                <a:latin typeface="VDS" panose="02000506000000020004" pitchFamily="2" charset="-52"/>
-                <a:cs typeface="Arial" panose="020B0604020202020204" pitchFamily="34" charset="0"/>
-              </a:rPr>
-              <a:t>Студенты</a:t>
-            </a:r>
-            <a:r>
-              <a:rPr lang="en-US" sz="3600" dirty="0">
-                <a:solidFill>
-                  <a:schemeClr val="bg1">
-                    <a:lumMod val="85000"/>
-                  </a:schemeClr>
-                </a:solidFill>
-                <a:latin typeface="VDS" panose="02000506000000020004" pitchFamily="2" charset="-52"/>
-                <a:cs typeface="Arial" panose="020B0604020202020204" pitchFamily="34" charset="0"/>
-              </a:rPr>
-              <a:t> </a:t>
-            </a:r>
-            <a:endParaRPr lang="ru-RU" sz="3600" dirty="0">
-              <a:solidFill>
-                <a:schemeClr val="bg1">
-                  <a:lumMod val="85000"/>
-                </a:schemeClr>
-              </a:solidFill>
-              <a:latin typeface="VDS" panose="02000506000000020004" pitchFamily="2" charset="-52"/>
-              <a:cs typeface="Arial" panose="020B0604020202020204" pitchFamily="34" charset="0"/>
-            </a:endParaRPr>
-          </a:p>
-          <a:p>
-            <a:pPr>
-              <a:buClr>
-                <a:srgbClr val="7F39FB"/>
-              </a:buClr>
-            </a:pPr>
-            <a:r>
-              <a:rPr lang="en-US" sz="3600" dirty="0">
-                <a:solidFill>
-                  <a:schemeClr val="bg1">
-                    <a:lumMod val="85000"/>
-                  </a:schemeClr>
-                </a:solidFill>
-                <a:latin typeface="VDS" panose="02000506000000020004" pitchFamily="2" charset="-52"/>
-                <a:cs typeface="Arial" panose="020B0604020202020204" pitchFamily="34" charset="0"/>
-              </a:rPr>
-              <a:t>B2B </a:t>
-            </a:r>
-            <a:r>
-              <a:rPr lang="ru-RU" sz="3600" dirty="0">
-                <a:solidFill>
-                  <a:schemeClr val="bg1">
-                    <a:lumMod val="85000"/>
-                  </a:schemeClr>
-                </a:solidFill>
-                <a:latin typeface="VDS" panose="02000506000000020004" pitchFamily="2" charset="-52"/>
-                <a:cs typeface="Arial" panose="020B0604020202020204" pitchFamily="34" charset="0"/>
-              </a:rPr>
-              <a:t>Бизнесмены </a:t>
-            </a:r>
-            <a:endParaRPr lang="en-US" sz="3600" dirty="0">
-              <a:solidFill>
-                <a:schemeClr val="bg1">
-                  <a:lumMod val="85000"/>
-                </a:schemeClr>
-              </a:solidFill>
-              <a:latin typeface="VDS" panose="02000506000000020004" pitchFamily="2" charset="-52"/>
-              <a:cs typeface="Arial" panose="020B0604020202020204" pitchFamily="34" charset="0"/>
-            </a:endParaRPr>
-          </a:p>
-        </p:txBody>
-      </p:sp>
-      <p:sp>
-        <p:nvSpPr>
-          <p:cNvPr id="13" name="TextBox 12">
-            <a:extLst>
-              <a:ext uri="{FF2B5EF4-FFF2-40B4-BE49-F238E27FC236}">
-                <a16:creationId xmlns:a16="http://schemas.microsoft.com/office/drawing/2014/main" id="{F785DF67-D6CF-4612-9C18-60E207D61E6B}"/>
+          <p:cNvPr id="11" name="TextBox 10">
+            <a:extLst>
+              <a:ext uri="{FF2B5EF4-FFF2-40B4-BE49-F238E27FC236}">
+                <a16:creationId xmlns:a16="http://schemas.microsoft.com/office/drawing/2014/main" id="{D4001EB0-43D1-425E-97B2-D692B80F00F5}"/>
               </a:ext>
             </a:extLst>
           </p:cNvPr>
@@ -8942,7 +9316,7 @@
                 </a:solidFill>
                 <a:latin typeface="VDS" panose="02000506000000020004" pitchFamily="2" charset="-52"/>
               </a:rPr>
-              <a:t>4</a:t>
+              <a:t>6</a:t>
             </a:r>
             <a:endParaRPr lang="ru-RU" sz="2400" b="1" dirty="0">
               <a:solidFill>
@@ -8953,12 +9327,1180 @@
           </a:p>
         </p:txBody>
       </p:sp>
+      <p:sp>
+        <p:nvSpPr>
+          <p:cNvPr id="13" name="Подзаголовок 2">
+            <a:extLst>
+              <a:ext uri="{FF2B5EF4-FFF2-40B4-BE49-F238E27FC236}">
+                <a16:creationId xmlns:a16="http://schemas.microsoft.com/office/drawing/2014/main" id="{7D5494BC-230E-45AF-9950-428A7485C213}"/>
+              </a:ext>
+            </a:extLst>
+          </p:cNvPr>
+          <p:cNvSpPr txBox="1">
+            <a:spLocks/>
+          </p:cNvSpPr>
+          <p:nvPr/>
+        </p:nvSpPr>
+        <p:spPr>
+          <a:xfrm>
+            <a:off x="2297110" y="5386017"/>
+            <a:ext cx="3221324" cy="946696"/>
+          </a:xfrm>
+          <a:prstGeom prst="rect">
+            <a:avLst/>
+          </a:prstGeom>
+          <a:solidFill>
+            <a:srgbClr val="121212">
+              <a:alpha val="0"/>
+            </a:srgbClr>
+          </a:solidFill>
+        </p:spPr>
+        <p:txBody>
+          <a:bodyPr>
+            <a:normAutofit/>
+          </a:bodyPr>
+          <a:lstStyle>
+            <a:lvl1pPr marL="228600" indent="-228600" algn="l" defTabSz="914400" rtl="0" eaLnBrk="1" latinLnBrk="0" hangingPunct="1">
+              <a:lnSpc>
+                <a:spcPct val="90000"/>
+              </a:lnSpc>
+              <a:spcBef>
+                <a:spcPts val="1000"/>
+              </a:spcBef>
+              <a:buFont typeface="Arial" panose="020B0604020202020204" pitchFamily="34" charset="0"/>
+              <a:buChar char="•"/>
+              <a:defRPr sz="2800" kern="1200">
+                <a:solidFill>
+                  <a:schemeClr val="tx1"/>
+                </a:solidFill>
+                <a:latin typeface="+mn-lt"/>
+                <a:ea typeface="+mn-ea"/>
+                <a:cs typeface="+mn-cs"/>
+              </a:defRPr>
+            </a:lvl1pPr>
+            <a:lvl2pPr marL="685800" indent="-228600" algn="l" defTabSz="914400" rtl="0" eaLnBrk="1" latinLnBrk="0" hangingPunct="1">
+              <a:lnSpc>
+                <a:spcPct val="90000"/>
+              </a:lnSpc>
+              <a:spcBef>
+                <a:spcPts val="500"/>
+              </a:spcBef>
+              <a:buFont typeface="Arial" panose="020B0604020202020204" pitchFamily="34" charset="0"/>
+              <a:buChar char="•"/>
+              <a:defRPr sz="2400" kern="1200">
+                <a:solidFill>
+                  <a:schemeClr val="tx1"/>
+                </a:solidFill>
+                <a:latin typeface="+mn-lt"/>
+                <a:ea typeface="+mn-ea"/>
+                <a:cs typeface="+mn-cs"/>
+              </a:defRPr>
+            </a:lvl2pPr>
+            <a:lvl3pPr marL="1143000" indent="-228600" algn="l" defTabSz="914400" rtl="0" eaLnBrk="1" latinLnBrk="0" hangingPunct="1">
+              <a:lnSpc>
+                <a:spcPct val="90000"/>
+              </a:lnSpc>
+              <a:spcBef>
+                <a:spcPts val="500"/>
+              </a:spcBef>
+              <a:buFont typeface="Arial" panose="020B0604020202020204" pitchFamily="34" charset="0"/>
+              <a:buChar char="•"/>
+              <a:defRPr sz="2000" kern="1200">
+                <a:solidFill>
+                  <a:schemeClr val="tx1"/>
+                </a:solidFill>
+                <a:latin typeface="+mn-lt"/>
+                <a:ea typeface="+mn-ea"/>
+                <a:cs typeface="+mn-cs"/>
+              </a:defRPr>
+            </a:lvl3pPr>
+            <a:lvl4pPr marL="1600200" indent="-228600" algn="l" defTabSz="914400" rtl="0" eaLnBrk="1" latinLnBrk="0" hangingPunct="1">
+              <a:lnSpc>
+                <a:spcPct val="90000"/>
+              </a:lnSpc>
+              <a:spcBef>
+                <a:spcPts val="500"/>
+              </a:spcBef>
+              <a:buFont typeface="Arial" panose="020B0604020202020204" pitchFamily="34" charset="0"/>
+              <a:buChar char="•"/>
+              <a:defRPr sz="1800" kern="1200">
+                <a:solidFill>
+                  <a:schemeClr val="tx1"/>
+                </a:solidFill>
+                <a:latin typeface="+mn-lt"/>
+                <a:ea typeface="+mn-ea"/>
+                <a:cs typeface="+mn-cs"/>
+              </a:defRPr>
+            </a:lvl4pPr>
+            <a:lvl5pPr marL="2057400" indent="-228600" algn="l" defTabSz="914400" rtl="0" eaLnBrk="1" latinLnBrk="0" hangingPunct="1">
+              <a:lnSpc>
+                <a:spcPct val="90000"/>
+              </a:lnSpc>
+              <a:spcBef>
+                <a:spcPts val="500"/>
+              </a:spcBef>
+              <a:buFont typeface="Arial" panose="020B0604020202020204" pitchFamily="34" charset="0"/>
+              <a:buChar char="•"/>
+              <a:defRPr sz="1800" kern="1200">
+                <a:solidFill>
+                  <a:schemeClr val="tx1"/>
+                </a:solidFill>
+                <a:latin typeface="+mn-lt"/>
+                <a:ea typeface="+mn-ea"/>
+                <a:cs typeface="+mn-cs"/>
+              </a:defRPr>
+            </a:lvl5pPr>
+            <a:lvl6pPr marL="2514600" indent="-228600" algn="l" defTabSz="914400" rtl="0" eaLnBrk="1" latinLnBrk="0" hangingPunct="1">
+              <a:lnSpc>
+                <a:spcPct val="90000"/>
+              </a:lnSpc>
+              <a:spcBef>
+                <a:spcPts val="500"/>
+              </a:spcBef>
+              <a:buFont typeface="Arial" panose="020B0604020202020204" pitchFamily="34" charset="0"/>
+              <a:buChar char="•"/>
+              <a:defRPr sz="1800" kern="1200">
+                <a:solidFill>
+                  <a:schemeClr val="tx1"/>
+                </a:solidFill>
+                <a:latin typeface="+mn-lt"/>
+                <a:ea typeface="+mn-ea"/>
+                <a:cs typeface="+mn-cs"/>
+              </a:defRPr>
+            </a:lvl6pPr>
+            <a:lvl7pPr marL="2971800" indent="-228600" algn="l" defTabSz="914400" rtl="0" eaLnBrk="1" latinLnBrk="0" hangingPunct="1">
+              <a:lnSpc>
+                <a:spcPct val="90000"/>
+              </a:lnSpc>
+              <a:spcBef>
+                <a:spcPts val="500"/>
+              </a:spcBef>
+              <a:buFont typeface="Arial" panose="020B0604020202020204" pitchFamily="34" charset="0"/>
+              <a:buChar char="•"/>
+              <a:defRPr sz="1800" kern="1200">
+                <a:solidFill>
+                  <a:schemeClr val="tx1"/>
+                </a:solidFill>
+                <a:latin typeface="+mn-lt"/>
+                <a:ea typeface="+mn-ea"/>
+                <a:cs typeface="+mn-cs"/>
+              </a:defRPr>
+            </a:lvl7pPr>
+            <a:lvl8pPr marL="3429000" indent="-228600" algn="l" defTabSz="914400" rtl="0" eaLnBrk="1" latinLnBrk="0" hangingPunct="1">
+              <a:lnSpc>
+                <a:spcPct val="90000"/>
+              </a:lnSpc>
+              <a:spcBef>
+                <a:spcPts val="500"/>
+              </a:spcBef>
+              <a:buFont typeface="Arial" panose="020B0604020202020204" pitchFamily="34" charset="0"/>
+              <a:buChar char="•"/>
+              <a:defRPr sz="1800" kern="1200">
+                <a:solidFill>
+                  <a:schemeClr val="tx1"/>
+                </a:solidFill>
+                <a:latin typeface="+mn-lt"/>
+                <a:ea typeface="+mn-ea"/>
+                <a:cs typeface="+mn-cs"/>
+              </a:defRPr>
+            </a:lvl8pPr>
+            <a:lvl9pPr marL="3886200" indent="-228600" algn="l" defTabSz="914400" rtl="0" eaLnBrk="1" latinLnBrk="0" hangingPunct="1">
+              <a:lnSpc>
+                <a:spcPct val="90000"/>
+              </a:lnSpc>
+              <a:spcBef>
+                <a:spcPts val="500"/>
+              </a:spcBef>
+              <a:buFont typeface="Arial" panose="020B0604020202020204" pitchFamily="34" charset="0"/>
+              <a:buChar char="•"/>
+              <a:defRPr sz="1800" kern="1200">
+                <a:solidFill>
+                  <a:schemeClr val="tx1"/>
+                </a:solidFill>
+                <a:latin typeface="+mn-lt"/>
+                <a:ea typeface="+mn-ea"/>
+                <a:cs typeface="+mn-cs"/>
+              </a:defRPr>
+            </a:lvl9pPr>
+          </a:lstStyle>
+          <a:p>
+            <a:pPr marL="0" indent="0">
+              <a:buClr>
+                <a:srgbClr val="7F39FB"/>
+              </a:buClr>
+              <a:buSzPct val="100000"/>
+              <a:buNone/>
+            </a:pPr>
+            <a:r>
+              <a:rPr lang="ru-RU" dirty="0">
+                <a:solidFill>
+                  <a:schemeClr val="bg1">
+                    <a:lumMod val="85000"/>
+                  </a:schemeClr>
+                </a:solidFill>
+                <a:latin typeface="VDS" panose="02000506000000020004" pitchFamily="2" charset="-52"/>
+                <a:cs typeface="Arial" panose="020B0604020202020204" pitchFamily="34" charset="0"/>
+              </a:rPr>
+              <a:t>Командная работа в </a:t>
+            </a:r>
+            <a:r>
+              <a:rPr lang="ru-RU" dirty="0" err="1">
+                <a:solidFill>
+                  <a:schemeClr val="bg1">
+                    <a:lumMod val="85000"/>
+                  </a:schemeClr>
+                </a:solidFill>
+                <a:latin typeface="VDS" panose="02000506000000020004" pitchFamily="2" charset="-52"/>
+                <a:cs typeface="Arial" panose="020B0604020202020204" pitchFamily="34" charset="0"/>
+              </a:rPr>
+              <a:t>трекере</a:t>
+            </a:r>
+            <a:endParaRPr lang="ru-RU" dirty="0">
+              <a:solidFill>
+                <a:schemeClr val="bg1">
+                  <a:lumMod val="85000"/>
+                </a:schemeClr>
+              </a:solidFill>
+              <a:latin typeface="VDS" panose="02000506000000020004" pitchFamily="2" charset="-52"/>
+              <a:cs typeface="Arial" panose="020B0604020202020204" pitchFamily="34" charset="0"/>
+            </a:endParaRPr>
+          </a:p>
+        </p:txBody>
+      </p:sp>
+      <p:sp>
+        <p:nvSpPr>
+          <p:cNvPr id="17" name="Подзаголовок 2">
+            <a:extLst>
+              <a:ext uri="{FF2B5EF4-FFF2-40B4-BE49-F238E27FC236}">
+                <a16:creationId xmlns:a16="http://schemas.microsoft.com/office/drawing/2014/main" id="{7CE2EB04-1883-480A-8E22-8CBDE9A21215}"/>
+              </a:ext>
+            </a:extLst>
+          </p:cNvPr>
+          <p:cNvSpPr txBox="1">
+            <a:spLocks/>
+          </p:cNvSpPr>
+          <p:nvPr/>
+        </p:nvSpPr>
+        <p:spPr>
+          <a:xfrm>
+            <a:off x="2277067" y="3988369"/>
+            <a:ext cx="3221324" cy="513092"/>
+          </a:xfrm>
+          <a:prstGeom prst="rect">
+            <a:avLst/>
+          </a:prstGeom>
+          <a:solidFill>
+            <a:srgbClr val="121212">
+              <a:alpha val="0"/>
+            </a:srgbClr>
+          </a:solidFill>
+        </p:spPr>
+        <p:txBody>
+          <a:bodyPr>
+            <a:noAutofit/>
+          </a:bodyPr>
+          <a:lstStyle>
+            <a:lvl1pPr marL="228600" indent="-228600" algn="l" defTabSz="914400" rtl="0" eaLnBrk="1" latinLnBrk="0" hangingPunct="1">
+              <a:lnSpc>
+                <a:spcPct val="90000"/>
+              </a:lnSpc>
+              <a:spcBef>
+                <a:spcPts val="1000"/>
+              </a:spcBef>
+              <a:buFont typeface="Arial" panose="020B0604020202020204" pitchFamily="34" charset="0"/>
+              <a:buChar char="•"/>
+              <a:defRPr sz="2800" kern="1200">
+                <a:solidFill>
+                  <a:schemeClr val="tx1"/>
+                </a:solidFill>
+                <a:latin typeface="+mn-lt"/>
+                <a:ea typeface="+mn-ea"/>
+                <a:cs typeface="+mn-cs"/>
+              </a:defRPr>
+            </a:lvl1pPr>
+            <a:lvl2pPr marL="685800" indent="-228600" algn="l" defTabSz="914400" rtl="0" eaLnBrk="1" latinLnBrk="0" hangingPunct="1">
+              <a:lnSpc>
+                <a:spcPct val="90000"/>
+              </a:lnSpc>
+              <a:spcBef>
+                <a:spcPts val="500"/>
+              </a:spcBef>
+              <a:buFont typeface="Arial" panose="020B0604020202020204" pitchFamily="34" charset="0"/>
+              <a:buChar char="•"/>
+              <a:defRPr sz="2400" kern="1200">
+                <a:solidFill>
+                  <a:schemeClr val="tx1"/>
+                </a:solidFill>
+                <a:latin typeface="+mn-lt"/>
+                <a:ea typeface="+mn-ea"/>
+                <a:cs typeface="+mn-cs"/>
+              </a:defRPr>
+            </a:lvl2pPr>
+            <a:lvl3pPr marL="1143000" indent="-228600" algn="l" defTabSz="914400" rtl="0" eaLnBrk="1" latinLnBrk="0" hangingPunct="1">
+              <a:lnSpc>
+                <a:spcPct val="90000"/>
+              </a:lnSpc>
+              <a:spcBef>
+                <a:spcPts val="500"/>
+              </a:spcBef>
+              <a:buFont typeface="Arial" panose="020B0604020202020204" pitchFamily="34" charset="0"/>
+              <a:buChar char="•"/>
+              <a:defRPr sz="2000" kern="1200">
+                <a:solidFill>
+                  <a:schemeClr val="tx1"/>
+                </a:solidFill>
+                <a:latin typeface="+mn-lt"/>
+                <a:ea typeface="+mn-ea"/>
+                <a:cs typeface="+mn-cs"/>
+              </a:defRPr>
+            </a:lvl3pPr>
+            <a:lvl4pPr marL="1600200" indent="-228600" algn="l" defTabSz="914400" rtl="0" eaLnBrk="1" latinLnBrk="0" hangingPunct="1">
+              <a:lnSpc>
+                <a:spcPct val="90000"/>
+              </a:lnSpc>
+              <a:spcBef>
+                <a:spcPts val="500"/>
+              </a:spcBef>
+              <a:buFont typeface="Arial" panose="020B0604020202020204" pitchFamily="34" charset="0"/>
+              <a:buChar char="•"/>
+              <a:defRPr sz="1800" kern="1200">
+                <a:solidFill>
+                  <a:schemeClr val="tx1"/>
+                </a:solidFill>
+                <a:latin typeface="+mn-lt"/>
+                <a:ea typeface="+mn-ea"/>
+                <a:cs typeface="+mn-cs"/>
+              </a:defRPr>
+            </a:lvl4pPr>
+            <a:lvl5pPr marL="2057400" indent="-228600" algn="l" defTabSz="914400" rtl="0" eaLnBrk="1" latinLnBrk="0" hangingPunct="1">
+              <a:lnSpc>
+                <a:spcPct val="90000"/>
+              </a:lnSpc>
+              <a:spcBef>
+                <a:spcPts val="500"/>
+              </a:spcBef>
+              <a:buFont typeface="Arial" panose="020B0604020202020204" pitchFamily="34" charset="0"/>
+              <a:buChar char="•"/>
+              <a:defRPr sz="1800" kern="1200">
+                <a:solidFill>
+                  <a:schemeClr val="tx1"/>
+                </a:solidFill>
+                <a:latin typeface="+mn-lt"/>
+                <a:ea typeface="+mn-ea"/>
+                <a:cs typeface="+mn-cs"/>
+              </a:defRPr>
+            </a:lvl5pPr>
+            <a:lvl6pPr marL="2514600" indent="-228600" algn="l" defTabSz="914400" rtl="0" eaLnBrk="1" latinLnBrk="0" hangingPunct="1">
+              <a:lnSpc>
+                <a:spcPct val="90000"/>
+              </a:lnSpc>
+              <a:spcBef>
+                <a:spcPts val="500"/>
+              </a:spcBef>
+              <a:buFont typeface="Arial" panose="020B0604020202020204" pitchFamily="34" charset="0"/>
+              <a:buChar char="•"/>
+              <a:defRPr sz="1800" kern="1200">
+                <a:solidFill>
+                  <a:schemeClr val="tx1"/>
+                </a:solidFill>
+                <a:latin typeface="+mn-lt"/>
+                <a:ea typeface="+mn-ea"/>
+                <a:cs typeface="+mn-cs"/>
+              </a:defRPr>
+            </a:lvl6pPr>
+            <a:lvl7pPr marL="2971800" indent="-228600" algn="l" defTabSz="914400" rtl="0" eaLnBrk="1" latinLnBrk="0" hangingPunct="1">
+              <a:lnSpc>
+                <a:spcPct val="90000"/>
+              </a:lnSpc>
+              <a:spcBef>
+                <a:spcPts val="500"/>
+              </a:spcBef>
+              <a:buFont typeface="Arial" panose="020B0604020202020204" pitchFamily="34" charset="0"/>
+              <a:buChar char="•"/>
+              <a:defRPr sz="1800" kern="1200">
+                <a:solidFill>
+                  <a:schemeClr val="tx1"/>
+                </a:solidFill>
+                <a:latin typeface="+mn-lt"/>
+                <a:ea typeface="+mn-ea"/>
+                <a:cs typeface="+mn-cs"/>
+              </a:defRPr>
+            </a:lvl7pPr>
+            <a:lvl8pPr marL="3429000" indent="-228600" algn="l" defTabSz="914400" rtl="0" eaLnBrk="1" latinLnBrk="0" hangingPunct="1">
+              <a:lnSpc>
+                <a:spcPct val="90000"/>
+              </a:lnSpc>
+              <a:spcBef>
+                <a:spcPts val="500"/>
+              </a:spcBef>
+              <a:buFont typeface="Arial" panose="020B0604020202020204" pitchFamily="34" charset="0"/>
+              <a:buChar char="•"/>
+              <a:defRPr sz="1800" kern="1200">
+                <a:solidFill>
+                  <a:schemeClr val="tx1"/>
+                </a:solidFill>
+                <a:latin typeface="+mn-lt"/>
+                <a:ea typeface="+mn-ea"/>
+                <a:cs typeface="+mn-cs"/>
+              </a:defRPr>
+            </a:lvl8pPr>
+            <a:lvl9pPr marL="3886200" indent="-228600" algn="l" defTabSz="914400" rtl="0" eaLnBrk="1" latinLnBrk="0" hangingPunct="1">
+              <a:lnSpc>
+                <a:spcPct val="90000"/>
+              </a:lnSpc>
+              <a:spcBef>
+                <a:spcPts val="500"/>
+              </a:spcBef>
+              <a:buFont typeface="Arial" panose="020B0604020202020204" pitchFamily="34" charset="0"/>
+              <a:buChar char="•"/>
+              <a:defRPr sz="1800" kern="1200">
+                <a:solidFill>
+                  <a:schemeClr val="tx1"/>
+                </a:solidFill>
+                <a:latin typeface="+mn-lt"/>
+                <a:ea typeface="+mn-ea"/>
+                <a:cs typeface="+mn-cs"/>
+              </a:defRPr>
+            </a:lvl9pPr>
+          </a:lstStyle>
+          <a:p>
+            <a:pPr marL="0" indent="0">
+              <a:buClr>
+                <a:srgbClr val="7F39FB"/>
+              </a:buClr>
+              <a:buSzPct val="100000"/>
+              <a:buNone/>
+            </a:pPr>
+            <a:r>
+              <a:rPr lang="ru-RU" dirty="0">
+                <a:solidFill>
+                  <a:schemeClr val="bg1">
+                    <a:lumMod val="85000"/>
+                  </a:schemeClr>
+                </a:solidFill>
+                <a:latin typeface="VDS" panose="02000506000000020004" pitchFamily="2" charset="-52"/>
+                <a:cs typeface="Arial" panose="020B0604020202020204" pitchFamily="34" charset="0"/>
+              </a:rPr>
+              <a:t>Получение задач от заказчика</a:t>
+            </a:r>
+          </a:p>
+        </p:txBody>
+      </p:sp>
+      <p:sp>
+        <p:nvSpPr>
+          <p:cNvPr id="21" name="Подзаголовок 2">
+            <a:extLst>
+              <a:ext uri="{FF2B5EF4-FFF2-40B4-BE49-F238E27FC236}">
+                <a16:creationId xmlns:a16="http://schemas.microsoft.com/office/drawing/2014/main" id="{280773A2-442A-4403-A2BE-B3CCCE10608B}"/>
+              </a:ext>
+            </a:extLst>
+          </p:cNvPr>
+          <p:cNvSpPr txBox="1">
+            <a:spLocks/>
+          </p:cNvSpPr>
+          <p:nvPr/>
+        </p:nvSpPr>
+        <p:spPr>
+          <a:xfrm>
+            <a:off x="7821439" y="3988369"/>
+            <a:ext cx="3221324" cy="946696"/>
+          </a:xfrm>
+          <a:prstGeom prst="rect">
+            <a:avLst/>
+          </a:prstGeom>
+          <a:solidFill>
+            <a:srgbClr val="121212">
+              <a:alpha val="0"/>
+            </a:srgbClr>
+          </a:solidFill>
+        </p:spPr>
+        <p:txBody>
+          <a:bodyPr>
+            <a:normAutofit/>
+          </a:bodyPr>
+          <a:lstStyle>
+            <a:lvl1pPr marL="228600" indent="-228600" algn="l" defTabSz="914400" rtl="0" eaLnBrk="1" latinLnBrk="0" hangingPunct="1">
+              <a:lnSpc>
+                <a:spcPct val="90000"/>
+              </a:lnSpc>
+              <a:spcBef>
+                <a:spcPts val="1000"/>
+              </a:spcBef>
+              <a:buFont typeface="Arial" panose="020B0604020202020204" pitchFamily="34" charset="0"/>
+              <a:buChar char="•"/>
+              <a:defRPr sz="2800" kern="1200">
+                <a:solidFill>
+                  <a:schemeClr val="tx1"/>
+                </a:solidFill>
+                <a:latin typeface="+mn-lt"/>
+                <a:ea typeface="+mn-ea"/>
+                <a:cs typeface="+mn-cs"/>
+              </a:defRPr>
+            </a:lvl1pPr>
+            <a:lvl2pPr marL="685800" indent="-228600" algn="l" defTabSz="914400" rtl="0" eaLnBrk="1" latinLnBrk="0" hangingPunct="1">
+              <a:lnSpc>
+                <a:spcPct val="90000"/>
+              </a:lnSpc>
+              <a:spcBef>
+                <a:spcPts val="500"/>
+              </a:spcBef>
+              <a:buFont typeface="Arial" panose="020B0604020202020204" pitchFamily="34" charset="0"/>
+              <a:buChar char="•"/>
+              <a:defRPr sz="2400" kern="1200">
+                <a:solidFill>
+                  <a:schemeClr val="tx1"/>
+                </a:solidFill>
+                <a:latin typeface="+mn-lt"/>
+                <a:ea typeface="+mn-ea"/>
+                <a:cs typeface="+mn-cs"/>
+              </a:defRPr>
+            </a:lvl2pPr>
+            <a:lvl3pPr marL="1143000" indent="-228600" algn="l" defTabSz="914400" rtl="0" eaLnBrk="1" latinLnBrk="0" hangingPunct="1">
+              <a:lnSpc>
+                <a:spcPct val="90000"/>
+              </a:lnSpc>
+              <a:spcBef>
+                <a:spcPts val="500"/>
+              </a:spcBef>
+              <a:buFont typeface="Arial" panose="020B0604020202020204" pitchFamily="34" charset="0"/>
+              <a:buChar char="•"/>
+              <a:defRPr sz="2000" kern="1200">
+                <a:solidFill>
+                  <a:schemeClr val="tx1"/>
+                </a:solidFill>
+                <a:latin typeface="+mn-lt"/>
+                <a:ea typeface="+mn-ea"/>
+                <a:cs typeface="+mn-cs"/>
+              </a:defRPr>
+            </a:lvl3pPr>
+            <a:lvl4pPr marL="1600200" indent="-228600" algn="l" defTabSz="914400" rtl="0" eaLnBrk="1" latinLnBrk="0" hangingPunct="1">
+              <a:lnSpc>
+                <a:spcPct val="90000"/>
+              </a:lnSpc>
+              <a:spcBef>
+                <a:spcPts val="500"/>
+              </a:spcBef>
+              <a:buFont typeface="Arial" panose="020B0604020202020204" pitchFamily="34" charset="0"/>
+              <a:buChar char="•"/>
+              <a:defRPr sz="1800" kern="1200">
+                <a:solidFill>
+                  <a:schemeClr val="tx1"/>
+                </a:solidFill>
+                <a:latin typeface="+mn-lt"/>
+                <a:ea typeface="+mn-ea"/>
+                <a:cs typeface="+mn-cs"/>
+              </a:defRPr>
+            </a:lvl4pPr>
+            <a:lvl5pPr marL="2057400" indent="-228600" algn="l" defTabSz="914400" rtl="0" eaLnBrk="1" latinLnBrk="0" hangingPunct="1">
+              <a:lnSpc>
+                <a:spcPct val="90000"/>
+              </a:lnSpc>
+              <a:spcBef>
+                <a:spcPts val="500"/>
+              </a:spcBef>
+              <a:buFont typeface="Arial" panose="020B0604020202020204" pitchFamily="34" charset="0"/>
+              <a:buChar char="•"/>
+              <a:defRPr sz="1800" kern="1200">
+                <a:solidFill>
+                  <a:schemeClr val="tx1"/>
+                </a:solidFill>
+                <a:latin typeface="+mn-lt"/>
+                <a:ea typeface="+mn-ea"/>
+                <a:cs typeface="+mn-cs"/>
+              </a:defRPr>
+            </a:lvl5pPr>
+            <a:lvl6pPr marL="2514600" indent="-228600" algn="l" defTabSz="914400" rtl="0" eaLnBrk="1" latinLnBrk="0" hangingPunct="1">
+              <a:lnSpc>
+                <a:spcPct val="90000"/>
+              </a:lnSpc>
+              <a:spcBef>
+                <a:spcPts val="500"/>
+              </a:spcBef>
+              <a:buFont typeface="Arial" panose="020B0604020202020204" pitchFamily="34" charset="0"/>
+              <a:buChar char="•"/>
+              <a:defRPr sz="1800" kern="1200">
+                <a:solidFill>
+                  <a:schemeClr val="tx1"/>
+                </a:solidFill>
+                <a:latin typeface="+mn-lt"/>
+                <a:ea typeface="+mn-ea"/>
+                <a:cs typeface="+mn-cs"/>
+              </a:defRPr>
+            </a:lvl6pPr>
+            <a:lvl7pPr marL="2971800" indent="-228600" algn="l" defTabSz="914400" rtl="0" eaLnBrk="1" latinLnBrk="0" hangingPunct="1">
+              <a:lnSpc>
+                <a:spcPct val="90000"/>
+              </a:lnSpc>
+              <a:spcBef>
+                <a:spcPts val="500"/>
+              </a:spcBef>
+              <a:buFont typeface="Arial" panose="020B0604020202020204" pitchFamily="34" charset="0"/>
+              <a:buChar char="•"/>
+              <a:defRPr sz="1800" kern="1200">
+                <a:solidFill>
+                  <a:schemeClr val="tx1"/>
+                </a:solidFill>
+                <a:latin typeface="+mn-lt"/>
+                <a:ea typeface="+mn-ea"/>
+                <a:cs typeface="+mn-cs"/>
+              </a:defRPr>
+            </a:lvl7pPr>
+            <a:lvl8pPr marL="3429000" indent="-228600" algn="l" defTabSz="914400" rtl="0" eaLnBrk="1" latinLnBrk="0" hangingPunct="1">
+              <a:lnSpc>
+                <a:spcPct val="90000"/>
+              </a:lnSpc>
+              <a:spcBef>
+                <a:spcPts val="500"/>
+              </a:spcBef>
+              <a:buFont typeface="Arial" panose="020B0604020202020204" pitchFamily="34" charset="0"/>
+              <a:buChar char="•"/>
+              <a:defRPr sz="1800" kern="1200">
+                <a:solidFill>
+                  <a:schemeClr val="tx1"/>
+                </a:solidFill>
+                <a:latin typeface="+mn-lt"/>
+                <a:ea typeface="+mn-ea"/>
+                <a:cs typeface="+mn-cs"/>
+              </a:defRPr>
+            </a:lvl8pPr>
+            <a:lvl9pPr marL="3886200" indent="-228600" algn="l" defTabSz="914400" rtl="0" eaLnBrk="1" latinLnBrk="0" hangingPunct="1">
+              <a:lnSpc>
+                <a:spcPct val="90000"/>
+              </a:lnSpc>
+              <a:spcBef>
+                <a:spcPts val="500"/>
+              </a:spcBef>
+              <a:buFont typeface="Arial" panose="020B0604020202020204" pitchFamily="34" charset="0"/>
+              <a:buChar char="•"/>
+              <a:defRPr sz="1800" kern="1200">
+                <a:solidFill>
+                  <a:schemeClr val="tx1"/>
+                </a:solidFill>
+                <a:latin typeface="+mn-lt"/>
+                <a:ea typeface="+mn-ea"/>
+                <a:cs typeface="+mn-cs"/>
+              </a:defRPr>
+            </a:lvl9pPr>
+          </a:lstStyle>
+          <a:p>
+            <a:pPr marL="0" indent="0">
+              <a:buClr>
+                <a:srgbClr val="7F39FB"/>
+              </a:buClr>
+              <a:buSzPct val="100000"/>
+              <a:buNone/>
+            </a:pPr>
+            <a:r>
+              <a:rPr lang="ru-RU" dirty="0">
+                <a:solidFill>
+                  <a:schemeClr val="bg1">
+                    <a:lumMod val="85000"/>
+                  </a:schemeClr>
+                </a:solidFill>
+                <a:latin typeface="VDS" panose="02000506000000020004" pitchFamily="2" charset="-52"/>
+                <a:cs typeface="Arial" panose="020B0604020202020204" pitchFamily="34" charset="0"/>
+              </a:rPr>
+              <a:t>Выбор команды для реализации</a:t>
+            </a:r>
+          </a:p>
+        </p:txBody>
+      </p:sp>
+      <p:sp>
+        <p:nvSpPr>
+          <p:cNvPr id="24" name="Подзаголовок 2">
+            <a:extLst>
+              <a:ext uri="{FF2B5EF4-FFF2-40B4-BE49-F238E27FC236}">
+                <a16:creationId xmlns:a16="http://schemas.microsoft.com/office/drawing/2014/main" id="{FFB875A7-11E7-4235-9E13-675B013B79FA}"/>
+              </a:ext>
+            </a:extLst>
+          </p:cNvPr>
+          <p:cNvSpPr txBox="1">
+            <a:spLocks/>
+          </p:cNvSpPr>
+          <p:nvPr/>
+        </p:nvSpPr>
+        <p:spPr>
+          <a:xfrm>
+            <a:off x="7821439" y="2547666"/>
+            <a:ext cx="3221324" cy="946696"/>
+          </a:xfrm>
+          <a:prstGeom prst="rect">
+            <a:avLst/>
+          </a:prstGeom>
+          <a:solidFill>
+            <a:srgbClr val="121212">
+              <a:alpha val="0"/>
+            </a:srgbClr>
+          </a:solidFill>
+        </p:spPr>
+        <p:txBody>
+          <a:bodyPr>
+            <a:normAutofit/>
+          </a:bodyPr>
+          <a:lstStyle>
+            <a:lvl1pPr marL="228600" indent="-228600" algn="l" defTabSz="914400" rtl="0" eaLnBrk="1" latinLnBrk="0" hangingPunct="1">
+              <a:lnSpc>
+                <a:spcPct val="90000"/>
+              </a:lnSpc>
+              <a:spcBef>
+                <a:spcPts val="1000"/>
+              </a:spcBef>
+              <a:buFont typeface="Arial" panose="020B0604020202020204" pitchFamily="34" charset="0"/>
+              <a:buChar char="•"/>
+              <a:defRPr sz="2800" kern="1200">
+                <a:solidFill>
+                  <a:schemeClr val="tx1"/>
+                </a:solidFill>
+                <a:latin typeface="+mn-lt"/>
+                <a:ea typeface="+mn-ea"/>
+                <a:cs typeface="+mn-cs"/>
+              </a:defRPr>
+            </a:lvl1pPr>
+            <a:lvl2pPr marL="685800" indent="-228600" algn="l" defTabSz="914400" rtl="0" eaLnBrk="1" latinLnBrk="0" hangingPunct="1">
+              <a:lnSpc>
+                <a:spcPct val="90000"/>
+              </a:lnSpc>
+              <a:spcBef>
+                <a:spcPts val="500"/>
+              </a:spcBef>
+              <a:buFont typeface="Arial" panose="020B0604020202020204" pitchFamily="34" charset="0"/>
+              <a:buChar char="•"/>
+              <a:defRPr sz="2400" kern="1200">
+                <a:solidFill>
+                  <a:schemeClr val="tx1"/>
+                </a:solidFill>
+                <a:latin typeface="+mn-lt"/>
+                <a:ea typeface="+mn-ea"/>
+                <a:cs typeface="+mn-cs"/>
+              </a:defRPr>
+            </a:lvl2pPr>
+            <a:lvl3pPr marL="1143000" indent="-228600" algn="l" defTabSz="914400" rtl="0" eaLnBrk="1" latinLnBrk="0" hangingPunct="1">
+              <a:lnSpc>
+                <a:spcPct val="90000"/>
+              </a:lnSpc>
+              <a:spcBef>
+                <a:spcPts val="500"/>
+              </a:spcBef>
+              <a:buFont typeface="Arial" panose="020B0604020202020204" pitchFamily="34" charset="0"/>
+              <a:buChar char="•"/>
+              <a:defRPr sz="2000" kern="1200">
+                <a:solidFill>
+                  <a:schemeClr val="tx1"/>
+                </a:solidFill>
+                <a:latin typeface="+mn-lt"/>
+                <a:ea typeface="+mn-ea"/>
+                <a:cs typeface="+mn-cs"/>
+              </a:defRPr>
+            </a:lvl3pPr>
+            <a:lvl4pPr marL="1600200" indent="-228600" algn="l" defTabSz="914400" rtl="0" eaLnBrk="1" latinLnBrk="0" hangingPunct="1">
+              <a:lnSpc>
+                <a:spcPct val="90000"/>
+              </a:lnSpc>
+              <a:spcBef>
+                <a:spcPts val="500"/>
+              </a:spcBef>
+              <a:buFont typeface="Arial" panose="020B0604020202020204" pitchFamily="34" charset="0"/>
+              <a:buChar char="•"/>
+              <a:defRPr sz="1800" kern="1200">
+                <a:solidFill>
+                  <a:schemeClr val="tx1"/>
+                </a:solidFill>
+                <a:latin typeface="+mn-lt"/>
+                <a:ea typeface="+mn-ea"/>
+                <a:cs typeface="+mn-cs"/>
+              </a:defRPr>
+            </a:lvl4pPr>
+            <a:lvl5pPr marL="2057400" indent="-228600" algn="l" defTabSz="914400" rtl="0" eaLnBrk="1" latinLnBrk="0" hangingPunct="1">
+              <a:lnSpc>
+                <a:spcPct val="90000"/>
+              </a:lnSpc>
+              <a:spcBef>
+                <a:spcPts val="500"/>
+              </a:spcBef>
+              <a:buFont typeface="Arial" panose="020B0604020202020204" pitchFamily="34" charset="0"/>
+              <a:buChar char="•"/>
+              <a:defRPr sz="1800" kern="1200">
+                <a:solidFill>
+                  <a:schemeClr val="tx1"/>
+                </a:solidFill>
+                <a:latin typeface="+mn-lt"/>
+                <a:ea typeface="+mn-ea"/>
+                <a:cs typeface="+mn-cs"/>
+              </a:defRPr>
+            </a:lvl5pPr>
+            <a:lvl6pPr marL="2514600" indent="-228600" algn="l" defTabSz="914400" rtl="0" eaLnBrk="1" latinLnBrk="0" hangingPunct="1">
+              <a:lnSpc>
+                <a:spcPct val="90000"/>
+              </a:lnSpc>
+              <a:spcBef>
+                <a:spcPts val="500"/>
+              </a:spcBef>
+              <a:buFont typeface="Arial" panose="020B0604020202020204" pitchFamily="34" charset="0"/>
+              <a:buChar char="•"/>
+              <a:defRPr sz="1800" kern="1200">
+                <a:solidFill>
+                  <a:schemeClr val="tx1"/>
+                </a:solidFill>
+                <a:latin typeface="+mn-lt"/>
+                <a:ea typeface="+mn-ea"/>
+                <a:cs typeface="+mn-cs"/>
+              </a:defRPr>
+            </a:lvl6pPr>
+            <a:lvl7pPr marL="2971800" indent="-228600" algn="l" defTabSz="914400" rtl="0" eaLnBrk="1" latinLnBrk="0" hangingPunct="1">
+              <a:lnSpc>
+                <a:spcPct val="90000"/>
+              </a:lnSpc>
+              <a:spcBef>
+                <a:spcPts val="500"/>
+              </a:spcBef>
+              <a:buFont typeface="Arial" panose="020B0604020202020204" pitchFamily="34" charset="0"/>
+              <a:buChar char="•"/>
+              <a:defRPr sz="1800" kern="1200">
+                <a:solidFill>
+                  <a:schemeClr val="tx1"/>
+                </a:solidFill>
+                <a:latin typeface="+mn-lt"/>
+                <a:ea typeface="+mn-ea"/>
+                <a:cs typeface="+mn-cs"/>
+              </a:defRPr>
+            </a:lvl7pPr>
+            <a:lvl8pPr marL="3429000" indent="-228600" algn="l" defTabSz="914400" rtl="0" eaLnBrk="1" latinLnBrk="0" hangingPunct="1">
+              <a:lnSpc>
+                <a:spcPct val="90000"/>
+              </a:lnSpc>
+              <a:spcBef>
+                <a:spcPts val="500"/>
+              </a:spcBef>
+              <a:buFont typeface="Arial" panose="020B0604020202020204" pitchFamily="34" charset="0"/>
+              <a:buChar char="•"/>
+              <a:defRPr sz="1800" kern="1200">
+                <a:solidFill>
+                  <a:schemeClr val="tx1"/>
+                </a:solidFill>
+                <a:latin typeface="+mn-lt"/>
+                <a:ea typeface="+mn-ea"/>
+                <a:cs typeface="+mn-cs"/>
+              </a:defRPr>
+            </a:lvl8pPr>
+            <a:lvl9pPr marL="3886200" indent="-228600" algn="l" defTabSz="914400" rtl="0" eaLnBrk="1" latinLnBrk="0" hangingPunct="1">
+              <a:lnSpc>
+                <a:spcPct val="90000"/>
+              </a:lnSpc>
+              <a:spcBef>
+                <a:spcPts val="500"/>
+              </a:spcBef>
+              <a:buFont typeface="Arial" panose="020B0604020202020204" pitchFamily="34" charset="0"/>
+              <a:buChar char="•"/>
+              <a:defRPr sz="1800" kern="1200">
+                <a:solidFill>
+                  <a:schemeClr val="tx1"/>
+                </a:solidFill>
+                <a:latin typeface="+mn-lt"/>
+                <a:ea typeface="+mn-ea"/>
+                <a:cs typeface="+mn-cs"/>
+              </a:defRPr>
+            </a:lvl9pPr>
+          </a:lstStyle>
+          <a:p>
+            <a:pPr marL="0" indent="0">
+              <a:buClr>
+                <a:srgbClr val="7F39FB"/>
+              </a:buClr>
+              <a:buSzPct val="100000"/>
+              <a:buNone/>
+            </a:pPr>
+            <a:r>
+              <a:rPr lang="ru-RU" dirty="0">
+                <a:solidFill>
+                  <a:schemeClr val="bg1">
+                    <a:lumMod val="85000"/>
+                  </a:schemeClr>
+                </a:solidFill>
+                <a:latin typeface="VDS" panose="02000506000000020004" pitchFamily="2" charset="-52"/>
+                <a:cs typeface="Arial" panose="020B0604020202020204" pitchFamily="34" charset="0"/>
+              </a:rPr>
+              <a:t>Создание проекта и задач к нему</a:t>
+            </a:r>
+          </a:p>
+        </p:txBody>
+      </p:sp>
+      <p:sp>
+        <p:nvSpPr>
+          <p:cNvPr id="28" name="Подзаголовок 2">
+            <a:extLst>
+              <a:ext uri="{FF2B5EF4-FFF2-40B4-BE49-F238E27FC236}">
+                <a16:creationId xmlns:a16="http://schemas.microsoft.com/office/drawing/2014/main" id="{6C1FF0C1-A6C9-4E48-A17B-16E109CEC540}"/>
+              </a:ext>
+            </a:extLst>
+          </p:cNvPr>
+          <p:cNvSpPr txBox="1">
+            <a:spLocks/>
+          </p:cNvSpPr>
+          <p:nvPr/>
+        </p:nvSpPr>
+        <p:spPr>
+          <a:xfrm>
+            <a:off x="7588076" y="5386017"/>
+            <a:ext cx="3919356" cy="1103152"/>
+          </a:xfrm>
+          <a:prstGeom prst="rect">
+            <a:avLst/>
+          </a:prstGeom>
+          <a:solidFill>
+            <a:srgbClr val="121212">
+              <a:alpha val="0"/>
+            </a:srgbClr>
+          </a:solidFill>
+        </p:spPr>
+        <p:txBody>
+          <a:bodyPr>
+            <a:normAutofit/>
+          </a:bodyPr>
+          <a:lstStyle>
+            <a:lvl1pPr marL="228600" indent="-228600" algn="l" defTabSz="914400" rtl="0" eaLnBrk="1" latinLnBrk="0" hangingPunct="1">
+              <a:lnSpc>
+                <a:spcPct val="90000"/>
+              </a:lnSpc>
+              <a:spcBef>
+                <a:spcPts val="1000"/>
+              </a:spcBef>
+              <a:buFont typeface="Arial" panose="020B0604020202020204" pitchFamily="34" charset="0"/>
+              <a:buChar char="•"/>
+              <a:defRPr sz="2800" kern="1200">
+                <a:solidFill>
+                  <a:schemeClr val="tx1"/>
+                </a:solidFill>
+                <a:latin typeface="+mn-lt"/>
+                <a:ea typeface="+mn-ea"/>
+                <a:cs typeface="+mn-cs"/>
+              </a:defRPr>
+            </a:lvl1pPr>
+            <a:lvl2pPr marL="685800" indent="-228600" algn="l" defTabSz="914400" rtl="0" eaLnBrk="1" latinLnBrk="0" hangingPunct="1">
+              <a:lnSpc>
+                <a:spcPct val="90000"/>
+              </a:lnSpc>
+              <a:spcBef>
+                <a:spcPts val="500"/>
+              </a:spcBef>
+              <a:buFont typeface="Arial" panose="020B0604020202020204" pitchFamily="34" charset="0"/>
+              <a:buChar char="•"/>
+              <a:defRPr sz="2400" kern="1200">
+                <a:solidFill>
+                  <a:schemeClr val="tx1"/>
+                </a:solidFill>
+                <a:latin typeface="+mn-lt"/>
+                <a:ea typeface="+mn-ea"/>
+                <a:cs typeface="+mn-cs"/>
+              </a:defRPr>
+            </a:lvl2pPr>
+            <a:lvl3pPr marL="1143000" indent="-228600" algn="l" defTabSz="914400" rtl="0" eaLnBrk="1" latinLnBrk="0" hangingPunct="1">
+              <a:lnSpc>
+                <a:spcPct val="90000"/>
+              </a:lnSpc>
+              <a:spcBef>
+                <a:spcPts val="500"/>
+              </a:spcBef>
+              <a:buFont typeface="Arial" panose="020B0604020202020204" pitchFamily="34" charset="0"/>
+              <a:buChar char="•"/>
+              <a:defRPr sz="2000" kern="1200">
+                <a:solidFill>
+                  <a:schemeClr val="tx1"/>
+                </a:solidFill>
+                <a:latin typeface="+mn-lt"/>
+                <a:ea typeface="+mn-ea"/>
+                <a:cs typeface="+mn-cs"/>
+              </a:defRPr>
+            </a:lvl3pPr>
+            <a:lvl4pPr marL="1600200" indent="-228600" algn="l" defTabSz="914400" rtl="0" eaLnBrk="1" latinLnBrk="0" hangingPunct="1">
+              <a:lnSpc>
+                <a:spcPct val="90000"/>
+              </a:lnSpc>
+              <a:spcBef>
+                <a:spcPts val="500"/>
+              </a:spcBef>
+              <a:buFont typeface="Arial" panose="020B0604020202020204" pitchFamily="34" charset="0"/>
+              <a:buChar char="•"/>
+              <a:defRPr sz="1800" kern="1200">
+                <a:solidFill>
+                  <a:schemeClr val="tx1"/>
+                </a:solidFill>
+                <a:latin typeface="+mn-lt"/>
+                <a:ea typeface="+mn-ea"/>
+                <a:cs typeface="+mn-cs"/>
+              </a:defRPr>
+            </a:lvl4pPr>
+            <a:lvl5pPr marL="2057400" indent="-228600" algn="l" defTabSz="914400" rtl="0" eaLnBrk="1" latinLnBrk="0" hangingPunct="1">
+              <a:lnSpc>
+                <a:spcPct val="90000"/>
+              </a:lnSpc>
+              <a:spcBef>
+                <a:spcPts val="500"/>
+              </a:spcBef>
+              <a:buFont typeface="Arial" panose="020B0604020202020204" pitchFamily="34" charset="0"/>
+              <a:buChar char="•"/>
+              <a:defRPr sz="1800" kern="1200">
+                <a:solidFill>
+                  <a:schemeClr val="tx1"/>
+                </a:solidFill>
+                <a:latin typeface="+mn-lt"/>
+                <a:ea typeface="+mn-ea"/>
+                <a:cs typeface="+mn-cs"/>
+              </a:defRPr>
+            </a:lvl5pPr>
+            <a:lvl6pPr marL="2514600" indent="-228600" algn="l" defTabSz="914400" rtl="0" eaLnBrk="1" latinLnBrk="0" hangingPunct="1">
+              <a:lnSpc>
+                <a:spcPct val="90000"/>
+              </a:lnSpc>
+              <a:spcBef>
+                <a:spcPts val="500"/>
+              </a:spcBef>
+              <a:buFont typeface="Arial" panose="020B0604020202020204" pitchFamily="34" charset="0"/>
+              <a:buChar char="•"/>
+              <a:defRPr sz="1800" kern="1200">
+                <a:solidFill>
+                  <a:schemeClr val="tx1"/>
+                </a:solidFill>
+                <a:latin typeface="+mn-lt"/>
+                <a:ea typeface="+mn-ea"/>
+                <a:cs typeface="+mn-cs"/>
+              </a:defRPr>
+            </a:lvl6pPr>
+            <a:lvl7pPr marL="2971800" indent="-228600" algn="l" defTabSz="914400" rtl="0" eaLnBrk="1" latinLnBrk="0" hangingPunct="1">
+              <a:lnSpc>
+                <a:spcPct val="90000"/>
+              </a:lnSpc>
+              <a:spcBef>
+                <a:spcPts val="500"/>
+              </a:spcBef>
+              <a:buFont typeface="Arial" panose="020B0604020202020204" pitchFamily="34" charset="0"/>
+              <a:buChar char="•"/>
+              <a:defRPr sz="1800" kern="1200">
+                <a:solidFill>
+                  <a:schemeClr val="tx1"/>
+                </a:solidFill>
+                <a:latin typeface="+mn-lt"/>
+                <a:ea typeface="+mn-ea"/>
+                <a:cs typeface="+mn-cs"/>
+              </a:defRPr>
+            </a:lvl7pPr>
+            <a:lvl8pPr marL="3429000" indent="-228600" algn="l" defTabSz="914400" rtl="0" eaLnBrk="1" latinLnBrk="0" hangingPunct="1">
+              <a:lnSpc>
+                <a:spcPct val="90000"/>
+              </a:lnSpc>
+              <a:spcBef>
+                <a:spcPts val="500"/>
+              </a:spcBef>
+              <a:buFont typeface="Arial" panose="020B0604020202020204" pitchFamily="34" charset="0"/>
+              <a:buChar char="•"/>
+              <a:defRPr sz="1800" kern="1200">
+                <a:solidFill>
+                  <a:schemeClr val="tx1"/>
+                </a:solidFill>
+                <a:latin typeface="+mn-lt"/>
+                <a:ea typeface="+mn-ea"/>
+                <a:cs typeface="+mn-cs"/>
+              </a:defRPr>
+            </a:lvl8pPr>
+            <a:lvl9pPr marL="3886200" indent="-228600" algn="l" defTabSz="914400" rtl="0" eaLnBrk="1" latinLnBrk="0" hangingPunct="1">
+              <a:lnSpc>
+                <a:spcPct val="90000"/>
+              </a:lnSpc>
+              <a:spcBef>
+                <a:spcPts val="500"/>
+              </a:spcBef>
+              <a:buFont typeface="Arial" panose="020B0604020202020204" pitchFamily="34" charset="0"/>
+              <a:buChar char="•"/>
+              <a:defRPr sz="1800" kern="1200">
+                <a:solidFill>
+                  <a:schemeClr val="tx1"/>
+                </a:solidFill>
+                <a:latin typeface="+mn-lt"/>
+                <a:ea typeface="+mn-ea"/>
+                <a:cs typeface="+mn-cs"/>
+              </a:defRPr>
+            </a:lvl9pPr>
+          </a:lstStyle>
+          <a:p>
+            <a:pPr marL="0" indent="0">
+              <a:buClr>
+                <a:srgbClr val="7F39FB"/>
+              </a:buClr>
+              <a:buSzPct val="100000"/>
+              <a:buNone/>
+            </a:pPr>
+            <a:r>
+              <a:rPr lang="ru-RU" dirty="0">
+                <a:solidFill>
+                  <a:schemeClr val="bg1">
+                    <a:lumMod val="85000"/>
+                  </a:schemeClr>
+                </a:solidFill>
+                <a:latin typeface="VDS" panose="02000506000000020004" pitchFamily="2" charset="-52"/>
+                <a:cs typeface="Arial" panose="020B0604020202020204" pitchFamily="34" charset="0"/>
+              </a:rPr>
+              <a:t>Быстрый и экономный результат</a:t>
+            </a:r>
+          </a:p>
+        </p:txBody>
+      </p:sp>
       <p:pic>
         <p:nvPicPr>
-          <p:cNvPr id="9" name="Рисунок 8">
-            <a:extLst>
-              <a:ext uri="{FF2B5EF4-FFF2-40B4-BE49-F238E27FC236}">
-                <a16:creationId xmlns:a16="http://schemas.microsoft.com/office/drawing/2014/main" id="{7C155EAE-A9ED-4066-A1BF-1F18D236B300}"/>
+          <p:cNvPr id="3" name="Рисунок 2">
+            <a:extLst>
+              <a:ext uri="{FF2B5EF4-FFF2-40B4-BE49-F238E27FC236}">
+                <a16:creationId xmlns:a16="http://schemas.microsoft.com/office/drawing/2014/main" id="{AE429443-3F9F-475A-A069-A326A7B927BB}"/>
+              </a:ext>
+            </a:extLst>
+          </p:cNvPr>
+          <p:cNvPicPr>
+            <a:picLocks noChangeAspect="1"/>
+          </p:cNvPicPr>
+          <p:nvPr/>
+        </p:nvPicPr>
+        <p:blipFill>
+          <a:blip r:embed="rId4" cstate="print">
+            <a:duotone>
+              <a:prstClr val="black"/>
+              <a:srgbClr val="7F39FB">
+                <a:tint val="45000"/>
+                <a:satMod val="400000"/>
+              </a:srgbClr>
+            </a:duotone>
+            <a:extLst>
+              <a:ext uri="{BEBA8EAE-BF5A-486C-A8C5-ECC9F3942E4B}">
+                <a14:imgProps xmlns:a14="http://schemas.microsoft.com/office/drawing/2010/main">
+                  <a14:imgLayer r:embed="rId5">
+                    <a14:imgEffect>
+                      <a14:artisticPhotocopy/>
+                    </a14:imgEffect>
+                  </a14:imgLayer>
+                </a14:imgProps>
+              </a:ext>
+              <a:ext uri="{28A0092B-C50C-407E-A947-70E740481C1C}">
+                <a14:useLocalDpi xmlns:a14="http://schemas.microsoft.com/office/drawing/2010/main" val="0"/>
+              </a:ext>
+            </a:extLst>
+          </a:blip>
+          <a:stretch>
+            <a:fillRect/>
+          </a:stretch>
+        </p:blipFill>
+        <p:spPr>
+          <a:xfrm>
+            <a:off x="796702" y="5247500"/>
+            <a:ext cx="1103153" cy="1103153"/>
+          </a:xfrm>
+          <a:prstGeom prst="rect">
+            <a:avLst/>
+          </a:prstGeom>
+        </p:spPr>
+      </p:pic>
+      <p:pic>
+        <p:nvPicPr>
+          <p:cNvPr id="5" name="Рисунок 4">
+            <a:extLst>
+              <a:ext uri="{FF2B5EF4-FFF2-40B4-BE49-F238E27FC236}">
+                <a16:creationId xmlns:a16="http://schemas.microsoft.com/office/drawing/2014/main" id="{20FAE2C2-4FAD-4861-B4F2-9ACA29573310}"/>
               </a:ext>
             </a:extLst>
           </p:cNvPr>
@@ -8969,12 +10511,25 @@
         </p:nvPicPr>
         <p:blipFill>
           <a:blip r:embed="rId6" cstate="print">
-            <a:extLst>
+            <a:duotone>
+              <a:prstClr val="black"/>
+              <a:srgbClr val="7F39FB">
+                <a:tint val="45000"/>
+                <a:satMod val="400000"/>
+              </a:srgbClr>
+            </a:duotone>
+            <a:extLst>
+              <a:ext uri="{BEBA8EAE-BF5A-486C-A8C5-ECC9F3942E4B}">
+                <a14:imgProps xmlns:a14="http://schemas.microsoft.com/office/drawing/2010/main">
+                  <a14:imgLayer r:embed="rId7">
+                    <a14:imgEffect>
+                      <a14:artisticPhotocopy/>
+                    </a14:imgEffect>
+                  </a14:imgLayer>
+                </a14:imgProps>
+              </a:ext>
               <a:ext uri="{28A0092B-C50C-407E-A947-70E740481C1C}">
                 <a14:useLocalDpi xmlns:a14="http://schemas.microsoft.com/office/drawing/2010/main" val="0"/>
-              </a:ext>
-              <a:ext uri="{96DAC541-7B7A-43D3-8B79-37D633B846F1}">
-                <asvg:svgBlip xmlns:asvg="http://schemas.microsoft.com/office/drawing/2016/SVG/main" r:embed="rId7"/>
               </a:ext>
             </a:extLst>
           </a:blip>
@@ -8984,18 +10539,883 @@
         </p:blipFill>
         <p:spPr>
           <a:xfrm>
-            <a:off x="8182144" y="1924321"/>
-            <a:ext cx="3009357" cy="3009357"/>
+            <a:off x="830337" y="3921258"/>
+            <a:ext cx="1103154" cy="1103154"/>
           </a:xfrm>
           <a:prstGeom prst="rect">
             <a:avLst/>
           </a:prstGeom>
         </p:spPr>
       </p:pic>
+      <p:pic>
+        <p:nvPicPr>
+          <p:cNvPr id="8" name="Рисунок 7">
+            <a:extLst>
+              <a:ext uri="{FF2B5EF4-FFF2-40B4-BE49-F238E27FC236}">
+                <a16:creationId xmlns:a16="http://schemas.microsoft.com/office/drawing/2014/main" id="{2224DBC1-0D60-4FE9-B22E-2CB67C875485}"/>
+              </a:ext>
+            </a:extLst>
+          </p:cNvPr>
+          <p:cNvPicPr>
+            <a:picLocks noChangeAspect="1"/>
+          </p:cNvPicPr>
+          <p:nvPr/>
+        </p:nvPicPr>
+        <p:blipFill>
+          <a:blip r:embed="rId8" cstate="print">
+            <a:duotone>
+              <a:prstClr val="black"/>
+              <a:srgbClr val="7F39FB">
+                <a:tint val="45000"/>
+                <a:satMod val="400000"/>
+              </a:srgbClr>
+            </a:duotone>
+            <a:extLst>
+              <a:ext uri="{BEBA8EAE-BF5A-486C-A8C5-ECC9F3942E4B}">
+                <a14:imgProps xmlns:a14="http://schemas.microsoft.com/office/drawing/2010/main">
+                  <a14:imgLayer r:embed="rId9">
+                    <a14:imgEffect>
+                      <a14:artisticPhotocopy/>
+                    </a14:imgEffect>
+                  </a14:imgLayer>
+                </a14:imgProps>
+              </a:ext>
+              <a:ext uri="{28A0092B-C50C-407E-A947-70E740481C1C}">
+                <a14:useLocalDpi xmlns:a14="http://schemas.microsoft.com/office/drawing/2010/main" val="0"/>
+              </a:ext>
+            </a:extLst>
+          </a:blip>
+          <a:stretch>
+            <a:fillRect/>
+          </a:stretch>
+        </p:blipFill>
+        <p:spPr>
+          <a:xfrm>
+            <a:off x="6375760" y="3693338"/>
+            <a:ext cx="1103153" cy="1103153"/>
+          </a:xfrm>
+          <a:prstGeom prst="rect">
+            <a:avLst/>
+          </a:prstGeom>
+        </p:spPr>
+      </p:pic>
+      <p:pic>
+        <p:nvPicPr>
+          <p:cNvPr id="31" name="Рисунок 30">
+            <a:extLst>
+              <a:ext uri="{FF2B5EF4-FFF2-40B4-BE49-F238E27FC236}">
+                <a16:creationId xmlns:a16="http://schemas.microsoft.com/office/drawing/2014/main" id="{F3E1230D-2654-46EB-BFB3-2D6B9B17C9AC}"/>
+              </a:ext>
+            </a:extLst>
+          </p:cNvPr>
+          <p:cNvPicPr>
+            <a:picLocks noChangeAspect="1"/>
+          </p:cNvPicPr>
+          <p:nvPr/>
+        </p:nvPicPr>
+        <p:blipFill>
+          <a:blip r:embed="rId10" cstate="print">
+            <a:duotone>
+              <a:prstClr val="black"/>
+              <a:srgbClr val="7F39FB">
+                <a:tint val="45000"/>
+                <a:satMod val="400000"/>
+              </a:srgbClr>
+            </a:duotone>
+            <a:extLst>
+              <a:ext uri="{BEBA8EAE-BF5A-486C-A8C5-ECC9F3942E4B}">
+                <a14:imgProps xmlns:a14="http://schemas.microsoft.com/office/drawing/2010/main">
+                  <a14:imgLayer r:embed="rId11">
+                    <a14:imgEffect>
+                      <a14:artisticPhotocopy/>
+                    </a14:imgEffect>
+                  </a14:imgLayer>
+                </a14:imgProps>
+              </a:ext>
+              <a:ext uri="{28A0092B-C50C-407E-A947-70E740481C1C}">
+                <a14:useLocalDpi xmlns:a14="http://schemas.microsoft.com/office/drawing/2010/main" val="0"/>
+              </a:ext>
+            </a:extLst>
+          </a:blip>
+          <a:stretch>
+            <a:fillRect/>
+          </a:stretch>
+        </p:blipFill>
+        <p:spPr>
+          <a:xfrm>
+            <a:off x="6439959" y="2252070"/>
+            <a:ext cx="1103153" cy="1103153"/>
+          </a:xfrm>
+          <a:prstGeom prst="rect">
+            <a:avLst/>
+          </a:prstGeom>
+        </p:spPr>
+      </p:pic>
+      <p:pic>
+        <p:nvPicPr>
+          <p:cNvPr id="33" name="Рисунок 32">
+            <a:extLst>
+              <a:ext uri="{FF2B5EF4-FFF2-40B4-BE49-F238E27FC236}">
+                <a16:creationId xmlns:a16="http://schemas.microsoft.com/office/drawing/2014/main" id="{23D6CE3C-D858-41DE-8540-BDC7DAFEEC90}"/>
+              </a:ext>
+            </a:extLst>
+          </p:cNvPr>
+          <p:cNvPicPr>
+            <a:picLocks noChangeAspect="1"/>
+          </p:cNvPicPr>
+          <p:nvPr/>
+        </p:nvPicPr>
+        <p:blipFill>
+          <a:blip r:embed="rId12" cstate="print">
+            <a:duotone>
+              <a:prstClr val="black"/>
+              <a:srgbClr val="7F39FB">
+                <a:tint val="45000"/>
+                <a:satMod val="400000"/>
+              </a:srgbClr>
+            </a:duotone>
+            <a:extLst>
+              <a:ext uri="{BEBA8EAE-BF5A-486C-A8C5-ECC9F3942E4B}">
+                <a14:imgProps xmlns:a14="http://schemas.microsoft.com/office/drawing/2010/main">
+                  <a14:imgLayer r:embed="rId13">
+                    <a14:imgEffect>
+                      <a14:artisticPhotocopy/>
+                    </a14:imgEffect>
+                  </a14:imgLayer>
+                </a14:imgProps>
+              </a:ext>
+              <a:ext uri="{28A0092B-C50C-407E-A947-70E740481C1C}">
+                <a14:useLocalDpi xmlns:a14="http://schemas.microsoft.com/office/drawing/2010/main" val="0"/>
+              </a:ext>
+            </a:extLst>
+          </a:blip>
+          <a:stretch>
+            <a:fillRect/>
+          </a:stretch>
+        </p:blipFill>
+        <p:spPr>
+          <a:xfrm>
+            <a:off x="6375760" y="5232842"/>
+            <a:ext cx="1103152" cy="1103152"/>
+          </a:xfrm>
+          <a:prstGeom prst="rect">
+            <a:avLst/>
+          </a:prstGeom>
+        </p:spPr>
+      </p:pic>
+      <p:pic>
+        <p:nvPicPr>
+          <p:cNvPr id="4" name="Рисунок 3">
+            <a:extLst>
+              <a:ext uri="{FF2B5EF4-FFF2-40B4-BE49-F238E27FC236}">
+                <a16:creationId xmlns:a16="http://schemas.microsoft.com/office/drawing/2014/main" id="{64882A2A-8441-41AB-BEF5-9847DDC307B7}"/>
+              </a:ext>
+            </a:extLst>
+          </p:cNvPr>
+          <p:cNvPicPr>
+            <a:picLocks noChangeAspect="1"/>
+          </p:cNvPicPr>
+          <p:nvPr/>
+        </p:nvPicPr>
+        <p:blipFill>
+          <a:blip r:embed="rId14" cstate="print">
+            <a:duotone>
+              <a:prstClr val="black"/>
+              <a:srgbClr val="7F39FB">
+                <a:tint val="45000"/>
+                <a:satMod val="400000"/>
+              </a:srgbClr>
+            </a:duotone>
+            <a:extLst>
+              <a:ext uri="{BEBA8EAE-BF5A-486C-A8C5-ECC9F3942E4B}">
+                <a14:imgProps xmlns:a14="http://schemas.microsoft.com/office/drawing/2010/main">
+                  <a14:imgLayer r:embed="rId15">
+                    <a14:imgEffect>
+                      <a14:artisticPhotocopy/>
+                    </a14:imgEffect>
+                  </a14:imgLayer>
+                </a14:imgProps>
+              </a:ext>
+              <a:ext uri="{28A0092B-C50C-407E-A947-70E740481C1C}">
+                <a14:useLocalDpi xmlns:a14="http://schemas.microsoft.com/office/drawing/2010/main" val="0"/>
+              </a:ext>
+            </a:extLst>
+          </a:blip>
+          <a:stretch>
+            <a:fillRect/>
+          </a:stretch>
+        </p:blipFill>
+        <p:spPr>
+          <a:xfrm>
+            <a:off x="779409" y="2328802"/>
+            <a:ext cx="1205010" cy="1205010"/>
+          </a:xfrm>
+          <a:prstGeom prst="rect">
+            <a:avLst/>
+          </a:prstGeom>
+        </p:spPr>
+      </p:pic>
+      <p:sp>
+        <p:nvSpPr>
+          <p:cNvPr id="22" name="Подзаголовок 2">
+            <a:extLst>
+              <a:ext uri="{FF2B5EF4-FFF2-40B4-BE49-F238E27FC236}">
+                <a16:creationId xmlns:a16="http://schemas.microsoft.com/office/drawing/2014/main" id="{C44FD1D1-C37F-4D5C-8D9D-39AD811F2940}"/>
+              </a:ext>
+            </a:extLst>
+          </p:cNvPr>
+          <p:cNvSpPr txBox="1">
+            <a:spLocks/>
+          </p:cNvSpPr>
+          <p:nvPr/>
+        </p:nvSpPr>
+        <p:spPr>
+          <a:xfrm>
+            <a:off x="2270262" y="2670209"/>
+            <a:ext cx="3221324" cy="946696"/>
+          </a:xfrm>
+          <a:prstGeom prst="rect">
+            <a:avLst/>
+          </a:prstGeom>
+          <a:solidFill>
+            <a:srgbClr val="121212">
+              <a:alpha val="0"/>
+            </a:srgbClr>
+          </a:solidFill>
+        </p:spPr>
+        <p:txBody>
+          <a:bodyPr>
+            <a:normAutofit/>
+          </a:bodyPr>
+          <a:lstStyle>
+            <a:lvl1pPr marL="228600" indent="-228600" algn="l" defTabSz="914400" rtl="0" eaLnBrk="1" latinLnBrk="0" hangingPunct="1">
+              <a:lnSpc>
+                <a:spcPct val="90000"/>
+              </a:lnSpc>
+              <a:spcBef>
+                <a:spcPts val="1000"/>
+              </a:spcBef>
+              <a:buFont typeface="Arial" panose="020B0604020202020204" pitchFamily="34" charset="0"/>
+              <a:buChar char="•"/>
+              <a:defRPr sz="2800" kern="1200">
+                <a:solidFill>
+                  <a:schemeClr val="tx1"/>
+                </a:solidFill>
+                <a:latin typeface="+mn-lt"/>
+                <a:ea typeface="+mn-ea"/>
+                <a:cs typeface="+mn-cs"/>
+              </a:defRPr>
+            </a:lvl1pPr>
+            <a:lvl2pPr marL="685800" indent="-228600" algn="l" defTabSz="914400" rtl="0" eaLnBrk="1" latinLnBrk="0" hangingPunct="1">
+              <a:lnSpc>
+                <a:spcPct val="90000"/>
+              </a:lnSpc>
+              <a:spcBef>
+                <a:spcPts val="500"/>
+              </a:spcBef>
+              <a:buFont typeface="Arial" panose="020B0604020202020204" pitchFamily="34" charset="0"/>
+              <a:buChar char="•"/>
+              <a:defRPr sz="2400" kern="1200">
+                <a:solidFill>
+                  <a:schemeClr val="tx1"/>
+                </a:solidFill>
+                <a:latin typeface="+mn-lt"/>
+                <a:ea typeface="+mn-ea"/>
+                <a:cs typeface="+mn-cs"/>
+              </a:defRPr>
+            </a:lvl2pPr>
+            <a:lvl3pPr marL="1143000" indent="-228600" algn="l" defTabSz="914400" rtl="0" eaLnBrk="1" latinLnBrk="0" hangingPunct="1">
+              <a:lnSpc>
+                <a:spcPct val="90000"/>
+              </a:lnSpc>
+              <a:spcBef>
+                <a:spcPts val="500"/>
+              </a:spcBef>
+              <a:buFont typeface="Arial" panose="020B0604020202020204" pitchFamily="34" charset="0"/>
+              <a:buChar char="•"/>
+              <a:defRPr sz="2000" kern="1200">
+                <a:solidFill>
+                  <a:schemeClr val="tx1"/>
+                </a:solidFill>
+                <a:latin typeface="+mn-lt"/>
+                <a:ea typeface="+mn-ea"/>
+                <a:cs typeface="+mn-cs"/>
+              </a:defRPr>
+            </a:lvl3pPr>
+            <a:lvl4pPr marL="1600200" indent="-228600" algn="l" defTabSz="914400" rtl="0" eaLnBrk="1" latinLnBrk="0" hangingPunct="1">
+              <a:lnSpc>
+                <a:spcPct val="90000"/>
+              </a:lnSpc>
+              <a:spcBef>
+                <a:spcPts val="500"/>
+              </a:spcBef>
+              <a:buFont typeface="Arial" panose="020B0604020202020204" pitchFamily="34" charset="0"/>
+              <a:buChar char="•"/>
+              <a:defRPr sz="1800" kern="1200">
+                <a:solidFill>
+                  <a:schemeClr val="tx1"/>
+                </a:solidFill>
+                <a:latin typeface="+mn-lt"/>
+                <a:ea typeface="+mn-ea"/>
+                <a:cs typeface="+mn-cs"/>
+              </a:defRPr>
+            </a:lvl4pPr>
+            <a:lvl5pPr marL="2057400" indent="-228600" algn="l" defTabSz="914400" rtl="0" eaLnBrk="1" latinLnBrk="0" hangingPunct="1">
+              <a:lnSpc>
+                <a:spcPct val="90000"/>
+              </a:lnSpc>
+              <a:spcBef>
+                <a:spcPts val="500"/>
+              </a:spcBef>
+              <a:buFont typeface="Arial" panose="020B0604020202020204" pitchFamily="34" charset="0"/>
+              <a:buChar char="•"/>
+              <a:defRPr sz="1800" kern="1200">
+                <a:solidFill>
+                  <a:schemeClr val="tx1"/>
+                </a:solidFill>
+                <a:latin typeface="+mn-lt"/>
+                <a:ea typeface="+mn-ea"/>
+                <a:cs typeface="+mn-cs"/>
+              </a:defRPr>
+            </a:lvl5pPr>
+            <a:lvl6pPr marL="2514600" indent="-228600" algn="l" defTabSz="914400" rtl="0" eaLnBrk="1" latinLnBrk="0" hangingPunct="1">
+              <a:lnSpc>
+                <a:spcPct val="90000"/>
+              </a:lnSpc>
+              <a:spcBef>
+                <a:spcPts val="500"/>
+              </a:spcBef>
+              <a:buFont typeface="Arial" panose="020B0604020202020204" pitchFamily="34" charset="0"/>
+              <a:buChar char="•"/>
+              <a:defRPr sz="1800" kern="1200">
+                <a:solidFill>
+                  <a:schemeClr val="tx1"/>
+                </a:solidFill>
+                <a:latin typeface="+mn-lt"/>
+                <a:ea typeface="+mn-ea"/>
+                <a:cs typeface="+mn-cs"/>
+              </a:defRPr>
+            </a:lvl6pPr>
+            <a:lvl7pPr marL="2971800" indent="-228600" algn="l" defTabSz="914400" rtl="0" eaLnBrk="1" latinLnBrk="0" hangingPunct="1">
+              <a:lnSpc>
+                <a:spcPct val="90000"/>
+              </a:lnSpc>
+              <a:spcBef>
+                <a:spcPts val="500"/>
+              </a:spcBef>
+              <a:buFont typeface="Arial" panose="020B0604020202020204" pitchFamily="34" charset="0"/>
+              <a:buChar char="•"/>
+              <a:defRPr sz="1800" kern="1200">
+                <a:solidFill>
+                  <a:schemeClr val="tx1"/>
+                </a:solidFill>
+                <a:latin typeface="+mn-lt"/>
+                <a:ea typeface="+mn-ea"/>
+                <a:cs typeface="+mn-cs"/>
+              </a:defRPr>
+            </a:lvl7pPr>
+            <a:lvl8pPr marL="3429000" indent="-228600" algn="l" defTabSz="914400" rtl="0" eaLnBrk="1" latinLnBrk="0" hangingPunct="1">
+              <a:lnSpc>
+                <a:spcPct val="90000"/>
+              </a:lnSpc>
+              <a:spcBef>
+                <a:spcPts val="500"/>
+              </a:spcBef>
+              <a:buFont typeface="Arial" panose="020B0604020202020204" pitchFamily="34" charset="0"/>
+              <a:buChar char="•"/>
+              <a:defRPr sz="1800" kern="1200">
+                <a:solidFill>
+                  <a:schemeClr val="tx1"/>
+                </a:solidFill>
+                <a:latin typeface="+mn-lt"/>
+                <a:ea typeface="+mn-ea"/>
+                <a:cs typeface="+mn-cs"/>
+              </a:defRPr>
+            </a:lvl8pPr>
+            <a:lvl9pPr marL="3886200" indent="-228600" algn="l" defTabSz="914400" rtl="0" eaLnBrk="1" latinLnBrk="0" hangingPunct="1">
+              <a:lnSpc>
+                <a:spcPct val="90000"/>
+              </a:lnSpc>
+              <a:spcBef>
+                <a:spcPts val="500"/>
+              </a:spcBef>
+              <a:buFont typeface="Arial" panose="020B0604020202020204" pitchFamily="34" charset="0"/>
+              <a:buChar char="•"/>
+              <a:defRPr sz="1800" kern="1200">
+                <a:solidFill>
+                  <a:schemeClr val="tx1"/>
+                </a:solidFill>
+                <a:latin typeface="+mn-lt"/>
+                <a:ea typeface="+mn-ea"/>
+                <a:cs typeface="+mn-cs"/>
+              </a:defRPr>
+            </a:lvl9pPr>
+          </a:lstStyle>
+          <a:p>
+            <a:pPr marL="0" indent="0">
+              <a:buClr>
+                <a:srgbClr val="7F39FB"/>
+              </a:buClr>
+              <a:buSzPct val="100000"/>
+              <a:buNone/>
+            </a:pPr>
+            <a:r>
+              <a:rPr lang="ru-RU" dirty="0">
+                <a:solidFill>
+                  <a:schemeClr val="bg1">
+                    <a:lumMod val="85000"/>
+                  </a:schemeClr>
+                </a:solidFill>
+                <a:latin typeface="VDS" panose="02000506000000020004" pitchFamily="2" charset="-52"/>
+                <a:cs typeface="Arial" panose="020B0604020202020204" pitchFamily="34" charset="0"/>
+              </a:rPr>
+              <a:t>Сбор команды</a:t>
+            </a:r>
+          </a:p>
+        </p:txBody>
+      </p:sp>
+      <p:sp>
+        <p:nvSpPr>
+          <p:cNvPr id="2" name="Подзаголовок 2">
+            <a:extLst>
+              <a:ext uri="{FF2B5EF4-FFF2-40B4-BE49-F238E27FC236}">
+                <a16:creationId xmlns:a16="http://schemas.microsoft.com/office/drawing/2014/main" id="{6D687397-D99D-26F8-7666-7F8A5F06537B}"/>
+              </a:ext>
+            </a:extLst>
+          </p:cNvPr>
+          <p:cNvSpPr txBox="1">
+            <a:spLocks/>
+          </p:cNvSpPr>
+          <p:nvPr/>
+        </p:nvSpPr>
+        <p:spPr>
+          <a:xfrm>
+            <a:off x="711682" y="1382106"/>
+            <a:ext cx="3221324" cy="946696"/>
+          </a:xfrm>
+          <a:prstGeom prst="rect">
+            <a:avLst/>
+          </a:prstGeom>
+          <a:solidFill>
+            <a:srgbClr val="121212">
+              <a:alpha val="0"/>
+            </a:srgbClr>
+          </a:solidFill>
+        </p:spPr>
+        <p:txBody>
+          <a:bodyPr>
+            <a:normAutofit/>
+          </a:bodyPr>
+          <a:lstStyle>
+            <a:lvl1pPr marL="228600" indent="-228600" algn="l" defTabSz="914400" rtl="0" eaLnBrk="1" latinLnBrk="0" hangingPunct="1">
+              <a:lnSpc>
+                <a:spcPct val="90000"/>
+              </a:lnSpc>
+              <a:spcBef>
+                <a:spcPts val="1000"/>
+              </a:spcBef>
+              <a:buFont typeface="Arial" panose="020B0604020202020204" pitchFamily="34" charset="0"/>
+              <a:buChar char="•"/>
+              <a:defRPr sz="2800" kern="1200">
+                <a:solidFill>
+                  <a:schemeClr val="tx1"/>
+                </a:solidFill>
+                <a:latin typeface="+mn-lt"/>
+                <a:ea typeface="+mn-ea"/>
+                <a:cs typeface="+mn-cs"/>
+              </a:defRPr>
+            </a:lvl1pPr>
+            <a:lvl2pPr marL="685800" indent="-228600" algn="l" defTabSz="914400" rtl="0" eaLnBrk="1" latinLnBrk="0" hangingPunct="1">
+              <a:lnSpc>
+                <a:spcPct val="90000"/>
+              </a:lnSpc>
+              <a:spcBef>
+                <a:spcPts val="500"/>
+              </a:spcBef>
+              <a:buFont typeface="Arial" panose="020B0604020202020204" pitchFamily="34" charset="0"/>
+              <a:buChar char="•"/>
+              <a:defRPr sz="2400" kern="1200">
+                <a:solidFill>
+                  <a:schemeClr val="tx1"/>
+                </a:solidFill>
+                <a:latin typeface="+mn-lt"/>
+                <a:ea typeface="+mn-ea"/>
+                <a:cs typeface="+mn-cs"/>
+              </a:defRPr>
+            </a:lvl2pPr>
+            <a:lvl3pPr marL="1143000" indent="-228600" algn="l" defTabSz="914400" rtl="0" eaLnBrk="1" latinLnBrk="0" hangingPunct="1">
+              <a:lnSpc>
+                <a:spcPct val="90000"/>
+              </a:lnSpc>
+              <a:spcBef>
+                <a:spcPts val="500"/>
+              </a:spcBef>
+              <a:buFont typeface="Arial" panose="020B0604020202020204" pitchFamily="34" charset="0"/>
+              <a:buChar char="•"/>
+              <a:defRPr sz="2000" kern="1200">
+                <a:solidFill>
+                  <a:schemeClr val="tx1"/>
+                </a:solidFill>
+                <a:latin typeface="+mn-lt"/>
+                <a:ea typeface="+mn-ea"/>
+                <a:cs typeface="+mn-cs"/>
+              </a:defRPr>
+            </a:lvl3pPr>
+            <a:lvl4pPr marL="1600200" indent="-228600" algn="l" defTabSz="914400" rtl="0" eaLnBrk="1" latinLnBrk="0" hangingPunct="1">
+              <a:lnSpc>
+                <a:spcPct val="90000"/>
+              </a:lnSpc>
+              <a:spcBef>
+                <a:spcPts val="500"/>
+              </a:spcBef>
+              <a:buFont typeface="Arial" panose="020B0604020202020204" pitchFamily="34" charset="0"/>
+              <a:buChar char="•"/>
+              <a:defRPr sz="1800" kern="1200">
+                <a:solidFill>
+                  <a:schemeClr val="tx1"/>
+                </a:solidFill>
+                <a:latin typeface="+mn-lt"/>
+                <a:ea typeface="+mn-ea"/>
+                <a:cs typeface="+mn-cs"/>
+              </a:defRPr>
+            </a:lvl4pPr>
+            <a:lvl5pPr marL="2057400" indent="-228600" algn="l" defTabSz="914400" rtl="0" eaLnBrk="1" latinLnBrk="0" hangingPunct="1">
+              <a:lnSpc>
+                <a:spcPct val="90000"/>
+              </a:lnSpc>
+              <a:spcBef>
+                <a:spcPts val="500"/>
+              </a:spcBef>
+              <a:buFont typeface="Arial" panose="020B0604020202020204" pitchFamily="34" charset="0"/>
+              <a:buChar char="•"/>
+              <a:defRPr sz="1800" kern="1200">
+                <a:solidFill>
+                  <a:schemeClr val="tx1"/>
+                </a:solidFill>
+                <a:latin typeface="+mn-lt"/>
+                <a:ea typeface="+mn-ea"/>
+                <a:cs typeface="+mn-cs"/>
+              </a:defRPr>
+            </a:lvl5pPr>
+            <a:lvl6pPr marL="2514600" indent="-228600" algn="l" defTabSz="914400" rtl="0" eaLnBrk="1" latinLnBrk="0" hangingPunct="1">
+              <a:lnSpc>
+                <a:spcPct val="90000"/>
+              </a:lnSpc>
+              <a:spcBef>
+                <a:spcPts val="500"/>
+              </a:spcBef>
+              <a:buFont typeface="Arial" panose="020B0604020202020204" pitchFamily="34" charset="0"/>
+              <a:buChar char="•"/>
+              <a:defRPr sz="1800" kern="1200">
+                <a:solidFill>
+                  <a:schemeClr val="tx1"/>
+                </a:solidFill>
+                <a:latin typeface="+mn-lt"/>
+                <a:ea typeface="+mn-ea"/>
+                <a:cs typeface="+mn-cs"/>
+              </a:defRPr>
+            </a:lvl6pPr>
+            <a:lvl7pPr marL="2971800" indent="-228600" algn="l" defTabSz="914400" rtl="0" eaLnBrk="1" latinLnBrk="0" hangingPunct="1">
+              <a:lnSpc>
+                <a:spcPct val="90000"/>
+              </a:lnSpc>
+              <a:spcBef>
+                <a:spcPts val="500"/>
+              </a:spcBef>
+              <a:buFont typeface="Arial" panose="020B0604020202020204" pitchFamily="34" charset="0"/>
+              <a:buChar char="•"/>
+              <a:defRPr sz="1800" kern="1200">
+                <a:solidFill>
+                  <a:schemeClr val="tx1"/>
+                </a:solidFill>
+                <a:latin typeface="+mn-lt"/>
+                <a:ea typeface="+mn-ea"/>
+                <a:cs typeface="+mn-cs"/>
+              </a:defRPr>
+            </a:lvl7pPr>
+            <a:lvl8pPr marL="3429000" indent="-228600" algn="l" defTabSz="914400" rtl="0" eaLnBrk="1" latinLnBrk="0" hangingPunct="1">
+              <a:lnSpc>
+                <a:spcPct val="90000"/>
+              </a:lnSpc>
+              <a:spcBef>
+                <a:spcPts val="500"/>
+              </a:spcBef>
+              <a:buFont typeface="Arial" panose="020B0604020202020204" pitchFamily="34" charset="0"/>
+              <a:buChar char="•"/>
+              <a:defRPr sz="1800" kern="1200">
+                <a:solidFill>
+                  <a:schemeClr val="tx1"/>
+                </a:solidFill>
+                <a:latin typeface="+mn-lt"/>
+                <a:ea typeface="+mn-ea"/>
+                <a:cs typeface="+mn-cs"/>
+              </a:defRPr>
+            </a:lvl8pPr>
+            <a:lvl9pPr marL="3886200" indent="-228600" algn="l" defTabSz="914400" rtl="0" eaLnBrk="1" latinLnBrk="0" hangingPunct="1">
+              <a:lnSpc>
+                <a:spcPct val="90000"/>
+              </a:lnSpc>
+              <a:spcBef>
+                <a:spcPts val="500"/>
+              </a:spcBef>
+              <a:buFont typeface="Arial" panose="020B0604020202020204" pitchFamily="34" charset="0"/>
+              <a:buChar char="•"/>
+              <a:defRPr sz="1800" kern="1200">
+                <a:solidFill>
+                  <a:schemeClr val="tx1"/>
+                </a:solidFill>
+                <a:latin typeface="+mn-lt"/>
+                <a:ea typeface="+mn-ea"/>
+                <a:cs typeface="+mn-cs"/>
+              </a:defRPr>
+            </a:lvl9pPr>
+          </a:lstStyle>
+          <a:p>
+            <a:pPr marL="0" indent="0">
+              <a:buClr>
+                <a:srgbClr val="7F39FB"/>
+              </a:buClr>
+              <a:buSzPct val="100000"/>
+              <a:buNone/>
+            </a:pPr>
+            <a:r>
+              <a:rPr lang="ru-RU" dirty="0">
+                <a:solidFill>
+                  <a:schemeClr val="bg1">
+                    <a:lumMod val="85000"/>
+                  </a:schemeClr>
+                </a:solidFill>
+                <a:latin typeface="VDS" panose="02000506000000020004" pitchFamily="2" charset="-52"/>
+                <a:cs typeface="Arial" panose="020B0604020202020204" pitchFamily="34" charset="0"/>
+              </a:rPr>
+              <a:t>Для исполнителей:</a:t>
+            </a:r>
+          </a:p>
+        </p:txBody>
+      </p:sp>
+      <p:sp>
+        <p:nvSpPr>
+          <p:cNvPr id="6" name="Подзаголовок 2">
+            <a:extLst>
+              <a:ext uri="{FF2B5EF4-FFF2-40B4-BE49-F238E27FC236}">
+                <a16:creationId xmlns:a16="http://schemas.microsoft.com/office/drawing/2014/main" id="{7F33579F-0DD0-9C02-7668-DA3B9A57BCF8}"/>
+              </a:ext>
+            </a:extLst>
+          </p:cNvPr>
+          <p:cNvSpPr txBox="1">
+            <a:spLocks/>
+          </p:cNvSpPr>
+          <p:nvPr/>
+        </p:nvSpPr>
+        <p:spPr>
+          <a:xfrm>
+            <a:off x="6439959" y="1382106"/>
+            <a:ext cx="4495670" cy="946696"/>
+          </a:xfrm>
+          <a:prstGeom prst="rect">
+            <a:avLst/>
+          </a:prstGeom>
+          <a:solidFill>
+            <a:srgbClr val="121212">
+              <a:alpha val="0"/>
+            </a:srgbClr>
+          </a:solidFill>
+        </p:spPr>
+        <p:txBody>
+          <a:bodyPr>
+            <a:normAutofit/>
+          </a:bodyPr>
+          <a:lstStyle>
+            <a:lvl1pPr marL="228600" indent="-228600" algn="l" defTabSz="914400" rtl="0" eaLnBrk="1" latinLnBrk="0" hangingPunct="1">
+              <a:lnSpc>
+                <a:spcPct val="90000"/>
+              </a:lnSpc>
+              <a:spcBef>
+                <a:spcPts val="1000"/>
+              </a:spcBef>
+              <a:buFont typeface="Arial" panose="020B0604020202020204" pitchFamily="34" charset="0"/>
+              <a:buChar char="•"/>
+              <a:defRPr sz="2800" kern="1200">
+                <a:solidFill>
+                  <a:schemeClr val="tx1"/>
+                </a:solidFill>
+                <a:latin typeface="+mn-lt"/>
+                <a:ea typeface="+mn-ea"/>
+                <a:cs typeface="+mn-cs"/>
+              </a:defRPr>
+            </a:lvl1pPr>
+            <a:lvl2pPr marL="685800" indent="-228600" algn="l" defTabSz="914400" rtl="0" eaLnBrk="1" latinLnBrk="0" hangingPunct="1">
+              <a:lnSpc>
+                <a:spcPct val="90000"/>
+              </a:lnSpc>
+              <a:spcBef>
+                <a:spcPts val="500"/>
+              </a:spcBef>
+              <a:buFont typeface="Arial" panose="020B0604020202020204" pitchFamily="34" charset="0"/>
+              <a:buChar char="•"/>
+              <a:defRPr sz="2400" kern="1200">
+                <a:solidFill>
+                  <a:schemeClr val="tx1"/>
+                </a:solidFill>
+                <a:latin typeface="+mn-lt"/>
+                <a:ea typeface="+mn-ea"/>
+                <a:cs typeface="+mn-cs"/>
+              </a:defRPr>
+            </a:lvl2pPr>
+            <a:lvl3pPr marL="1143000" indent="-228600" algn="l" defTabSz="914400" rtl="0" eaLnBrk="1" latinLnBrk="0" hangingPunct="1">
+              <a:lnSpc>
+                <a:spcPct val="90000"/>
+              </a:lnSpc>
+              <a:spcBef>
+                <a:spcPts val="500"/>
+              </a:spcBef>
+              <a:buFont typeface="Arial" panose="020B0604020202020204" pitchFamily="34" charset="0"/>
+              <a:buChar char="•"/>
+              <a:defRPr sz="2000" kern="1200">
+                <a:solidFill>
+                  <a:schemeClr val="tx1"/>
+                </a:solidFill>
+                <a:latin typeface="+mn-lt"/>
+                <a:ea typeface="+mn-ea"/>
+                <a:cs typeface="+mn-cs"/>
+              </a:defRPr>
+            </a:lvl3pPr>
+            <a:lvl4pPr marL="1600200" indent="-228600" algn="l" defTabSz="914400" rtl="0" eaLnBrk="1" latinLnBrk="0" hangingPunct="1">
+              <a:lnSpc>
+                <a:spcPct val="90000"/>
+              </a:lnSpc>
+              <a:spcBef>
+                <a:spcPts val="500"/>
+              </a:spcBef>
+              <a:buFont typeface="Arial" panose="020B0604020202020204" pitchFamily="34" charset="0"/>
+              <a:buChar char="•"/>
+              <a:defRPr sz="1800" kern="1200">
+                <a:solidFill>
+                  <a:schemeClr val="tx1"/>
+                </a:solidFill>
+                <a:latin typeface="+mn-lt"/>
+                <a:ea typeface="+mn-ea"/>
+                <a:cs typeface="+mn-cs"/>
+              </a:defRPr>
+            </a:lvl4pPr>
+            <a:lvl5pPr marL="2057400" indent="-228600" algn="l" defTabSz="914400" rtl="0" eaLnBrk="1" latinLnBrk="0" hangingPunct="1">
+              <a:lnSpc>
+                <a:spcPct val="90000"/>
+              </a:lnSpc>
+              <a:spcBef>
+                <a:spcPts val="500"/>
+              </a:spcBef>
+              <a:buFont typeface="Arial" panose="020B0604020202020204" pitchFamily="34" charset="0"/>
+              <a:buChar char="•"/>
+              <a:defRPr sz="1800" kern="1200">
+                <a:solidFill>
+                  <a:schemeClr val="tx1"/>
+                </a:solidFill>
+                <a:latin typeface="+mn-lt"/>
+                <a:ea typeface="+mn-ea"/>
+                <a:cs typeface="+mn-cs"/>
+              </a:defRPr>
+            </a:lvl5pPr>
+            <a:lvl6pPr marL="2514600" indent="-228600" algn="l" defTabSz="914400" rtl="0" eaLnBrk="1" latinLnBrk="0" hangingPunct="1">
+              <a:lnSpc>
+                <a:spcPct val="90000"/>
+              </a:lnSpc>
+              <a:spcBef>
+                <a:spcPts val="500"/>
+              </a:spcBef>
+              <a:buFont typeface="Arial" panose="020B0604020202020204" pitchFamily="34" charset="0"/>
+              <a:buChar char="•"/>
+              <a:defRPr sz="1800" kern="1200">
+                <a:solidFill>
+                  <a:schemeClr val="tx1"/>
+                </a:solidFill>
+                <a:latin typeface="+mn-lt"/>
+                <a:ea typeface="+mn-ea"/>
+                <a:cs typeface="+mn-cs"/>
+              </a:defRPr>
+            </a:lvl6pPr>
+            <a:lvl7pPr marL="2971800" indent="-228600" algn="l" defTabSz="914400" rtl="0" eaLnBrk="1" latinLnBrk="0" hangingPunct="1">
+              <a:lnSpc>
+                <a:spcPct val="90000"/>
+              </a:lnSpc>
+              <a:spcBef>
+                <a:spcPts val="500"/>
+              </a:spcBef>
+              <a:buFont typeface="Arial" panose="020B0604020202020204" pitchFamily="34" charset="0"/>
+              <a:buChar char="•"/>
+              <a:defRPr sz="1800" kern="1200">
+                <a:solidFill>
+                  <a:schemeClr val="tx1"/>
+                </a:solidFill>
+                <a:latin typeface="+mn-lt"/>
+                <a:ea typeface="+mn-ea"/>
+                <a:cs typeface="+mn-cs"/>
+              </a:defRPr>
+            </a:lvl7pPr>
+            <a:lvl8pPr marL="3429000" indent="-228600" algn="l" defTabSz="914400" rtl="0" eaLnBrk="1" latinLnBrk="0" hangingPunct="1">
+              <a:lnSpc>
+                <a:spcPct val="90000"/>
+              </a:lnSpc>
+              <a:spcBef>
+                <a:spcPts val="500"/>
+              </a:spcBef>
+              <a:buFont typeface="Arial" panose="020B0604020202020204" pitchFamily="34" charset="0"/>
+              <a:buChar char="•"/>
+              <a:defRPr sz="1800" kern="1200">
+                <a:solidFill>
+                  <a:schemeClr val="tx1"/>
+                </a:solidFill>
+                <a:latin typeface="+mn-lt"/>
+                <a:ea typeface="+mn-ea"/>
+                <a:cs typeface="+mn-cs"/>
+              </a:defRPr>
+            </a:lvl8pPr>
+            <a:lvl9pPr marL="3886200" indent="-228600" algn="l" defTabSz="914400" rtl="0" eaLnBrk="1" latinLnBrk="0" hangingPunct="1">
+              <a:lnSpc>
+                <a:spcPct val="90000"/>
+              </a:lnSpc>
+              <a:spcBef>
+                <a:spcPts val="500"/>
+              </a:spcBef>
+              <a:buFont typeface="Arial" panose="020B0604020202020204" pitchFamily="34" charset="0"/>
+              <a:buChar char="•"/>
+              <a:defRPr sz="1800" kern="1200">
+                <a:solidFill>
+                  <a:schemeClr val="tx1"/>
+                </a:solidFill>
+                <a:latin typeface="+mn-lt"/>
+                <a:ea typeface="+mn-ea"/>
+                <a:cs typeface="+mn-cs"/>
+              </a:defRPr>
+            </a:lvl9pPr>
+          </a:lstStyle>
+          <a:p>
+            <a:pPr marL="0" indent="0">
+              <a:buClr>
+                <a:srgbClr val="7F39FB"/>
+              </a:buClr>
+              <a:buSzPct val="100000"/>
+              <a:buNone/>
+            </a:pPr>
+            <a:r>
+              <a:rPr lang="ru-RU" dirty="0">
+                <a:solidFill>
+                  <a:schemeClr val="bg1">
+                    <a:lumMod val="85000"/>
+                  </a:schemeClr>
+                </a:solidFill>
+                <a:latin typeface="VDS" panose="02000506000000020004" pitchFamily="2" charset="-52"/>
+                <a:cs typeface="Arial" panose="020B0604020202020204" pitchFamily="34" charset="0"/>
+              </a:rPr>
+              <a:t>Для заказчиков:</a:t>
+            </a:r>
+          </a:p>
+        </p:txBody>
+      </p:sp>
     </p:spTree>
     <p:extLst>
       <p:ext uri="{BB962C8B-B14F-4D97-AF65-F5344CB8AC3E}">
-        <p14:creationId xmlns:p14="http://schemas.microsoft.com/office/powerpoint/2010/main" val="4268086182"/>
+        <p14:creationId xmlns:p14="http://schemas.microsoft.com/office/powerpoint/2010/main" val="239412443"/>
       </p:ext>
     </p:extLst>
   </p:cSld>
@@ -9005,7 +11425,7 @@
 </p:sld>
 </file>
 
-<file path=ppt/slides/slide6.xml><?xml version="1.0" encoding="utf-8"?>
+<file path=ppt/slides/slide7.xml><?xml version="1.0" encoding="utf-8"?>
 <p:sld xmlns:a="http://schemas.openxmlformats.org/drawingml/2006/main" xmlns:r="http://schemas.openxmlformats.org/officeDocument/2006/relationships" xmlns:p="http://schemas.openxmlformats.org/presentationml/2006/main">
   <p:cSld>
     <p:bg>
@@ -9060,7 +11480,7 @@
         </p:spPr>
         <p:txBody>
           <a:bodyPr vert="horz" lIns="91440" tIns="45720" rIns="91440" bIns="45720" rtlCol="0">
-            <a:normAutofit fontScale="92500"/>
+            <a:normAutofit/>
           </a:bodyPr>
           <a:lstStyle>
             <a:lvl1pPr marL="0" indent="0" algn="ctr" defTabSz="914400" rtl="0" eaLnBrk="1" latinLnBrk="0" hangingPunct="1">
@@ -9238,7 +11658,7 @@
                 <a:latin typeface="VDS" panose="02000506000000020004" pitchFamily="2" charset="-52"/>
                 <a:cs typeface="Arial" panose="020B0604020202020204" pitchFamily="34" charset="0"/>
               </a:rPr>
-              <a:t>Ценностное предложение</a:t>
+              <a:t>План развития проекта</a:t>
             </a:r>
           </a:p>
         </p:txBody>
@@ -9392,3700 +11812,6 @@
           <p:cNvPr id="10" name="TextBox 9">
             <a:extLst>
               <a:ext uri="{FF2B5EF4-FFF2-40B4-BE49-F238E27FC236}">
-                <a16:creationId xmlns:a16="http://schemas.microsoft.com/office/drawing/2014/main" id="{EC6C566E-3D1A-4DB8-ACA8-504DAD028F4F}"/>
-              </a:ext>
-            </a:extLst>
-          </p:cNvPr>
-          <p:cNvSpPr txBox="1"/>
-          <p:nvPr/>
-        </p:nvSpPr>
-        <p:spPr>
-          <a:xfrm>
-            <a:off x="11675708" y="6407285"/>
-            <a:ext cx="516292" cy="461665"/>
-          </a:xfrm>
-          <a:prstGeom prst="rect">
-            <a:avLst/>
-          </a:prstGeom>
-          <a:noFill/>
-        </p:spPr>
-        <p:txBody>
-          <a:bodyPr wrap="square" rtlCol="0">
-            <a:spAutoFit/>
-          </a:bodyPr>
-          <a:lstStyle/>
-          <a:p>
-            <a:r>
-              <a:rPr lang="en-US" sz="2400" b="1" dirty="0">
-                <a:solidFill>
-                  <a:schemeClr val="bg1"/>
-                </a:solidFill>
-                <a:latin typeface="VDS" panose="02000506000000020004" pitchFamily="2" charset="-52"/>
-              </a:rPr>
-              <a:t>0</a:t>
-            </a:r>
-            <a:r>
-              <a:rPr lang="ru-RU" sz="2400" b="1" dirty="0">
-                <a:solidFill>
-                  <a:schemeClr val="bg1"/>
-                </a:solidFill>
-                <a:latin typeface="VDS" panose="02000506000000020004" pitchFamily="2" charset="-52"/>
-              </a:rPr>
-              <a:t>5</a:t>
-            </a:r>
-            <a:endParaRPr lang="ru-RU" sz="2400" b="1" dirty="0">
-              <a:solidFill>
-                <a:srgbClr val="7F39FB"/>
-              </a:solidFill>
-              <a:latin typeface="VDS" panose="02000506000000020004" pitchFamily="2" charset="-52"/>
-            </a:endParaRPr>
-          </a:p>
-        </p:txBody>
-      </p:sp>
-      <p:sp>
-        <p:nvSpPr>
-          <p:cNvPr id="8" name="Подзаголовок 2">
-            <a:extLst>
-              <a:ext uri="{FF2B5EF4-FFF2-40B4-BE49-F238E27FC236}">
-                <a16:creationId xmlns:a16="http://schemas.microsoft.com/office/drawing/2014/main" id="{2CCB3B2C-9DDA-4AFC-9923-33B9B1B14231}"/>
-              </a:ext>
-            </a:extLst>
-          </p:cNvPr>
-          <p:cNvSpPr txBox="1">
-            <a:spLocks/>
-          </p:cNvSpPr>
-          <p:nvPr/>
-        </p:nvSpPr>
-        <p:spPr>
-          <a:xfrm>
-            <a:off x="797570" y="1616284"/>
-            <a:ext cx="10596860" cy="2252698"/>
-          </a:xfrm>
-          <a:prstGeom prst="rect">
-            <a:avLst/>
-          </a:prstGeom>
-          <a:solidFill>
-            <a:srgbClr val="121212">
-              <a:alpha val="0"/>
-            </a:srgbClr>
-          </a:solidFill>
-        </p:spPr>
-        <p:txBody>
-          <a:bodyPr vert="horz" lIns="91440" tIns="45720" rIns="91440" bIns="45720" rtlCol="0">
-            <a:normAutofit/>
-          </a:bodyPr>
-          <a:lstStyle>
-            <a:lvl1pPr marL="0" indent="0" algn="ctr" defTabSz="914400" rtl="0" eaLnBrk="1" latinLnBrk="0" hangingPunct="1">
-              <a:lnSpc>
-                <a:spcPct val="90000"/>
-              </a:lnSpc>
-              <a:spcBef>
-                <a:spcPts val="1000"/>
-              </a:spcBef>
-              <a:buFont typeface="Arial" panose="020B0604020202020204" pitchFamily="34" charset="0"/>
-              <a:buNone/>
-              <a:defRPr sz="2400" kern="1200">
-                <a:solidFill>
-                  <a:schemeClr val="tx1"/>
-                </a:solidFill>
-                <a:latin typeface="+mn-lt"/>
-                <a:ea typeface="+mn-ea"/>
-                <a:cs typeface="+mn-cs"/>
-              </a:defRPr>
-            </a:lvl1pPr>
-            <a:lvl2pPr marL="457200" indent="0" algn="ctr" defTabSz="914400" rtl="0" eaLnBrk="1" latinLnBrk="0" hangingPunct="1">
-              <a:lnSpc>
-                <a:spcPct val="90000"/>
-              </a:lnSpc>
-              <a:spcBef>
-                <a:spcPts val="500"/>
-              </a:spcBef>
-              <a:buFont typeface="Arial" panose="020B0604020202020204" pitchFamily="34" charset="0"/>
-              <a:buNone/>
-              <a:defRPr sz="2000" kern="1200">
-                <a:solidFill>
-                  <a:schemeClr val="tx1"/>
-                </a:solidFill>
-                <a:latin typeface="+mn-lt"/>
-                <a:ea typeface="+mn-ea"/>
-                <a:cs typeface="+mn-cs"/>
-              </a:defRPr>
-            </a:lvl2pPr>
-            <a:lvl3pPr marL="914400" indent="0" algn="ctr" defTabSz="914400" rtl="0" eaLnBrk="1" latinLnBrk="0" hangingPunct="1">
-              <a:lnSpc>
-                <a:spcPct val="90000"/>
-              </a:lnSpc>
-              <a:spcBef>
-                <a:spcPts val="500"/>
-              </a:spcBef>
-              <a:buFont typeface="Arial" panose="020B0604020202020204" pitchFamily="34" charset="0"/>
-              <a:buNone/>
-              <a:defRPr sz="1800" kern="1200">
-                <a:solidFill>
-                  <a:schemeClr val="tx1"/>
-                </a:solidFill>
-                <a:latin typeface="+mn-lt"/>
-                <a:ea typeface="+mn-ea"/>
-                <a:cs typeface="+mn-cs"/>
-              </a:defRPr>
-            </a:lvl3pPr>
-            <a:lvl4pPr marL="1371600" indent="0" algn="ctr" defTabSz="914400" rtl="0" eaLnBrk="1" latinLnBrk="0" hangingPunct="1">
-              <a:lnSpc>
-                <a:spcPct val="90000"/>
-              </a:lnSpc>
-              <a:spcBef>
-                <a:spcPts val="500"/>
-              </a:spcBef>
-              <a:buFont typeface="Arial" panose="020B0604020202020204" pitchFamily="34" charset="0"/>
-              <a:buNone/>
-              <a:defRPr sz="1600" kern="1200">
-                <a:solidFill>
-                  <a:schemeClr val="tx1"/>
-                </a:solidFill>
-                <a:latin typeface="+mn-lt"/>
-                <a:ea typeface="+mn-ea"/>
-                <a:cs typeface="+mn-cs"/>
-              </a:defRPr>
-            </a:lvl4pPr>
-            <a:lvl5pPr marL="1828800" indent="0" algn="ctr" defTabSz="914400" rtl="0" eaLnBrk="1" latinLnBrk="0" hangingPunct="1">
-              <a:lnSpc>
-                <a:spcPct val="90000"/>
-              </a:lnSpc>
-              <a:spcBef>
-                <a:spcPts val="500"/>
-              </a:spcBef>
-              <a:buFont typeface="Arial" panose="020B0604020202020204" pitchFamily="34" charset="0"/>
-              <a:buNone/>
-              <a:defRPr sz="1600" kern="1200">
-                <a:solidFill>
-                  <a:schemeClr val="tx1"/>
-                </a:solidFill>
-                <a:latin typeface="+mn-lt"/>
-                <a:ea typeface="+mn-ea"/>
-                <a:cs typeface="+mn-cs"/>
-              </a:defRPr>
-            </a:lvl5pPr>
-            <a:lvl6pPr marL="2286000" indent="0" algn="ctr" defTabSz="914400" rtl="0" eaLnBrk="1" latinLnBrk="0" hangingPunct="1">
-              <a:lnSpc>
-                <a:spcPct val="90000"/>
-              </a:lnSpc>
-              <a:spcBef>
-                <a:spcPts val="500"/>
-              </a:spcBef>
-              <a:buFont typeface="Arial" panose="020B0604020202020204" pitchFamily="34" charset="0"/>
-              <a:buNone/>
-              <a:defRPr sz="1600" kern="1200">
-                <a:solidFill>
-                  <a:schemeClr val="tx1"/>
-                </a:solidFill>
-                <a:latin typeface="+mn-lt"/>
-                <a:ea typeface="+mn-ea"/>
-                <a:cs typeface="+mn-cs"/>
-              </a:defRPr>
-            </a:lvl6pPr>
-            <a:lvl7pPr marL="2743200" indent="0" algn="ctr" defTabSz="914400" rtl="0" eaLnBrk="1" latinLnBrk="0" hangingPunct="1">
-              <a:lnSpc>
-                <a:spcPct val="90000"/>
-              </a:lnSpc>
-              <a:spcBef>
-                <a:spcPts val="500"/>
-              </a:spcBef>
-              <a:buFont typeface="Arial" panose="020B0604020202020204" pitchFamily="34" charset="0"/>
-              <a:buNone/>
-              <a:defRPr sz="1600" kern="1200">
-                <a:solidFill>
-                  <a:schemeClr val="tx1"/>
-                </a:solidFill>
-                <a:latin typeface="+mn-lt"/>
-                <a:ea typeface="+mn-ea"/>
-                <a:cs typeface="+mn-cs"/>
-              </a:defRPr>
-            </a:lvl7pPr>
-            <a:lvl8pPr marL="3200400" indent="0" algn="ctr" defTabSz="914400" rtl="0" eaLnBrk="1" latinLnBrk="0" hangingPunct="1">
-              <a:lnSpc>
-                <a:spcPct val="90000"/>
-              </a:lnSpc>
-              <a:spcBef>
-                <a:spcPts val="500"/>
-              </a:spcBef>
-              <a:buFont typeface="Arial" panose="020B0604020202020204" pitchFamily="34" charset="0"/>
-              <a:buNone/>
-              <a:defRPr sz="1600" kern="1200">
-                <a:solidFill>
-                  <a:schemeClr val="tx1"/>
-                </a:solidFill>
-                <a:latin typeface="+mn-lt"/>
-                <a:ea typeface="+mn-ea"/>
-                <a:cs typeface="+mn-cs"/>
-              </a:defRPr>
-            </a:lvl8pPr>
-            <a:lvl9pPr marL="3657600" indent="0" algn="ctr" defTabSz="914400" rtl="0" eaLnBrk="1" latinLnBrk="0" hangingPunct="1">
-              <a:lnSpc>
-                <a:spcPct val="90000"/>
-              </a:lnSpc>
-              <a:spcBef>
-                <a:spcPts val="500"/>
-              </a:spcBef>
-              <a:buFont typeface="Arial" panose="020B0604020202020204" pitchFamily="34" charset="0"/>
-              <a:buNone/>
-              <a:defRPr sz="1600" kern="1200">
-                <a:solidFill>
-                  <a:schemeClr val="tx1"/>
-                </a:solidFill>
-                <a:latin typeface="+mn-lt"/>
-                <a:ea typeface="+mn-ea"/>
-                <a:cs typeface="+mn-cs"/>
-              </a:defRPr>
-            </a:lvl9pPr>
-          </a:lstStyle>
-          <a:p>
-            <a:pPr algn="l">
-              <a:lnSpc>
-                <a:spcPct val="110000"/>
-              </a:lnSpc>
-            </a:pPr>
-            <a:r>
-              <a:rPr lang="ru-RU" sz="2800" b="1" dirty="0">
-                <a:solidFill>
-                  <a:srgbClr val="A270FC"/>
-                </a:solidFill>
-                <a:latin typeface="VDS" panose="02000506000000020004" pitchFamily="2" charset="-52"/>
-                <a:cs typeface="Arial" panose="020B0604020202020204" pitchFamily="34" charset="0"/>
-              </a:rPr>
-              <a:t>Прокачивай</a:t>
-            </a:r>
-            <a:r>
-              <a:rPr lang="ru-RU" sz="2800" b="1" dirty="0">
-                <a:solidFill>
-                  <a:schemeClr val="bg1">
-                    <a:lumMod val="85000"/>
-                  </a:schemeClr>
-                </a:solidFill>
-                <a:latin typeface="VDS" panose="02000506000000020004" pitchFamily="2" charset="-52"/>
-                <a:cs typeface="Arial" panose="020B0604020202020204" pitchFamily="34" charset="0"/>
-              </a:rPr>
-              <a:t> себя</a:t>
-            </a:r>
-            <a:r>
-              <a:rPr lang="en-US" sz="2800" b="1" dirty="0">
-                <a:solidFill>
-                  <a:schemeClr val="bg1">
-                    <a:lumMod val="85000"/>
-                  </a:schemeClr>
-                </a:solidFill>
-                <a:latin typeface="VDS" panose="02000506000000020004" pitchFamily="2" charset="-52"/>
-                <a:cs typeface="Arial" panose="020B0604020202020204" pitchFamily="34" charset="0"/>
-              </a:rPr>
-              <a:t>, </a:t>
-            </a:r>
-            <a:r>
-              <a:rPr lang="ru-RU" sz="2800" b="1" dirty="0">
-                <a:solidFill>
-                  <a:srgbClr val="A270FC"/>
-                </a:solidFill>
-                <a:latin typeface="VDS" panose="02000506000000020004" pitchFamily="2" charset="-52"/>
-                <a:cs typeface="Arial" panose="020B0604020202020204" pitchFamily="34" charset="0"/>
-              </a:rPr>
-              <a:t>найди</a:t>
-            </a:r>
-            <a:r>
-              <a:rPr lang="ru-RU" sz="2800" b="1" dirty="0">
-                <a:solidFill>
-                  <a:schemeClr val="bg1">
-                    <a:lumMod val="85000"/>
-                  </a:schemeClr>
-                </a:solidFill>
-                <a:latin typeface="VDS" panose="02000506000000020004" pitchFamily="2" charset="-52"/>
-                <a:cs typeface="Arial" panose="020B0604020202020204" pitchFamily="34" charset="0"/>
-              </a:rPr>
-              <a:t> команду и заказчиков с помощью функций </a:t>
-            </a:r>
-            <a:r>
-              <a:rPr lang="en-US" sz="2800" b="1" dirty="0">
-                <a:solidFill>
-                  <a:schemeClr val="bg1">
-                    <a:lumMod val="85000"/>
-                  </a:schemeClr>
-                </a:solidFill>
-                <a:latin typeface="VDS" panose="02000506000000020004" pitchFamily="2" charset="-52"/>
-                <a:cs typeface="Arial" panose="020B0604020202020204" pitchFamily="34" charset="0"/>
-              </a:rPr>
-              <a:t>Project Hub</a:t>
-            </a:r>
-            <a:r>
-              <a:rPr lang="ru-RU" sz="2800" b="1" dirty="0">
-                <a:solidFill>
-                  <a:schemeClr val="bg1">
-                    <a:lumMod val="85000"/>
-                  </a:schemeClr>
-                </a:solidFill>
-                <a:latin typeface="VDS" panose="02000506000000020004" pitchFamily="2" charset="-52"/>
-                <a:cs typeface="Arial" panose="020B0604020202020204" pitchFamily="34" charset="0"/>
-              </a:rPr>
-              <a:t>! </a:t>
-            </a:r>
-            <a:r>
-              <a:rPr lang="ru-RU" sz="2800" b="1" dirty="0">
-                <a:solidFill>
-                  <a:srgbClr val="A270FC"/>
-                </a:solidFill>
-                <a:latin typeface="VDS" panose="02000506000000020004" pitchFamily="2" charset="-52"/>
-                <a:cs typeface="Arial" panose="020B0604020202020204" pitchFamily="34" charset="0"/>
-              </a:rPr>
-              <a:t>Начинай</a:t>
-            </a:r>
-            <a:r>
-              <a:rPr lang="ru-RU" sz="2800" b="1" dirty="0">
-                <a:solidFill>
-                  <a:schemeClr val="bg1">
-                    <a:lumMod val="85000"/>
-                  </a:schemeClr>
-                </a:solidFill>
-                <a:latin typeface="VDS" panose="02000506000000020004" pitchFamily="2" charset="-52"/>
-                <a:cs typeface="Arial" panose="020B0604020202020204" pitchFamily="34" charset="0"/>
-              </a:rPr>
-              <a:t> свой путь в </a:t>
-            </a:r>
-            <a:r>
-              <a:rPr lang="ru-RU" sz="2800" b="1" dirty="0">
-                <a:solidFill>
-                  <a:srgbClr val="A270FC"/>
-                </a:solidFill>
-                <a:latin typeface="VDS" panose="02000506000000020004" pitchFamily="2" charset="-52"/>
-                <a:cs typeface="Arial" panose="020B0604020202020204" pitchFamily="34" charset="0"/>
-              </a:rPr>
-              <a:t>успешное будущее </a:t>
-            </a:r>
-            <a:r>
-              <a:rPr lang="ru-RU" sz="2800" b="1" dirty="0">
-                <a:solidFill>
-                  <a:schemeClr val="bg1">
-                    <a:lumMod val="85000"/>
-                  </a:schemeClr>
-                </a:solidFill>
-                <a:latin typeface="VDS" panose="02000506000000020004" pitchFamily="2" charset="-52"/>
-                <a:cs typeface="Arial" panose="020B0604020202020204" pitchFamily="34" charset="0"/>
-              </a:rPr>
-              <a:t>с хорошей практики</a:t>
-            </a:r>
-            <a:r>
-              <a:rPr lang="en-US" sz="2800" dirty="0">
-                <a:solidFill>
-                  <a:schemeClr val="bg1">
-                    <a:lumMod val="85000"/>
-                  </a:schemeClr>
-                </a:solidFill>
-                <a:latin typeface="VDS" panose="02000506000000020004" pitchFamily="2" charset="-52"/>
-                <a:cs typeface="Arial" panose="020B0604020202020204" pitchFamily="34" charset="0"/>
-              </a:rPr>
-              <a:t>!</a:t>
-            </a:r>
-          </a:p>
-          <a:p>
-            <a:pPr algn="l">
-              <a:lnSpc>
-                <a:spcPct val="110000"/>
-              </a:lnSpc>
-            </a:pPr>
-            <a:endParaRPr lang="en-US" sz="2800" dirty="0">
-              <a:solidFill>
-                <a:schemeClr val="bg1">
-                  <a:lumMod val="85000"/>
-                </a:schemeClr>
-              </a:solidFill>
-              <a:latin typeface="VDS" panose="02000506000000020004" pitchFamily="2" charset="-52"/>
-              <a:cs typeface="Arial" panose="020B0604020202020204" pitchFamily="34" charset="0"/>
-            </a:endParaRPr>
-          </a:p>
-        </p:txBody>
-      </p:sp>
-      <p:sp>
-        <p:nvSpPr>
-          <p:cNvPr id="2" name="Подзаголовок 2">
-            <a:extLst>
-              <a:ext uri="{FF2B5EF4-FFF2-40B4-BE49-F238E27FC236}">
-                <a16:creationId xmlns:a16="http://schemas.microsoft.com/office/drawing/2014/main" id="{9596969D-2D07-755D-6464-4E2EC1209A6C}"/>
-              </a:ext>
-            </a:extLst>
-          </p:cNvPr>
-          <p:cNvSpPr txBox="1">
-            <a:spLocks/>
-          </p:cNvSpPr>
-          <p:nvPr/>
-        </p:nvSpPr>
-        <p:spPr>
-          <a:xfrm>
-            <a:off x="797570" y="3843529"/>
-            <a:ext cx="10596860" cy="2252698"/>
-          </a:xfrm>
-          <a:prstGeom prst="rect">
-            <a:avLst/>
-          </a:prstGeom>
-          <a:solidFill>
-            <a:srgbClr val="121212">
-              <a:alpha val="0"/>
-            </a:srgbClr>
-          </a:solidFill>
-        </p:spPr>
-        <p:txBody>
-          <a:bodyPr vert="horz" lIns="91440" tIns="45720" rIns="91440" bIns="45720" rtlCol="0">
-            <a:normAutofit/>
-          </a:bodyPr>
-          <a:lstStyle>
-            <a:lvl1pPr marL="0" indent="0" algn="ctr" defTabSz="914400" rtl="0" eaLnBrk="1" latinLnBrk="0" hangingPunct="1">
-              <a:lnSpc>
-                <a:spcPct val="90000"/>
-              </a:lnSpc>
-              <a:spcBef>
-                <a:spcPts val="1000"/>
-              </a:spcBef>
-              <a:buFont typeface="Arial" panose="020B0604020202020204" pitchFamily="34" charset="0"/>
-              <a:buNone/>
-              <a:defRPr sz="2400" kern="1200">
-                <a:solidFill>
-                  <a:schemeClr val="tx1"/>
-                </a:solidFill>
-                <a:latin typeface="+mn-lt"/>
-                <a:ea typeface="+mn-ea"/>
-                <a:cs typeface="+mn-cs"/>
-              </a:defRPr>
-            </a:lvl1pPr>
-            <a:lvl2pPr marL="457200" indent="0" algn="ctr" defTabSz="914400" rtl="0" eaLnBrk="1" latinLnBrk="0" hangingPunct="1">
-              <a:lnSpc>
-                <a:spcPct val="90000"/>
-              </a:lnSpc>
-              <a:spcBef>
-                <a:spcPts val="500"/>
-              </a:spcBef>
-              <a:buFont typeface="Arial" panose="020B0604020202020204" pitchFamily="34" charset="0"/>
-              <a:buNone/>
-              <a:defRPr sz="2000" kern="1200">
-                <a:solidFill>
-                  <a:schemeClr val="tx1"/>
-                </a:solidFill>
-                <a:latin typeface="+mn-lt"/>
-                <a:ea typeface="+mn-ea"/>
-                <a:cs typeface="+mn-cs"/>
-              </a:defRPr>
-            </a:lvl2pPr>
-            <a:lvl3pPr marL="914400" indent="0" algn="ctr" defTabSz="914400" rtl="0" eaLnBrk="1" latinLnBrk="0" hangingPunct="1">
-              <a:lnSpc>
-                <a:spcPct val="90000"/>
-              </a:lnSpc>
-              <a:spcBef>
-                <a:spcPts val="500"/>
-              </a:spcBef>
-              <a:buFont typeface="Arial" panose="020B0604020202020204" pitchFamily="34" charset="0"/>
-              <a:buNone/>
-              <a:defRPr sz="1800" kern="1200">
-                <a:solidFill>
-                  <a:schemeClr val="tx1"/>
-                </a:solidFill>
-                <a:latin typeface="+mn-lt"/>
-                <a:ea typeface="+mn-ea"/>
-                <a:cs typeface="+mn-cs"/>
-              </a:defRPr>
-            </a:lvl3pPr>
-            <a:lvl4pPr marL="1371600" indent="0" algn="ctr" defTabSz="914400" rtl="0" eaLnBrk="1" latinLnBrk="0" hangingPunct="1">
-              <a:lnSpc>
-                <a:spcPct val="90000"/>
-              </a:lnSpc>
-              <a:spcBef>
-                <a:spcPts val="500"/>
-              </a:spcBef>
-              <a:buFont typeface="Arial" panose="020B0604020202020204" pitchFamily="34" charset="0"/>
-              <a:buNone/>
-              <a:defRPr sz="1600" kern="1200">
-                <a:solidFill>
-                  <a:schemeClr val="tx1"/>
-                </a:solidFill>
-                <a:latin typeface="+mn-lt"/>
-                <a:ea typeface="+mn-ea"/>
-                <a:cs typeface="+mn-cs"/>
-              </a:defRPr>
-            </a:lvl4pPr>
-            <a:lvl5pPr marL="1828800" indent="0" algn="ctr" defTabSz="914400" rtl="0" eaLnBrk="1" latinLnBrk="0" hangingPunct="1">
-              <a:lnSpc>
-                <a:spcPct val="90000"/>
-              </a:lnSpc>
-              <a:spcBef>
-                <a:spcPts val="500"/>
-              </a:spcBef>
-              <a:buFont typeface="Arial" panose="020B0604020202020204" pitchFamily="34" charset="0"/>
-              <a:buNone/>
-              <a:defRPr sz="1600" kern="1200">
-                <a:solidFill>
-                  <a:schemeClr val="tx1"/>
-                </a:solidFill>
-                <a:latin typeface="+mn-lt"/>
-                <a:ea typeface="+mn-ea"/>
-                <a:cs typeface="+mn-cs"/>
-              </a:defRPr>
-            </a:lvl5pPr>
-            <a:lvl6pPr marL="2286000" indent="0" algn="ctr" defTabSz="914400" rtl="0" eaLnBrk="1" latinLnBrk="0" hangingPunct="1">
-              <a:lnSpc>
-                <a:spcPct val="90000"/>
-              </a:lnSpc>
-              <a:spcBef>
-                <a:spcPts val="500"/>
-              </a:spcBef>
-              <a:buFont typeface="Arial" panose="020B0604020202020204" pitchFamily="34" charset="0"/>
-              <a:buNone/>
-              <a:defRPr sz="1600" kern="1200">
-                <a:solidFill>
-                  <a:schemeClr val="tx1"/>
-                </a:solidFill>
-                <a:latin typeface="+mn-lt"/>
-                <a:ea typeface="+mn-ea"/>
-                <a:cs typeface="+mn-cs"/>
-              </a:defRPr>
-            </a:lvl6pPr>
-            <a:lvl7pPr marL="2743200" indent="0" algn="ctr" defTabSz="914400" rtl="0" eaLnBrk="1" latinLnBrk="0" hangingPunct="1">
-              <a:lnSpc>
-                <a:spcPct val="90000"/>
-              </a:lnSpc>
-              <a:spcBef>
-                <a:spcPts val="500"/>
-              </a:spcBef>
-              <a:buFont typeface="Arial" panose="020B0604020202020204" pitchFamily="34" charset="0"/>
-              <a:buNone/>
-              <a:defRPr sz="1600" kern="1200">
-                <a:solidFill>
-                  <a:schemeClr val="tx1"/>
-                </a:solidFill>
-                <a:latin typeface="+mn-lt"/>
-                <a:ea typeface="+mn-ea"/>
-                <a:cs typeface="+mn-cs"/>
-              </a:defRPr>
-            </a:lvl7pPr>
-            <a:lvl8pPr marL="3200400" indent="0" algn="ctr" defTabSz="914400" rtl="0" eaLnBrk="1" latinLnBrk="0" hangingPunct="1">
-              <a:lnSpc>
-                <a:spcPct val="90000"/>
-              </a:lnSpc>
-              <a:spcBef>
-                <a:spcPts val="500"/>
-              </a:spcBef>
-              <a:buFont typeface="Arial" panose="020B0604020202020204" pitchFamily="34" charset="0"/>
-              <a:buNone/>
-              <a:defRPr sz="1600" kern="1200">
-                <a:solidFill>
-                  <a:schemeClr val="tx1"/>
-                </a:solidFill>
-                <a:latin typeface="+mn-lt"/>
-                <a:ea typeface="+mn-ea"/>
-                <a:cs typeface="+mn-cs"/>
-              </a:defRPr>
-            </a:lvl8pPr>
-            <a:lvl9pPr marL="3657600" indent="0" algn="ctr" defTabSz="914400" rtl="0" eaLnBrk="1" latinLnBrk="0" hangingPunct="1">
-              <a:lnSpc>
-                <a:spcPct val="90000"/>
-              </a:lnSpc>
-              <a:spcBef>
-                <a:spcPts val="500"/>
-              </a:spcBef>
-              <a:buFont typeface="Arial" panose="020B0604020202020204" pitchFamily="34" charset="0"/>
-              <a:buNone/>
-              <a:defRPr sz="1600" kern="1200">
-                <a:solidFill>
-                  <a:schemeClr val="tx1"/>
-                </a:solidFill>
-                <a:latin typeface="+mn-lt"/>
-                <a:ea typeface="+mn-ea"/>
-                <a:cs typeface="+mn-cs"/>
-              </a:defRPr>
-            </a:lvl9pPr>
-          </a:lstStyle>
-          <a:p>
-            <a:pPr algn="l">
-              <a:lnSpc>
-                <a:spcPct val="110000"/>
-              </a:lnSpc>
-            </a:pPr>
-            <a:r>
-              <a:rPr lang="ru-RU" sz="2800" b="1" dirty="0">
-                <a:solidFill>
-                  <a:srgbClr val="A270FC"/>
-                </a:solidFill>
-                <a:latin typeface="VDS" panose="02000506000000020004" pitchFamily="2" charset="-52"/>
-                <a:cs typeface="Arial" panose="020B0604020202020204" pitchFamily="34" charset="0"/>
-              </a:rPr>
-              <a:t>Реализуй</a:t>
-            </a:r>
-            <a:r>
-              <a:rPr lang="ru-RU" sz="2800" b="1" dirty="0">
-                <a:solidFill>
-                  <a:schemeClr val="bg1">
-                    <a:lumMod val="85000"/>
-                  </a:schemeClr>
-                </a:solidFill>
-                <a:latin typeface="VDS" panose="02000506000000020004" pitchFamily="2" charset="-52"/>
-                <a:cs typeface="Arial" panose="020B0604020202020204" pitchFamily="34" charset="0"/>
-              </a:rPr>
-              <a:t> свою бизнес-гипотезу </a:t>
-            </a:r>
-            <a:r>
-              <a:rPr lang="ru-RU" sz="2800" b="1" dirty="0">
-                <a:solidFill>
-                  <a:srgbClr val="A270FC"/>
-                </a:solidFill>
-                <a:latin typeface="VDS" panose="02000506000000020004" pitchFamily="2" charset="-52"/>
-                <a:cs typeface="Arial" panose="020B0604020202020204" pitchFamily="34" charset="0"/>
-              </a:rPr>
-              <a:t>в 10 раз дешевле </a:t>
-            </a:r>
-            <a:r>
-              <a:rPr lang="ru-RU" sz="2800" b="1" dirty="0">
-                <a:solidFill>
-                  <a:schemeClr val="bg1">
-                    <a:lumMod val="85000"/>
-                  </a:schemeClr>
-                </a:solidFill>
-                <a:latin typeface="VDS" panose="02000506000000020004" pitchFamily="2" charset="-52"/>
-                <a:cs typeface="Arial" panose="020B0604020202020204" pitchFamily="34" charset="0"/>
-              </a:rPr>
-              <a:t>рынка с помощью функций </a:t>
-            </a:r>
-            <a:r>
-              <a:rPr lang="ru-RU" sz="2800" b="1" dirty="0" err="1">
-                <a:solidFill>
-                  <a:schemeClr val="bg1">
-                    <a:lumMod val="85000"/>
-                  </a:schemeClr>
-                </a:solidFill>
-                <a:latin typeface="VDS" panose="02000506000000020004" pitchFamily="2" charset="-52"/>
-                <a:cs typeface="Arial" panose="020B0604020202020204" pitchFamily="34" charset="0"/>
-              </a:rPr>
-              <a:t>P</a:t>
-            </a:r>
-            <a:r>
-              <a:rPr lang="en-US" sz="2800" b="1" dirty="0" err="1">
-                <a:solidFill>
-                  <a:schemeClr val="bg1">
-                    <a:lumMod val="85000"/>
-                  </a:schemeClr>
-                </a:solidFill>
-                <a:latin typeface="VDS" panose="02000506000000020004" pitchFamily="2" charset="-52"/>
-                <a:cs typeface="Arial" panose="020B0604020202020204" pitchFamily="34" charset="0"/>
-              </a:rPr>
-              <a:t>roject</a:t>
-            </a:r>
-            <a:r>
-              <a:rPr lang="en-US" sz="2800" b="1" dirty="0">
-                <a:solidFill>
-                  <a:schemeClr val="bg1">
-                    <a:lumMod val="85000"/>
-                  </a:schemeClr>
-                </a:solidFill>
-                <a:latin typeface="VDS" panose="02000506000000020004" pitchFamily="2" charset="-52"/>
-                <a:cs typeface="Arial" panose="020B0604020202020204" pitchFamily="34" charset="0"/>
-              </a:rPr>
-              <a:t> Hub! </a:t>
-            </a:r>
-            <a:r>
-              <a:rPr lang="en-US" sz="2800" b="1" dirty="0" err="1">
-                <a:solidFill>
-                  <a:schemeClr val="bg1">
-                    <a:lumMod val="85000"/>
-                  </a:schemeClr>
-                </a:solidFill>
-                <a:latin typeface="VDS" panose="02000506000000020004" pitchFamily="2" charset="-52"/>
-                <a:cs typeface="Arial" panose="020B0604020202020204" pitchFamily="34" charset="0"/>
-              </a:rPr>
-              <a:t>П</a:t>
-            </a:r>
-            <a:r>
-              <a:rPr lang="ru-RU" sz="2800" b="1" dirty="0" err="1">
-                <a:solidFill>
-                  <a:schemeClr val="bg1">
-                    <a:lumMod val="85000"/>
-                  </a:schemeClr>
-                </a:solidFill>
-                <a:latin typeface="VDS" panose="02000506000000020004" pitchFamily="2" charset="-52"/>
-                <a:cs typeface="Arial" panose="020B0604020202020204" pitchFamily="34" charset="0"/>
-              </a:rPr>
-              <a:t>ротестируй</a:t>
-            </a:r>
-            <a:r>
-              <a:rPr lang="ru-RU" sz="2800" b="1" dirty="0">
-                <a:solidFill>
-                  <a:schemeClr val="bg1">
-                    <a:lumMod val="85000"/>
-                  </a:schemeClr>
-                </a:solidFill>
-                <a:latin typeface="VDS" panose="02000506000000020004" pitchFamily="2" charset="-52"/>
-                <a:cs typeface="Arial" panose="020B0604020202020204" pitchFamily="34" charset="0"/>
-              </a:rPr>
-              <a:t> работу своего продукта </a:t>
-            </a:r>
-            <a:r>
-              <a:rPr lang="ru-RU" sz="2800" b="1" dirty="0">
-                <a:solidFill>
-                  <a:srgbClr val="A270FC"/>
-                </a:solidFill>
-                <a:latin typeface="VDS" panose="02000506000000020004" pitchFamily="2" charset="-52"/>
-                <a:cs typeface="Arial" panose="020B0604020202020204" pitchFamily="34" charset="0"/>
-              </a:rPr>
-              <a:t>быстро и недорого</a:t>
-            </a:r>
-            <a:r>
-              <a:rPr lang="ru-RU" sz="2800" b="1" dirty="0">
-                <a:solidFill>
-                  <a:schemeClr val="bg1">
-                    <a:lumMod val="85000"/>
-                  </a:schemeClr>
-                </a:solidFill>
-                <a:latin typeface="VDS" panose="02000506000000020004" pitchFamily="2" charset="-52"/>
-                <a:cs typeface="Arial" panose="020B0604020202020204" pitchFamily="34" charset="0"/>
-              </a:rPr>
-              <a:t>!</a:t>
-            </a:r>
-            <a:endParaRPr lang="en-US" sz="2800" b="1" dirty="0">
-              <a:solidFill>
-                <a:schemeClr val="bg1">
-                  <a:lumMod val="85000"/>
-                </a:schemeClr>
-              </a:solidFill>
-              <a:latin typeface="VDS" panose="02000506000000020004" pitchFamily="2" charset="-52"/>
-              <a:cs typeface="Arial" panose="020B0604020202020204" pitchFamily="34" charset="0"/>
-            </a:endParaRPr>
-          </a:p>
-        </p:txBody>
-      </p:sp>
-    </p:spTree>
-    <p:extLst>
-      <p:ext uri="{BB962C8B-B14F-4D97-AF65-F5344CB8AC3E}">
-        <p14:creationId xmlns:p14="http://schemas.microsoft.com/office/powerpoint/2010/main" val="2538409535"/>
-      </p:ext>
-    </p:extLst>
-  </p:cSld>
-  <p:clrMapOvr>
-    <a:masterClrMapping/>
-  </p:clrMapOvr>
-</p:sld>
-</file>
-
-<file path=ppt/slides/slide7.xml><?xml version="1.0" encoding="utf-8"?>
-<p:sld xmlns:a="http://schemas.openxmlformats.org/drawingml/2006/main" xmlns:r="http://schemas.openxmlformats.org/officeDocument/2006/relationships" xmlns:p="http://schemas.openxmlformats.org/presentationml/2006/main">
-  <p:cSld>
-    <p:bg>
-      <p:bgPr>
-        <a:solidFill>
-          <a:srgbClr val="121212"/>
-        </a:solidFill>
-        <a:effectLst/>
-      </p:bgPr>
-    </p:bg>
-    <p:spTree>
-      <p:nvGrpSpPr>
-        <p:cNvPr id="1" name=""/>
-        <p:cNvGrpSpPr/>
-        <p:nvPr/>
-      </p:nvGrpSpPr>
-      <p:grpSpPr>
-        <a:xfrm>
-          <a:off x="0" y="0"/>
-          <a:ext cx="0" cy="0"/>
-          <a:chOff x="0" y="0"/>
-          <a:chExt cx="0" cy="0"/>
-        </a:xfrm>
-      </p:grpSpPr>
-      <p:sp>
-        <p:nvSpPr>
-          <p:cNvPr id="12" name="Подзаголовок 2">
-            <a:extLst>
-              <a:ext uri="{FF2B5EF4-FFF2-40B4-BE49-F238E27FC236}">
-                <a16:creationId xmlns:a16="http://schemas.microsoft.com/office/drawing/2014/main" id="{EE804BE5-7086-4725-9D8D-39ECD913A505}"/>
-              </a:ext>
-            </a:extLst>
-          </p:cNvPr>
-          <p:cNvSpPr txBox="1">
-            <a:spLocks/>
-          </p:cNvSpPr>
-          <p:nvPr/>
-        </p:nvSpPr>
-        <p:spPr>
-          <a:xfrm>
-            <a:off x="102791" y="438838"/>
-            <a:ext cx="6824545" cy="874319"/>
-          </a:xfrm>
-          <a:prstGeom prst="rect">
-            <a:avLst/>
-          </a:prstGeom>
-          <a:solidFill>
-            <a:srgbClr val="121212">
-              <a:alpha val="0"/>
-            </a:srgbClr>
-          </a:solidFill>
-        </p:spPr>
-        <p:txBody>
-          <a:bodyPr vert="horz" lIns="91440" tIns="45720" rIns="91440" bIns="45720" rtlCol="0">
-            <a:normAutofit fontScale="92500"/>
-          </a:bodyPr>
-          <a:lstStyle>
-            <a:lvl1pPr marL="0" indent="0" algn="ctr" defTabSz="914400" rtl="0" eaLnBrk="1" latinLnBrk="0" hangingPunct="1">
-              <a:lnSpc>
-                <a:spcPct val="90000"/>
-              </a:lnSpc>
-              <a:spcBef>
-                <a:spcPts val="1000"/>
-              </a:spcBef>
-              <a:buFont typeface="Arial" panose="020B0604020202020204" pitchFamily="34" charset="0"/>
-              <a:buNone/>
-              <a:defRPr sz="2400" kern="1200">
-                <a:solidFill>
-                  <a:schemeClr val="tx1"/>
-                </a:solidFill>
-                <a:latin typeface="+mn-lt"/>
-                <a:ea typeface="+mn-ea"/>
-                <a:cs typeface="+mn-cs"/>
-              </a:defRPr>
-            </a:lvl1pPr>
-            <a:lvl2pPr marL="457200" indent="0" algn="ctr" defTabSz="914400" rtl="0" eaLnBrk="1" latinLnBrk="0" hangingPunct="1">
-              <a:lnSpc>
-                <a:spcPct val="90000"/>
-              </a:lnSpc>
-              <a:spcBef>
-                <a:spcPts val="500"/>
-              </a:spcBef>
-              <a:buFont typeface="Arial" panose="020B0604020202020204" pitchFamily="34" charset="0"/>
-              <a:buNone/>
-              <a:defRPr sz="2000" kern="1200">
-                <a:solidFill>
-                  <a:schemeClr val="tx1"/>
-                </a:solidFill>
-                <a:latin typeface="+mn-lt"/>
-                <a:ea typeface="+mn-ea"/>
-                <a:cs typeface="+mn-cs"/>
-              </a:defRPr>
-            </a:lvl2pPr>
-            <a:lvl3pPr marL="914400" indent="0" algn="ctr" defTabSz="914400" rtl="0" eaLnBrk="1" latinLnBrk="0" hangingPunct="1">
-              <a:lnSpc>
-                <a:spcPct val="90000"/>
-              </a:lnSpc>
-              <a:spcBef>
-                <a:spcPts val="500"/>
-              </a:spcBef>
-              <a:buFont typeface="Arial" panose="020B0604020202020204" pitchFamily="34" charset="0"/>
-              <a:buNone/>
-              <a:defRPr sz="1800" kern="1200">
-                <a:solidFill>
-                  <a:schemeClr val="tx1"/>
-                </a:solidFill>
-                <a:latin typeface="+mn-lt"/>
-                <a:ea typeface="+mn-ea"/>
-                <a:cs typeface="+mn-cs"/>
-              </a:defRPr>
-            </a:lvl3pPr>
-            <a:lvl4pPr marL="1371600" indent="0" algn="ctr" defTabSz="914400" rtl="0" eaLnBrk="1" latinLnBrk="0" hangingPunct="1">
-              <a:lnSpc>
-                <a:spcPct val="90000"/>
-              </a:lnSpc>
-              <a:spcBef>
-                <a:spcPts val="500"/>
-              </a:spcBef>
-              <a:buFont typeface="Arial" panose="020B0604020202020204" pitchFamily="34" charset="0"/>
-              <a:buNone/>
-              <a:defRPr sz="1600" kern="1200">
-                <a:solidFill>
-                  <a:schemeClr val="tx1"/>
-                </a:solidFill>
-                <a:latin typeface="+mn-lt"/>
-                <a:ea typeface="+mn-ea"/>
-                <a:cs typeface="+mn-cs"/>
-              </a:defRPr>
-            </a:lvl4pPr>
-            <a:lvl5pPr marL="1828800" indent="0" algn="ctr" defTabSz="914400" rtl="0" eaLnBrk="1" latinLnBrk="0" hangingPunct="1">
-              <a:lnSpc>
-                <a:spcPct val="90000"/>
-              </a:lnSpc>
-              <a:spcBef>
-                <a:spcPts val="500"/>
-              </a:spcBef>
-              <a:buFont typeface="Arial" panose="020B0604020202020204" pitchFamily="34" charset="0"/>
-              <a:buNone/>
-              <a:defRPr sz="1600" kern="1200">
-                <a:solidFill>
-                  <a:schemeClr val="tx1"/>
-                </a:solidFill>
-                <a:latin typeface="+mn-lt"/>
-                <a:ea typeface="+mn-ea"/>
-                <a:cs typeface="+mn-cs"/>
-              </a:defRPr>
-            </a:lvl5pPr>
-            <a:lvl6pPr marL="2286000" indent="0" algn="ctr" defTabSz="914400" rtl="0" eaLnBrk="1" latinLnBrk="0" hangingPunct="1">
-              <a:lnSpc>
-                <a:spcPct val="90000"/>
-              </a:lnSpc>
-              <a:spcBef>
-                <a:spcPts val="500"/>
-              </a:spcBef>
-              <a:buFont typeface="Arial" panose="020B0604020202020204" pitchFamily="34" charset="0"/>
-              <a:buNone/>
-              <a:defRPr sz="1600" kern="1200">
-                <a:solidFill>
-                  <a:schemeClr val="tx1"/>
-                </a:solidFill>
-                <a:latin typeface="+mn-lt"/>
-                <a:ea typeface="+mn-ea"/>
-                <a:cs typeface="+mn-cs"/>
-              </a:defRPr>
-            </a:lvl6pPr>
-            <a:lvl7pPr marL="2743200" indent="0" algn="ctr" defTabSz="914400" rtl="0" eaLnBrk="1" latinLnBrk="0" hangingPunct="1">
-              <a:lnSpc>
-                <a:spcPct val="90000"/>
-              </a:lnSpc>
-              <a:spcBef>
-                <a:spcPts val="500"/>
-              </a:spcBef>
-              <a:buFont typeface="Arial" panose="020B0604020202020204" pitchFamily="34" charset="0"/>
-              <a:buNone/>
-              <a:defRPr sz="1600" kern="1200">
-                <a:solidFill>
-                  <a:schemeClr val="tx1"/>
-                </a:solidFill>
-                <a:latin typeface="+mn-lt"/>
-                <a:ea typeface="+mn-ea"/>
-                <a:cs typeface="+mn-cs"/>
-              </a:defRPr>
-            </a:lvl7pPr>
-            <a:lvl8pPr marL="3200400" indent="0" algn="ctr" defTabSz="914400" rtl="0" eaLnBrk="1" latinLnBrk="0" hangingPunct="1">
-              <a:lnSpc>
-                <a:spcPct val="90000"/>
-              </a:lnSpc>
-              <a:spcBef>
-                <a:spcPts val="500"/>
-              </a:spcBef>
-              <a:buFont typeface="Arial" panose="020B0604020202020204" pitchFamily="34" charset="0"/>
-              <a:buNone/>
-              <a:defRPr sz="1600" kern="1200">
-                <a:solidFill>
-                  <a:schemeClr val="tx1"/>
-                </a:solidFill>
-                <a:latin typeface="+mn-lt"/>
-                <a:ea typeface="+mn-ea"/>
-                <a:cs typeface="+mn-cs"/>
-              </a:defRPr>
-            </a:lvl8pPr>
-            <a:lvl9pPr marL="3657600" indent="0" algn="ctr" defTabSz="914400" rtl="0" eaLnBrk="1" latinLnBrk="0" hangingPunct="1">
-              <a:lnSpc>
-                <a:spcPct val="90000"/>
-              </a:lnSpc>
-              <a:spcBef>
-                <a:spcPts val="500"/>
-              </a:spcBef>
-              <a:buFont typeface="Arial" panose="020B0604020202020204" pitchFamily="34" charset="0"/>
-              <a:buNone/>
-              <a:defRPr sz="1600" kern="1200">
-                <a:solidFill>
-                  <a:schemeClr val="tx1"/>
-                </a:solidFill>
-                <a:latin typeface="+mn-lt"/>
-                <a:ea typeface="+mn-ea"/>
-                <a:cs typeface="+mn-cs"/>
-              </a:defRPr>
-            </a:lvl9pPr>
-          </a:lstStyle>
-          <a:p>
-            <a:pPr algn="l"/>
-            <a:r>
-              <a:rPr lang="ru-RU" sz="4400" dirty="0">
-                <a:solidFill>
-                  <a:schemeClr val="bg1">
-                    <a:lumMod val="85000"/>
-                  </a:schemeClr>
-                </a:solidFill>
-                <a:latin typeface="VDS" panose="02000506000000020004" pitchFamily="2" charset="-52"/>
-                <a:cs typeface="Arial" panose="020B0604020202020204" pitchFamily="34" charset="0"/>
-              </a:rPr>
-              <a:t>Функции и преимущества</a:t>
-            </a:r>
-          </a:p>
-        </p:txBody>
-      </p:sp>
-      <p:pic>
-        <p:nvPicPr>
-          <p:cNvPr id="15" name="Рисунок 14">
-            <a:extLst>
-              <a:ext uri="{FF2B5EF4-FFF2-40B4-BE49-F238E27FC236}">
-                <a16:creationId xmlns:a16="http://schemas.microsoft.com/office/drawing/2014/main" id="{7302D167-2FD3-4880-8D0A-306FFEAA926D}"/>
-              </a:ext>
-            </a:extLst>
-          </p:cNvPr>
-          <p:cNvPicPr>
-            <a:picLocks noChangeAspect="1"/>
-          </p:cNvPicPr>
-          <p:nvPr/>
-        </p:nvPicPr>
-        <p:blipFill>
-          <a:blip r:embed="rId2" cstate="print">
-            <a:extLst>
-              <a:ext uri="{28A0092B-C50C-407E-A947-70E740481C1C}">
-                <a14:useLocalDpi xmlns:a14="http://schemas.microsoft.com/office/drawing/2010/main" val="0"/>
-              </a:ext>
-              <a:ext uri="{96DAC541-7B7A-43D3-8B79-37D633B846F1}">
-                <asvg:svgBlip xmlns:asvg="http://schemas.microsoft.com/office/drawing/2016/SVG/main" r:embed="rId3"/>
-              </a:ext>
-            </a:extLst>
-          </a:blip>
-          <a:stretch>
-            <a:fillRect/>
-          </a:stretch>
-        </p:blipFill>
-        <p:spPr>
-          <a:xfrm>
-            <a:off x="11398270" y="103291"/>
-            <a:ext cx="679804" cy="679804"/>
-          </a:xfrm>
-          <a:prstGeom prst="rect">
-            <a:avLst/>
-          </a:prstGeom>
-        </p:spPr>
-      </p:pic>
-      <p:sp>
-        <p:nvSpPr>
-          <p:cNvPr id="20" name="TextBox 19">
-            <a:extLst>
-              <a:ext uri="{FF2B5EF4-FFF2-40B4-BE49-F238E27FC236}">
-                <a16:creationId xmlns:a16="http://schemas.microsoft.com/office/drawing/2014/main" id="{54D6DEF4-07CA-45E3-B832-03CC0857405E}"/>
-              </a:ext>
-            </a:extLst>
-          </p:cNvPr>
-          <p:cNvSpPr txBox="1"/>
-          <p:nvPr/>
-        </p:nvSpPr>
-        <p:spPr>
-          <a:xfrm>
-            <a:off x="0" y="43083"/>
-            <a:ext cx="5072513" cy="400110"/>
-          </a:xfrm>
-          <a:prstGeom prst="rect">
-            <a:avLst/>
-          </a:prstGeom>
-          <a:noFill/>
-        </p:spPr>
-        <p:txBody>
-          <a:bodyPr wrap="square" rtlCol="0">
-            <a:spAutoFit/>
-          </a:bodyPr>
-          <a:lstStyle/>
-          <a:p>
-            <a:r>
-              <a:rPr lang="en-US" sz="2000" b="1" dirty="0">
-                <a:solidFill>
-                  <a:srgbClr val="7F39FB"/>
-                </a:solidFill>
-                <a:latin typeface="Arial" panose="020B0604020202020204" pitchFamily="34" charset="0"/>
-                <a:cs typeface="Arial" panose="020B0604020202020204" pitchFamily="34" charset="0"/>
-              </a:rPr>
-              <a:t>PROJECT</a:t>
-            </a:r>
-            <a:r>
-              <a:rPr lang="en-US" sz="2000" b="1" dirty="0">
-                <a:solidFill>
-                  <a:schemeClr val="bg1"/>
-                </a:solidFill>
-                <a:latin typeface="Arial" panose="020B0604020202020204" pitchFamily="34" charset="0"/>
-                <a:cs typeface="Arial" panose="020B0604020202020204" pitchFamily="34" charset="0"/>
-              </a:rPr>
-              <a:t> HUB</a:t>
-            </a:r>
-            <a:endParaRPr lang="ru-RU" sz="2000" b="1" dirty="0">
-              <a:solidFill>
-                <a:schemeClr val="bg1"/>
-              </a:solidFill>
-              <a:latin typeface="Arial" panose="020B0604020202020204" pitchFamily="34" charset="0"/>
-              <a:cs typeface="Arial" panose="020B0604020202020204" pitchFamily="34" charset="0"/>
-            </a:endParaRPr>
-          </a:p>
-        </p:txBody>
-      </p:sp>
-      <p:cxnSp>
-        <p:nvCxnSpPr>
-          <p:cNvPr id="7" name="Прямая соединительная линия 6">
-            <a:extLst>
-              <a:ext uri="{FF2B5EF4-FFF2-40B4-BE49-F238E27FC236}">
-                <a16:creationId xmlns:a16="http://schemas.microsoft.com/office/drawing/2014/main" id="{9B899CA5-7AE0-49B4-B846-58C98AE8BDCD}"/>
-              </a:ext>
-            </a:extLst>
-          </p:cNvPr>
-          <p:cNvCxnSpPr>
-            <a:cxnSpLocks/>
-          </p:cNvCxnSpPr>
-          <p:nvPr/>
-        </p:nvCxnSpPr>
-        <p:spPr>
-          <a:xfrm>
-            <a:off x="106306" y="507346"/>
-            <a:ext cx="0" cy="5843307"/>
-          </a:xfrm>
-          <a:prstGeom prst="line">
-            <a:avLst/>
-          </a:prstGeom>
-          <a:ln w="22225" cap="sq">
-            <a:solidFill>
-              <a:srgbClr val="7030A0">
-                <a:alpha val="38000"/>
-              </a:srgbClr>
-            </a:solidFill>
-            <a:prstDash val="dash"/>
-            <a:round/>
-          </a:ln>
-        </p:spPr>
-        <p:style>
-          <a:lnRef idx="3">
-            <a:schemeClr val="dk1"/>
-          </a:lnRef>
-          <a:fillRef idx="0">
-            <a:schemeClr val="dk1"/>
-          </a:fillRef>
-          <a:effectRef idx="2">
-            <a:schemeClr val="dk1"/>
-          </a:effectRef>
-          <a:fontRef idx="minor">
-            <a:schemeClr val="tx1"/>
-          </a:fontRef>
-        </p:style>
-      </p:cxnSp>
-      <p:sp>
-        <p:nvSpPr>
-          <p:cNvPr id="11" name="TextBox 10">
-            <a:extLst>
-              <a:ext uri="{FF2B5EF4-FFF2-40B4-BE49-F238E27FC236}">
-                <a16:creationId xmlns:a16="http://schemas.microsoft.com/office/drawing/2014/main" id="{D4001EB0-43D1-425E-97B2-D692B80F00F5}"/>
-              </a:ext>
-            </a:extLst>
-          </p:cNvPr>
-          <p:cNvSpPr txBox="1"/>
-          <p:nvPr/>
-        </p:nvSpPr>
-        <p:spPr>
-          <a:xfrm>
-            <a:off x="11675708" y="6407285"/>
-            <a:ext cx="516292" cy="461665"/>
-          </a:xfrm>
-          <a:prstGeom prst="rect">
-            <a:avLst/>
-          </a:prstGeom>
-          <a:noFill/>
-        </p:spPr>
-        <p:txBody>
-          <a:bodyPr wrap="square" rtlCol="0">
-            <a:spAutoFit/>
-          </a:bodyPr>
-          <a:lstStyle/>
-          <a:p>
-            <a:r>
-              <a:rPr lang="en-US" sz="2400" b="1" dirty="0">
-                <a:solidFill>
-                  <a:schemeClr val="bg1"/>
-                </a:solidFill>
-                <a:latin typeface="VDS" panose="02000506000000020004" pitchFamily="2" charset="-52"/>
-              </a:rPr>
-              <a:t>0</a:t>
-            </a:r>
-            <a:r>
-              <a:rPr lang="ru-RU" sz="2400" b="1" dirty="0">
-                <a:solidFill>
-                  <a:schemeClr val="bg1"/>
-                </a:solidFill>
-                <a:latin typeface="VDS" panose="02000506000000020004" pitchFamily="2" charset="-52"/>
-              </a:rPr>
-              <a:t>6</a:t>
-            </a:r>
-            <a:endParaRPr lang="ru-RU" sz="2400" b="1" dirty="0">
-              <a:solidFill>
-                <a:srgbClr val="7F39FB"/>
-              </a:solidFill>
-              <a:latin typeface="VDS" panose="02000506000000020004" pitchFamily="2" charset="-52"/>
-            </a:endParaRPr>
-          </a:p>
-        </p:txBody>
-      </p:sp>
-      <p:sp>
-        <p:nvSpPr>
-          <p:cNvPr id="13" name="Подзаголовок 2">
-            <a:extLst>
-              <a:ext uri="{FF2B5EF4-FFF2-40B4-BE49-F238E27FC236}">
-                <a16:creationId xmlns:a16="http://schemas.microsoft.com/office/drawing/2014/main" id="{7D5494BC-230E-45AF-9950-428A7485C213}"/>
-              </a:ext>
-            </a:extLst>
-          </p:cNvPr>
-          <p:cNvSpPr txBox="1">
-            <a:spLocks/>
-          </p:cNvSpPr>
-          <p:nvPr/>
-        </p:nvSpPr>
-        <p:spPr>
-          <a:xfrm>
-            <a:off x="2297110" y="5386017"/>
-            <a:ext cx="3221324" cy="946696"/>
-          </a:xfrm>
-          <a:prstGeom prst="rect">
-            <a:avLst/>
-          </a:prstGeom>
-          <a:solidFill>
-            <a:srgbClr val="121212">
-              <a:alpha val="0"/>
-            </a:srgbClr>
-          </a:solidFill>
-        </p:spPr>
-        <p:txBody>
-          <a:bodyPr>
-            <a:normAutofit/>
-          </a:bodyPr>
-          <a:lstStyle>
-            <a:lvl1pPr marL="228600" indent="-228600" algn="l" defTabSz="914400" rtl="0" eaLnBrk="1" latinLnBrk="0" hangingPunct="1">
-              <a:lnSpc>
-                <a:spcPct val="90000"/>
-              </a:lnSpc>
-              <a:spcBef>
-                <a:spcPts val="1000"/>
-              </a:spcBef>
-              <a:buFont typeface="Arial" panose="020B0604020202020204" pitchFamily="34" charset="0"/>
-              <a:buChar char="•"/>
-              <a:defRPr sz="2800" kern="1200">
-                <a:solidFill>
-                  <a:schemeClr val="tx1"/>
-                </a:solidFill>
-                <a:latin typeface="+mn-lt"/>
-                <a:ea typeface="+mn-ea"/>
-                <a:cs typeface="+mn-cs"/>
-              </a:defRPr>
-            </a:lvl1pPr>
-            <a:lvl2pPr marL="685800" indent="-228600" algn="l" defTabSz="914400" rtl="0" eaLnBrk="1" latinLnBrk="0" hangingPunct="1">
-              <a:lnSpc>
-                <a:spcPct val="90000"/>
-              </a:lnSpc>
-              <a:spcBef>
-                <a:spcPts val="500"/>
-              </a:spcBef>
-              <a:buFont typeface="Arial" panose="020B0604020202020204" pitchFamily="34" charset="0"/>
-              <a:buChar char="•"/>
-              <a:defRPr sz="2400" kern="1200">
-                <a:solidFill>
-                  <a:schemeClr val="tx1"/>
-                </a:solidFill>
-                <a:latin typeface="+mn-lt"/>
-                <a:ea typeface="+mn-ea"/>
-                <a:cs typeface="+mn-cs"/>
-              </a:defRPr>
-            </a:lvl2pPr>
-            <a:lvl3pPr marL="1143000" indent="-228600" algn="l" defTabSz="914400" rtl="0" eaLnBrk="1" latinLnBrk="0" hangingPunct="1">
-              <a:lnSpc>
-                <a:spcPct val="90000"/>
-              </a:lnSpc>
-              <a:spcBef>
-                <a:spcPts val="500"/>
-              </a:spcBef>
-              <a:buFont typeface="Arial" panose="020B0604020202020204" pitchFamily="34" charset="0"/>
-              <a:buChar char="•"/>
-              <a:defRPr sz="2000" kern="1200">
-                <a:solidFill>
-                  <a:schemeClr val="tx1"/>
-                </a:solidFill>
-                <a:latin typeface="+mn-lt"/>
-                <a:ea typeface="+mn-ea"/>
-                <a:cs typeface="+mn-cs"/>
-              </a:defRPr>
-            </a:lvl3pPr>
-            <a:lvl4pPr marL="1600200" indent="-228600" algn="l" defTabSz="914400" rtl="0" eaLnBrk="1" latinLnBrk="0" hangingPunct="1">
-              <a:lnSpc>
-                <a:spcPct val="90000"/>
-              </a:lnSpc>
-              <a:spcBef>
-                <a:spcPts val="500"/>
-              </a:spcBef>
-              <a:buFont typeface="Arial" panose="020B0604020202020204" pitchFamily="34" charset="0"/>
-              <a:buChar char="•"/>
-              <a:defRPr sz="1800" kern="1200">
-                <a:solidFill>
-                  <a:schemeClr val="tx1"/>
-                </a:solidFill>
-                <a:latin typeface="+mn-lt"/>
-                <a:ea typeface="+mn-ea"/>
-                <a:cs typeface="+mn-cs"/>
-              </a:defRPr>
-            </a:lvl4pPr>
-            <a:lvl5pPr marL="2057400" indent="-228600" algn="l" defTabSz="914400" rtl="0" eaLnBrk="1" latinLnBrk="0" hangingPunct="1">
-              <a:lnSpc>
-                <a:spcPct val="90000"/>
-              </a:lnSpc>
-              <a:spcBef>
-                <a:spcPts val="500"/>
-              </a:spcBef>
-              <a:buFont typeface="Arial" panose="020B0604020202020204" pitchFamily="34" charset="0"/>
-              <a:buChar char="•"/>
-              <a:defRPr sz="1800" kern="1200">
-                <a:solidFill>
-                  <a:schemeClr val="tx1"/>
-                </a:solidFill>
-                <a:latin typeface="+mn-lt"/>
-                <a:ea typeface="+mn-ea"/>
-                <a:cs typeface="+mn-cs"/>
-              </a:defRPr>
-            </a:lvl5pPr>
-            <a:lvl6pPr marL="2514600" indent="-228600" algn="l" defTabSz="914400" rtl="0" eaLnBrk="1" latinLnBrk="0" hangingPunct="1">
-              <a:lnSpc>
-                <a:spcPct val="90000"/>
-              </a:lnSpc>
-              <a:spcBef>
-                <a:spcPts val="500"/>
-              </a:spcBef>
-              <a:buFont typeface="Arial" panose="020B0604020202020204" pitchFamily="34" charset="0"/>
-              <a:buChar char="•"/>
-              <a:defRPr sz="1800" kern="1200">
-                <a:solidFill>
-                  <a:schemeClr val="tx1"/>
-                </a:solidFill>
-                <a:latin typeface="+mn-lt"/>
-                <a:ea typeface="+mn-ea"/>
-                <a:cs typeface="+mn-cs"/>
-              </a:defRPr>
-            </a:lvl6pPr>
-            <a:lvl7pPr marL="2971800" indent="-228600" algn="l" defTabSz="914400" rtl="0" eaLnBrk="1" latinLnBrk="0" hangingPunct="1">
-              <a:lnSpc>
-                <a:spcPct val="90000"/>
-              </a:lnSpc>
-              <a:spcBef>
-                <a:spcPts val="500"/>
-              </a:spcBef>
-              <a:buFont typeface="Arial" panose="020B0604020202020204" pitchFamily="34" charset="0"/>
-              <a:buChar char="•"/>
-              <a:defRPr sz="1800" kern="1200">
-                <a:solidFill>
-                  <a:schemeClr val="tx1"/>
-                </a:solidFill>
-                <a:latin typeface="+mn-lt"/>
-                <a:ea typeface="+mn-ea"/>
-                <a:cs typeface="+mn-cs"/>
-              </a:defRPr>
-            </a:lvl7pPr>
-            <a:lvl8pPr marL="3429000" indent="-228600" algn="l" defTabSz="914400" rtl="0" eaLnBrk="1" latinLnBrk="0" hangingPunct="1">
-              <a:lnSpc>
-                <a:spcPct val="90000"/>
-              </a:lnSpc>
-              <a:spcBef>
-                <a:spcPts val="500"/>
-              </a:spcBef>
-              <a:buFont typeface="Arial" panose="020B0604020202020204" pitchFamily="34" charset="0"/>
-              <a:buChar char="•"/>
-              <a:defRPr sz="1800" kern="1200">
-                <a:solidFill>
-                  <a:schemeClr val="tx1"/>
-                </a:solidFill>
-                <a:latin typeface="+mn-lt"/>
-                <a:ea typeface="+mn-ea"/>
-                <a:cs typeface="+mn-cs"/>
-              </a:defRPr>
-            </a:lvl8pPr>
-            <a:lvl9pPr marL="3886200" indent="-228600" algn="l" defTabSz="914400" rtl="0" eaLnBrk="1" latinLnBrk="0" hangingPunct="1">
-              <a:lnSpc>
-                <a:spcPct val="90000"/>
-              </a:lnSpc>
-              <a:spcBef>
-                <a:spcPts val="500"/>
-              </a:spcBef>
-              <a:buFont typeface="Arial" panose="020B0604020202020204" pitchFamily="34" charset="0"/>
-              <a:buChar char="•"/>
-              <a:defRPr sz="1800" kern="1200">
-                <a:solidFill>
-                  <a:schemeClr val="tx1"/>
-                </a:solidFill>
-                <a:latin typeface="+mn-lt"/>
-                <a:ea typeface="+mn-ea"/>
-                <a:cs typeface="+mn-cs"/>
-              </a:defRPr>
-            </a:lvl9pPr>
-          </a:lstStyle>
-          <a:p>
-            <a:pPr marL="0" indent="0">
-              <a:buClr>
-                <a:srgbClr val="7F39FB"/>
-              </a:buClr>
-              <a:buSzPct val="100000"/>
-              <a:buNone/>
-            </a:pPr>
-            <a:r>
-              <a:rPr lang="ru-RU" dirty="0">
-                <a:solidFill>
-                  <a:schemeClr val="bg1">
-                    <a:lumMod val="85000"/>
-                  </a:schemeClr>
-                </a:solidFill>
-                <a:latin typeface="VDS" panose="02000506000000020004" pitchFamily="2" charset="-52"/>
-                <a:cs typeface="Arial" panose="020B0604020202020204" pitchFamily="34" charset="0"/>
-              </a:rPr>
-              <a:t>Командная работа в </a:t>
-            </a:r>
-            <a:r>
-              <a:rPr lang="ru-RU" dirty="0" err="1">
-                <a:solidFill>
-                  <a:schemeClr val="bg1">
-                    <a:lumMod val="85000"/>
-                  </a:schemeClr>
-                </a:solidFill>
-                <a:latin typeface="VDS" panose="02000506000000020004" pitchFamily="2" charset="-52"/>
-                <a:cs typeface="Arial" panose="020B0604020202020204" pitchFamily="34" charset="0"/>
-              </a:rPr>
-              <a:t>трекере</a:t>
-            </a:r>
-            <a:endParaRPr lang="ru-RU" dirty="0">
-              <a:solidFill>
-                <a:schemeClr val="bg1">
-                  <a:lumMod val="85000"/>
-                </a:schemeClr>
-              </a:solidFill>
-              <a:latin typeface="VDS" panose="02000506000000020004" pitchFamily="2" charset="-52"/>
-              <a:cs typeface="Arial" panose="020B0604020202020204" pitchFamily="34" charset="0"/>
-            </a:endParaRPr>
-          </a:p>
-        </p:txBody>
-      </p:sp>
-      <p:sp>
-        <p:nvSpPr>
-          <p:cNvPr id="17" name="Подзаголовок 2">
-            <a:extLst>
-              <a:ext uri="{FF2B5EF4-FFF2-40B4-BE49-F238E27FC236}">
-                <a16:creationId xmlns:a16="http://schemas.microsoft.com/office/drawing/2014/main" id="{7CE2EB04-1883-480A-8E22-8CBDE9A21215}"/>
-              </a:ext>
-            </a:extLst>
-          </p:cNvPr>
-          <p:cNvSpPr txBox="1">
-            <a:spLocks/>
-          </p:cNvSpPr>
-          <p:nvPr/>
-        </p:nvSpPr>
-        <p:spPr>
-          <a:xfrm>
-            <a:off x="2277067" y="3988369"/>
-            <a:ext cx="3221324" cy="513092"/>
-          </a:xfrm>
-          <a:prstGeom prst="rect">
-            <a:avLst/>
-          </a:prstGeom>
-          <a:solidFill>
-            <a:srgbClr val="121212">
-              <a:alpha val="0"/>
-            </a:srgbClr>
-          </a:solidFill>
-        </p:spPr>
-        <p:txBody>
-          <a:bodyPr>
-            <a:noAutofit/>
-          </a:bodyPr>
-          <a:lstStyle>
-            <a:lvl1pPr marL="228600" indent="-228600" algn="l" defTabSz="914400" rtl="0" eaLnBrk="1" latinLnBrk="0" hangingPunct="1">
-              <a:lnSpc>
-                <a:spcPct val="90000"/>
-              </a:lnSpc>
-              <a:spcBef>
-                <a:spcPts val="1000"/>
-              </a:spcBef>
-              <a:buFont typeface="Arial" panose="020B0604020202020204" pitchFamily="34" charset="0"/>
-              <a:buChar char="•"/>
-              <a:defRPr sz="2800" kern="1200">
-                <a:solidFill>
-                  <a:schemeClr val="tx1"/>
-                </a:solidFill>
-                <a:latin typeface="+mn-lt"/>
-                <a:ea typeface="+mn-ea"/>
-                <a:cs typeface="+mn-cs"/>
-              </a:defRPr>
-            </a:lvl1pPr>
-            <a:lvl2pPr marL="685800" indent="-228600" algn="l" defTabSz="914400" rtl="0" eaLnBrk="1" latinLnBrk="0" hangingPunct="1">
-              <a:lnSpc>
-                <a:spcPct val="90000"/>
-              </a:lnSpc>
-              <a:spcBef>
-                <a:spcPts val="500"/>
-              </a:spcBef>
-              <a:buFont typeface="Arial" panose="020B0604020202020204" pitchFamily="34" charset="0"/>
-              <a:buChar char="•"/>
-              <a:defRPr sz="2400" kern="1200">
-                <a:solidFill>
-                  <a:schemeClr val="tx1"/>
-                </a:solidFill>
-                <a:latin typeface="+mn-lt"/>
-                <a:ea typeface="+mn-ea"/>
-                <a:cs typeface="+mn-cs"/>
-              </a:defRPr>
-            </a:lvl2pPr>
-            <a:lvl3pPr marL="1143000" indent="-228600" algn="l" defTabSz="914400" rtl="0" eaLnBrk="1" latinLnBrk="0" hangingPunct="1">
-              <a:lnSpc>
-                <a:spcPct val="90000"/>
-              </a:lnSpc>
-              <a:spcBef>
-                <a:spcPts val="500"/>
-              </a:spcBef>
-              <a:buFont typeface="Arial" panose="020B0604020202020204" pitchFamily="34" charset="0"/>
-              <a:buChar char="•"/>
-              <a:defRPr sz="2000" kern="1200">
-                <a:solidFill>
-                  <a:schemeClr val="tx1"/>
-                </a:solidFill>
-                <a:latin typeface="+mn-lt"/>
-                <a:ea typeface="+mn-ea"/>
-                <a:cs typeface="+mn-cs"/>
-              </a:defRPr>
-            </a:lvl3pPr>
-            <a:lvl4pPr marL="1600200" indent="-228600" algn="l" defTabSz="914400" rtl="0" eaLnBrk="1" latinLnBrk="0" hangingPunct="1">
-              <a:lnSpc>
-                <a:spcPct val="90000"/>
-              </a:lnSpc>
-              <a:spcBef>
-                <a:spcPts val="500"/>
-              </a:spcBef>
-              <a:buFont typeface="Arial" panose="020B0604020202020204" pitchFamily="34" charset="0"/>
-              <a:buChar char="•"/>
-              <a:defRPr sz="1800" kern="1200">
-                <a:solidFill>
-                  <a:schemeClr val="tx1"/>
-                </a:solidFill>
-                <a:latin typeface="+mn-lt"/>
-                <a:ea typeface="+mn-ea"/>
-                <a:cs typeface="+mn-cs"/>
-              </a:defRPr>
-            </a:lvl4pPr>
-            <a:lvl5pPr marL="2057400" indent="-228600" algn="l" defTabSz="914400" rtl="0" eaLnBrk="1" latinLnBrk="0" hangingPunct="1">
-              <a:lnSpc>
-                <a:spcPct val="90000"/>
-              </a:lnSpc>
-              <a:spcBef>
-                <a:spcPts val="500"/>
-              </a:spcBef>
-              <a:buFont typeface="Arial" panose="020B0604020202020204" pitchFamily="34" charset="0"/>
-              <a:buChar char="•"/>
-              <a:defRPr sz="1800" kern="1200">
-                <a:solidFill>
-                  <a:schemeClr val="tx1"/>
-                </a:solidFill>
-                <a:latin typeface="+mn-lt"/>
-                <a:ea typeface="+mn-ea"/>
-                <a:cs typeface="+mn-cs"/>
-              </a:defRPr>
-            </a:lvl5pPr>
-            <a:lvl6pPr marL="2514600" indent="-228600" algn="l" defTabSz="914400" rtl="0" eaLnBrk="1" latinLnBrk="0" hangingPunct="1">
-              <a:lnSpc>
-                <a:spcPct val="90000"/>
-              </a:lnSpc>
-              <a:spcBef>
-                <a:spcPts val="500"/>
-              </a:spcBef>
-              <a:buFont typeface="Arial" panose="020B0604020202020204" pitchFamily="34" charset="0"/>
-              <a:buChar char="•"/>
-              <a:defRPr sz="1800" kern="1200">
-                <a:solidFill>
-                  <a:schemeClr val="tx1"/>
-                </a:solidFill>
-                <a:latin typeface="+mn-lt"/>
-                <a:ea typeface="+mn-ea"/>
-                <a:cs typeface="+mn-cs"/>
-              </a:defRPr>
-            </a:lvl6pPr>
-            <a:lvl7pPr marL="2971800" indent="-228600" algn="l" defTabSz="914400" rtl="0" eaLnBrk="1" latinLnBrk="0" hangingPunct="1">
-              <a:lnSpc>
-                <a:spcPct val="90000"/>
-              </a:lnSpc>
-              <a:spcBef>
-                <a:spcPts val="500"/>
-              </a:spcBef>
-              <a:buFont typeface="Arial" panose="020B0604020202020204" pitchFamily="34" charset="0"/>
-              <a:buChar char="•"/>
-              <a:defRPr sz="1800" kern="1200">
-                <a:solidFill>
-                  <a:schemeClr val="tx1"/>
-                </a:solidFill>
-                <a:latin typeface="+mn-lt"/>
-                <a:ea typeface="+mn-ea"/>
-                <a:cs typeface="+mn-cs"/>
-              </a:defRPr>
-            </a:lvl7pPr>
-            <a:lvl8pPr marL="3429000" indent="-228600" algn="l" defTabSz="914400" rtl="0" eaLnBrk="1" latinLnBrk="0" hangingPunct="1">
-              <a:lnSpc>
-                <a:spcPct val="90000"/>
-              </a:lnSpc>
-              <a:spcBef>
-                <a:spcPts val="500"/>
-              </a:spcBef>
-              <a:buFont typeface="Arial" panose="020B0604020202020204" pitchFamily="34" charset="0"/>
-              <a:buChar char="•"/>
-              <a:defRPr sz="1800" kern="1200">
-                <a:solidFill>
-                  <a:schemeClr val="tx1"/>
-                </a:solidFill>
-                <a:latin typeface="+mn-lt"/>
-                <a:ea typeface="+mn-ea"/>
-                <a:cs typeface="+mn-cs"/>
-              </a:defRPr>
-            </a:lvl8pPr>
-            <a:lvl9pPr marL="3886200" indent="-228600" algn="l" defTabSz="914400" rtl="0" eaLnBrk="1" latinLnBrk="0" hangingPunct="1">
-              <a:lnSpc>
-                <a:spcPct val="90000"/>
-              </a:lnSpc>
-              <a:spcBef>
-                <a:spcPts val="500"/>
-              </a:spcBef>
-              <a:buFont typeface="Arial" panose="020B0604020202020204" pitchFamily="34" charset="0"/>
-              <a:buChar char="•"/>
-              <a:defRPr sz="1800" kern="1200">
-                <a:solidFill>
-                  <a:schemeClr val="tx1"/>
-                </a:solidFill>
-                <a:latin typeface="+mn-lt"/>
-                <a:ea typeface="+mn-ea"/>
-                <a:cs typeface="+mn-cs"/>
-              </a:defRPr>
-            </a:lvl9pPr>
-          </a:lstStyle>
-          <a:p>
-            <a:pPr marL="0" indent="0">
-              <a:buClr>
-                <a:srgbClr val="7F39FB"/>
-              </a:buClr>
-              <a:buSzPct val="100000"/>
-              <a:buNone/>
-            </a:pPr>
-            <a:r>
-              <a:rPr lang="ru-RU" dirty="0">
-                <a:solidFill>
-                  <a:schemeClr val="bg1">
-                    <a:lumMod val="85000"/>
-                  </a:schemeClr>
-                </a:solidFill>
-                <a:latin typeface="VDS" panose="02000506000000020004" pitchFamily="2" charset="-52"/>
-                <a:cs typeface="Arial" panose="020B0604020202020204" pitchFamily="34" charset="0"/>
-              </a:rPr>
-              <a:t>Получение задач от заказчика</a:t>
-            </a:r>
-          </a:p>
-        </p:txBody>
-      </p:sp>
-      <p:sp>
-        <p:nvSpPr>
-          <p:cNvPr id="21" name="Подзаголовок 2">
-            <a:extLst>
-              <a:ext uri="{FF2B5EF4-FFF2-40B4-BE49-F238E27FC236}">
-                <a16:creationId xmlns:a16="http://schemas.microsoft.com/office/drawing/2014/main" id="{280773A2-442A-4403-A2BE-B3CCCE10608B}"/>
-              </a:ext>
-            </a:extLst>
-          </p:cNvPr>
-          <p:cNvSpPr txBox="1">
-            <a:spLocks/>
-          </p:cNvSpPr>
-          <p:nvPr/>
-        </p:nvSpPr>
-        <p:spPr>
-          <a:xfrm>
-            <a:off x="7821439" y="3988369"/>
-            <a:ext cx="3221324" cy="946696"/>
-          </a:xfrm>
-          <a:prstGeom prst="rect">
-            <a:avLst/>
-          </a:prstGeom>
-          <a:solidFill>
-            <a:srgbClr val="121212">
-              <a:alpha val="0"/>
-            </a:srgbClr>
-          </a:solidFill>
-        </p:spPr>
-        <p:txBody>
-          <a:bodyPr>
-            <a:normAutofit/>
-          </a:bodyPr>
-          <a:lstStyle>
-            <a:lvl1pPr marL="228600" indent="-228600" algn="l" defTabSz="914400" rtl="0" eaLnBrk="1" latinLnBrk="0" hangingPunct="1">
-              <a:lnSpc>
-                <a:spcPct val="90000"/>
-              </a:lnSpc>
-              <a:spcBef>
-                <a:spcPts val="1000"/>
-              </a:spcBef>
-              <a:buFont typeface="Arial" panose="020B0604020202020204" pitchFamily="34" charset="0"/>
-              <a:buChar char="•"/>
-              <a:defRPr sz="2800" kern="1200">
-                <a:solidFill>
-                  <a:schemeClr val="tx1"/>
-                </a:solidFill>
-                <a:latin typeface="+mn-lt"/>
-                <a:ea typeface="+mn-ea"/>
-                <a:cs typeface="+mn-cs"/>
-              </a:defRPr>
-            </a:lvl1pPr>
-            <a:lvl2pPr marL="685800" indent="-228600" algn="l" defTabSz="914400" rtl="0" eaLnBrk="1" latinLnBrk="0" hangingPunct="1">
-              <a:lnSpc>
-                <a:spcPct val="90000"/>
-              </a:lnSpc>
-              <a:spcBef>
-                <a:spcPts val="500"/>
-              </a:spcBef>
-              <a:buFont typeface="Arial" panose="020B0604020202020204" pitchFamily="34" charset="0"/>
-              <a:buChar char="•"/>
-              <a:defRPr sz="2400" kern="1200">
-                <a:solidFill>
-                  <a:schemeClr val="tx1"/>
-                </a:solidFill>
-                <a:latin typeface="+mn-lt"/>
-                <a:ea typeface="+mn-ea"/>
-                <a:cs typeface="+mn-cs"/>
-              </a:defRPr>
-            </a:lvl2pPr>
-            <a:lvl3pPr marL="1143000" indent="-228600" algn="l" defTabSz="914400" rtl="0" eaLnBrk="1" latinLnBrk="0" hangingPunct="1">
-              <a:lnSpc>
-                <a:spcPct val="90000"/>
-              </a:lnSpc>
-              <a:spcBef>
-                <a:spcPts val="500"/>
-              </a:spcBef>
-              <a:buFont typeface="Arial" panose="020B0604020202020204" pitchFamily="34" charset="0"/>
-              <a:buChar char="•"/>
-              <a:defRPr sz="2000" kern="1200">
-                <a:solidFill>
-                  <a:schemeClr val="tx1"/>
-                </a:solidFill>
-                <a:latin typeface="+mn-lt"/>
-                <a:ea typeface="+mn-ea"/>
-                <a:cs typeface="+mn-cs"/>
-              </a:defRPr>
-            </a:lvl3pPr>
-            <a:lvl4pPr marL="1600200" indent="-228600" algn="l" defTabSz="914400" rtl="0" eaLnBrk="1" latinLnBrk="0" hangingPunct="1">
-              <a:lnSpc>
-                <a:spcPct val="90000"/>
-              </a:lnSpc>
-              <a:spcBef>
-                <a:spcPts val="500"/>
-              </a:spcBef>
-              <a:buFont typeface="Arial" panose="020B0604020202020204" pitchFamily="34" charset="0"/>
-              <a:buChar char="•"/>
-              <a:defRPr sz="1800" kern="1200">
-                <a:solidFill>
-                  <a:schemeClr val="tx1"/>
-                </a:solidFill>
-                <a:latin typeface="+mn-lt"/>
-                <a:ea typeface="+mn-ea"/>
-                <a:cs typeface="+mn-cs"/>
-              </a:defRPr>
-            </a:lvl4pPr>
-            <a:lvl5pPr marL="2057400" indent="-228600" algn="l" defTabSz="914400" rtl="0" eaLnBrk="1" latinLnBrk="0" hangingPunct="1">
-              <a:lnSpc>
-                <a:spcPct val="90000"/>
-              </a:lnSpc>
-              <a:spcBef>
-                <a:spcPts val="500"/>
-              </a:spcBef>
-              <a:buFont typeface="Arial" panose="020B0604020202020204" pitchFamily="34" charset="0"/>
-              <a:buChar char="•"/>
-              <a:defRPr sz="1800" kern="1200">
-                <a:solidFill>
-                  <a:schemeClr val="tx1"/>
-                </a:solidFill>
-                <a:latin typeface="+mn-lt"/>
-                <a:ea typeface="+mn-ea"/>
-                <a:cs typeface="+mn-cs"/>
-              </a:defRPr>
-            </a:lvl5pPr>
-            <a:lvl6pPr marL="2514600" indent="-228600" algn="l" defTabSz="914400" rtl="0" eaLnBrk="1" latinLnBrk="0" hangingPunct="1">
-              <a:lnSpc>
-                <a:spcPct val="90000"/>
-              </a:lnSpc>
-              <a:spcBef>
-                <a:spcPts val="500"/>
-              </a:spcBef>
-              <a:buFont typeface="Arial" panose="020B0604020202020204" pitchFamily="34" charset="0"/>
-              <a:buChar char="•"/>
-              <a:defRPr sz="1800" kern="1200">
-                <a:solidFill>
-                  <a:schemeClr val="tx1"/>
-                </a:solidFill>
-                <a:latin typeface="+mn-lt"/>
-                <a:ea typeface="+mn-ea"/>
-                <a:cs typeface="+mn-cs"/>
-              </a:defRPr>
-            </a:lvl6pPr>
-            <a:lvl7pPr marL="2971800" indent="-228600" algn="l" defTabSz="914400" rtl="0" eaLnBrk="1" latinLnBrk="0" hangingPunct="1">
-              <a:lnSpc>
-                <a:spcPct val="90000"/>
-              </a:lnSpc>
-              <a:spcBef>
-                <a:spcPts val="500"/>
-              </a:spcBef>
-              <a:buFont typeface="Arial" panose="020B0604020202020204" pitchFamily="34" charset="0"/>
-              <a:buChar char="•"/>
-              <a:defRPr sz="1800" kern="1200">
-                <a:solidFill>
-                  <a:schemeClr val="tx1"/>
-                </a:solidFill>
-                <a:latin typeface="+mn-lt"/>
-                <a:ea typeface="+mn-ea"/>
-                <a:cs typeface="+mn-cs"/>
-              </a:defRPr>
-            </a:lvl7pPr>
-            <a:lvl8pPr marL="3429000" indent="-228600" algn="l" defTabSz="914400" rtl="0" eaLnBrk="1" latinLnBrk="0" hangingPunct="1">
-              <a:lnSpc>
-                <a:spcPct val="90000"/>
-              </a:lnSpc>
-              <a:spcBef>
-                <a:spcPts val="500"/>
-              </a:spcBef>
-              <a:buFont typeface="Arial" panose="020B0604020202020204" pitchFamily="34" charset="0"/>
-              <a:buChar char="•"/>
-              <a:defRPr sz="1800" kern="1200">
-                <a:solidFill>
-                  <a:schemeClr val="tx1"/>
-                </a:solidFill>
-                <a:latin typeface="+mn-lt"/>
-                <a:ea typeface="+mn-ea"/>
-                <a:cs typeface="+mn-cs"/>
-              </a:defRPr>
-            </a:lvl8pPr>
-            <a:lvl9pPr marL="3886200" indent="-228600" algn="l" defTabSz="914400" rtl="0" eaLnBrk="1" latinLnBrk="0" hangingPunct="1">
-              <a:lnSpc>
-                <a:spcPct val="90000"/>
-              </a:lnSpc>
-              <a:spcBef>
-                <a:spcPts val="500"/>
-              </a:spcBef>
-              <a:buFont typeface="Arial" panose="020B0604020202020204" pitchFamily="34" charset="0"/>
-              <a:buChar char="•"/>
-              <a:defRPr sz="1800" kern="1200">
-                <a:solidFill>
-                  <a:schemeClr val="tx1"/>
-                </a:solidFill>
-                <a:latin typeface="+mn-lt"/>
-                <a:ea typeface="+mn-ea"/>
-                <a:cs typeface="+mn-cs"/>
-              </a:defRPr>
-            </a:lvl9pPr>
-          </a:lstStyle>
-          <a:p>
-            <a:pPr marL="0" indent="0">
-              <a:buClr>
-                <a:srgbClr val="7F39FB"/>
-              </a:buClr>
-              <a:buSzPct val="100000"/>
-              <a:buNone/>
-            </a:pPr>
-            <a:r>
-              <a:rPr lang="ru-RU" dirty="0">
-                <a:solidFill>
-                  <a:schemeClr val="bg1">
-                    <a:lumMod val="85000"/>
-                  </a:schemeClr>
-                </a:solidFill>
-                <a:latin typeface="VDS" panose="02000506000000020004" pitchFamily="2" charset="-52"/>
-                <a:cs typeface="Arial" panose="020B0604020202020204" pitchFamily="34" charset="0"/>
-              </a:rPr>
-              <a:t>Выбор команды для реализации</a:t>
-            </a:r>
-          </a:p>
-        </p:txBody>
-      </p:sp>
-      <p:sp>
-        <p:nvSpPr>
-          <p:cNvPr id="24" name="Подзаголовок 2">
-            <a:extLst>
-              <a:ext uri="{FF2B5EF4-FFF2-40B4-BE49-F238E27FC236}">
-                <a16:creationId xmlns:a16="http://schemas.microsoft.com/office/drawing/2014/main" id="{FFB875A7-11E7-4235-9E13-675B013B79FA}"/>
-              </a:ext>
-            </a:extLst>
-          </p:cNvPr>
-          <p:cNvSpPr txBox="1">
-            <a:spLocks/>
-          </p:cNvSpPr>
-          <p:nvPr/>
-        </p:nvSpPr>
-        <p:spPr>
-          <a:xfrm>
-            <a:off x="7821439" y="2547666"/>
-            <a:ext cx="3221324" cy="946696"/>
-          </a:xfrm>
-          <a:prstGeom prst="rect">
-            <a:avLst/>
-          </a:prstGeom>
-          <a:solidFill>
-            <a:srgbClr val="121212">
-              <a:alpha val="0"/>
-            </a:srgbClr>
-          </a:solidFill>
-        </p:spPr>
-        <p:txBody>
-          <a:bodyPr>
-            <a:normAutofit/>
-          </a:bodyPr>
-          <a:lstStyle>
-            <a:lvl1pPr marL="228600" indent="-228600" algn="l" defTabSz="914400" rtl="0" eaLnBrk="1" latinLnBrk="0" hangingPunct="1">
-              <a:lnSpc>
-                <a:spcPct val="90000"/>
-              </a:lnSpc>
-              <a:spcBef>
-                <a:spcPts val="1000"/>
-              </a:spcBef>
-              <a:buFont typeface="Arial" panose="020B0604020202020204" pitchFamily="34" charset="0"/>
-              <a:buChar char="•"/>
-              <a:defRPr sz="2800" kern="1200">
-                <a:solidFill>
-                  <a:schemeClr val="tx1"/>
-                </a:solidFill>
-                <a:latin typeface="+mn-lt"/>
-                <a:ea typeface="+mn-ea"/>
-                <a:cs typeface="+mn-cs"/>
-              </a:defRPr>
-            </a:lvl1pPr>
-            <a:lvl2pPr marL="685800" indent="-228600" algn="l" defTabSz="914400" rtl="0" eaLnBrk="1" latinLnBrk="0" hangingPunct="1">
-              <a:lnSpc>
-                <a:spcPct val="90000"/>
-              </a:lnSpc>
-              <a:spcBef>
-                <a:spcPts val="500"/>
-              </a:spcBef>
-              <a:buFont typeface="Arial" panose="020B0604020202020204" pitchFamily="34" charset="0"/>
-              <a:buChar char="•"/>
-              <a:defRPr sz="2400" kern="1200">
-                <a:solidFill>
-                  <a:schemeClr val="tx1"/>
-                </a:solidFill>
-                <a:latin typeface="+mn-lt"/>
-                <a:ea typeface="+mn-ea"/>
-                <a:cs typeface="+mn-cs"/>
-              </a:defRPr>
-            </a:lvl2pPr>
-            <a:lvl3pPr marL="1143000" indent="-228600" algn="l" defTabSz="914400" rtl="0" eaLnBrk="1" latinLnBrk="0" hangingPunct="1">
-              <a:lnSpc>
-                <a:spcPct val="90000"/>
-              </a:lnSpc>
-              <a:spcBef>
-                <a:spcPts val="500"/>
-              </a:spcBef>
-              <a:buFont typeface="Arial" panose="020B0604020202020204" pitchFamily="34" charset="0"/>
-              <a:buChar char="•"/>
-              <a:defRPr sz="2000" kern="1200">
-                <a:solidFill>
-                  <a:schemeClr val="tx1"/>
-                </a:solidFill>
-                <a:latin typeface="+mn-lt"/>
-                <a:ea typeface="+mn-ea"/>
-                <a:cs typeface="+mn-cs"/>
-              </a:defRPr>
-            </a:lvl3pPr>
-            <a:lvl4pPr marL="1600200" indent="-228600" algn="l" defTabSz="914400" rtl="0" eaLnBrk="1" latinLnBrk="0" hangingPunct="1">
-              <a:lnSpc>
-                <a:spcPct val="90000"/>
-              </a:lnSpc>
-              <a:spcBef>
-                <a:spcPts val="500"/>
-              </a:spcBef>
-              <a:buFont typeface="Arial" panose="020B0604020202020204" pitchFamily="34" charset="0"/>
-              <a:buChar char="•"/>
-              <a:defRPr sz="1800" kern="1200">
-                <a:solidFill>
-                  <a:schemeClr val="tx1"/>
-                </a:solidFill>
-                <a:latin typeface="+mn-lt"/>
-                <a:ea typeface="+mn-ea"/>
-                <a:cs typeface="+mn-cs"/>
-              </a:defRPr>
-            </a:lvl4pPr>
-            <a:lvl5pPr marL="2057400" indent="-228600" algn="l" defTabSz="914400" rtl="0" eaLnBrk="1" latinLnBrk="0" hangingPunct="1">
-              <a:lnSpc>
-                <a:spcPct val="90000"/>
-              </a:lnSpc>
-              <a:spcBef>
-                <a:spcPts val="500"/>
-              </a:spcBef>
-              <a:buFont typeface="Arial" panose="020B0604020202020204" pitchFamily="34" charset="0"/>
-              <a:buChar char="•"/>
-              <a:defRPr sz="1800" kern="1200">
-                <a:solidFill>
-                  <a:schemeClr val="tx1"/>
-                </a:solidFill>
-                <a:latin typeface="+mn-lt"/>
-                <a:ea typeface="+mn-ea"/>
-                <a:cs typeface="+mn-cs"/>
-              </a:defRPr>
-            </a:lvl5pPr>
-            <a:lvl6pPr marL="2514600" indent="-228600" algn="l" defTabSz="914400" rtl="0" eaLnBrk="1" latinLnBrk="0" hangingPunct="1">
-              <a:lnSpc>
-                <a:spcPct val="90000"/>
-              </a:lnSpc>
-              <a:spcBef>
-                <a:spcPts val="500"/>
-              </a:spcBef>
-              <a:buFont typeface="Arial" panose="020B0604020202020204" pitchFamily="34" charset="0"/>
-              <a:buChar char="•"/>
-              <a:defRPr sz="1800" kern="1200">
-                <a:solidFill>
-                  <a:schemeClr val="tx1"/>
-                </a:solidFill>
-                <a:latin typeface="+mn-lt"/>
-                <a:ea typeface="+mn-ea"/>
-                <a:cs typeface="+mn-cs"/>
-              </a:defRPr>
-            </a:lvl6pPr>
-            <a:lvl7pPr marL="2971800" indent="-228600" algn="l" defTabSz="914400" rtl="0" eaLnBrk="1" latinLnBrk="0" hangingPunct="1">
-              <a:lnSpc>
-                <a:spcPct val="90000"/>
-              </a:lnSpc>
-              <a:spcBef>
-                <a:spcPts val="500"/>
-              </a:spcBef>
-              <a:buFont typeface="Arial" panose="020B0604020202020204" pitchFamily="34" charset="0"/>
-              <a:buChar char="•"/>
-              <a:defRPr sz="1800" kern="1200">
-                <a:solidFill>
-                  <a:schemeClr val="tx1"/>
-                </a:solidFill>
-                <a:latin typeface="+mn-lt"/>
-                <a:ea typeface="+mn-ea"/>
-                <a:cs typeface="+mn-cs"/>
-              </a:defRPr>
-            </a:lvl7pPr>
-            <a:lvl8pPr marL="3429000" indent="-228600" algn="l" defTabSz="914400" rtl="0" eaLnBrk="1" latinLnBrk="0" hangingPunct="1">
-              <a:lnSpc>
-                <a:spcPct val="90000"/>
-              </a:lnSpc>
-              <a:spcBef>
-                <a:spcPts val="500"/>
-              </a:spcBef>
-              <a:buFont typeface="Arial" panose="020B0604020202020204" pitchFamily="34" charset="0"/>
-              <a:buChar char="•"/>
-              <a:defRPr sz="1800" kern="1200">
-                <a:solidFill>
-                  <a:schemeClr val="tx1"/>
-                </a:solidFill>
-                <a:latin typeface="+mn-lt"/>
-                <a:ea typeface="+mn-ea"/>
-                <a:cs typeface="+mn-cs"/>
-              </a:defRPr>
-            </a:lvl8pPr>
-            <a:lvl9pPr marL="3886200" indent="-228600" algn="l" defTabSz="914400" rtl="0" eaLnBrk="1" latinLnBrk="0" hangingPunct="1">
-              <a:lnSpc>
-                <a:spcPct val="90000"/>
-              </a:lnSpc>
-              <a:spcBef>
-                <a:spcPts val="500"/>
-              </a:spcBef>
-              <a:buFont typeface="Arial" panose="020B0604020202020204" pitchFamily="34" charset="0"/>
-              <a:buChar char="•"/>
-              <a:defRPr sz="1800" kern="1200">
-                <a:solidFill>
-                  <a:schemeClr val="tx1"/>
-                </a:solidFill>
-                <a:latin typeface="+mn-lt"/>
-                <a:ea typeface="+mn-ea"/>
-                <a:cs typeface="+mn-cs"/>
-              </a:defRPr>
-            </a:lvl9pPr>
-          </a:lstStyle>
-          <a:p>
-            <a:pPr marL="0" indent="0">
-              <a:buClr>
-                <a:srgbClr val="7F39FB"/>
-              </a:buClr>
-              <a:buSzPct val="100000"/>
-              <a:buNone/>
-            </a:pPr>
-            <a:r>
-              <a:rPr lang="ru-RU" dirty="0">
-                <a:solidFill>
-                  <a:schemeClr val="bg1">
-                    <a:lumMod val="85000"/>
-                  </a:schemeClr>
-                </a:solidFill>
-                <a:latin typeface="VDS" panose="02000506000000020004" pitchFamily="2" charset="-52"/>
-                <a:cs typeface="Arial" panose="020B0604020202020204" pitchFamily="34" charset="0"/>
-              </a:rPr>
-              <a:t>Создание задачи</a:t>
-            </a:r>
-          </a:p>
-        </p:txBody>
-      </p:sp>
-      <p:sp>
-        <p:nvSpPr>
-          <p:cNvPr id="28" name="Подзаголовок 2">
-            <a:extLst>
-              <a:ext uri="{FF2B5EF4-FFF2-40B4-BE49-F238E27FC236}">
-                <a16:creationId xmlns:a16="http://schemas.microsoft.com/office/drawing/2014/main" id="{6C1FF0C1-A6C9-4E48-A17B-16E109CEC540}"/>
-              </a:ext>
-            </a:extLst>
-          </p:cNvPr>
-          <p:cNvSpPr txBox="1">
-            <a:spLocks/>
-          </p:cNvSpPr>
-          <p:nvPr/>
-        </p:nvSpPr>
-        <p:spPr>
-          <a:xfrm>
-            <a:off x="7588076" y="5386017"/>
-            <a:ext cx="3919356" cy="1103152"/>
-          </a:xfrm>
-          <a:prstGeom prst="rect">
-            <a:avLst/>
-          </a:prstGeom>
-          <a:solidFill>
-            <a:srgbClr val="121212">
-              <a:alpha val="0"/>
-            </a:srgbClr>
-          </a:solidFill>
-        </p:spPr>
-        <p:txBody>
-          <a:bodyPr>
-            <a:normAutofit/>
-          </a:bodyPr>
-          <a:lstStyle>
-            <a:lvl1pPr marL="228600" indent="-228600" algn="l" defTabSz="914400" rtl="0" eaLnBrk="1" latinLnBrk="0" hangingPunct="1">
-              <a:lnSpc>
-                <a:spcPct val="90000"/>
-              </a:lnSpc>
-              <a:spcBef>
-                <a:spcPts val="1000"/>
-              </a:spcBef>
-              <a:buFont typeface="Arial" panose="020B0604020202020204" pitchFamily="34" charset="0"/>
-              <a:buChar char="•"/>
-              <a:defRPr sz="2800" kern="1200">
-                <a:solidFill>
-                  <a:schemeClr val="tx1"/>
-                </a:solidFill>
-                <a:latin typeface="+mn-lt"/>
-                <a:ea typeface="+mn-ea"/>
-                <a:cs typeface="+mn-cs"/>
-              </a:defRPr>
-            </a:lvl1pPr>
-            <a:lvl2pPr marL="685800" indent="-228600" algn="l" defTabSz="914400" rtl="0" eaLnBrk="1" latinLnBrk="0" hangingPunct="1">
-              <a:lnSpc>
-                <a:spcPct val="90000"/>
-              </a:lnSpc>
-              <a:spcBef>
-                <a:spcPts val="500"/>
-              </a:spcBef>
-              <a:buFont typeface="Arial" panose="020B0604020202020204" pitchFamily="34" charset="0"/>
-              <a:buChar char="•"/>
-              <a:defRPr sz="2400" kern="1200">
-                <a:solidFill>
-                  <a:schemeClr val="tx1"/>
-                </a:solidFill>
-                <a:latin typeface="+mn-lt"/>
-                <a:ea typeface="+mn-ea"/>
-                <a:cs typeface="+mn-cs"/>
-              </a:defRPr>
-            </a:lvl2pPr>
-            <a:lvl3pPr marL="1143000" indent="-228600" algn="l" defTabSz="914400" rtl="0" eaLnBrk="1" latinLnBrk="0" hangingPunct="1">
-              <a:lnSpc>
-                <a:spcPct val="90000"/>
-              </a:lnSpc>
-              <a:spcBef>
-                <a:spcPts val="500"/>
-              </a:spcBef>
-              <a:buFont typeface="Arial" panose="020B0604020202020204" pitchFamily="34" charset="0"/>
-              <a:buChar char="•"/>
-              <a:defRPr sz="2000" kern="1200">
-                <a:solidFill>
-                  <a:schemeClr val="tx1"/>
-                </a:solidFill>
-                <a:latin typeface="+mn-lt"/>
-                <a:ea typeface="+mn-ea"/>
-                <a:cs typeface="+mn-cs"/>
-              </a:defRPr>
-            </a:lvl3pPr>
-            <a:lvl4pPr marL="1600200" indent="-228600" algn="l" defTabSz="914400" rtl="0" eaLnBrk="1" latinLnBrk="0" hangingPunct="1">
-              <a:lnSpc>
-                <a:spcPct val="90000"/>
-              </a:lnSpc>
-              <a:spcBef>
-                <a:spcPts val="500"/>
-              </a:spcBef>
-              <a:buFont typeface="Arial" panose="020B0604020202020204" pitchFamily="34" charset="0"/>
-              <a:buChar char="•"/>
-              <a:defRPr sz="1800" kern="1200">
-                <a:solidFill>
-                  <a:schemeClr val="tx1"/>
-                </a:solidFill>
-                <a:latin typeface="+mn-lt"/>
-                <a:ea typeface="+mn-ea"/>
-                <a:cs typeface="+mn-cs"/>
-              </a:defRPr>
-            </a:lvl4pPr>
-            <a:lvl5pPr marL="2057400" indent="-228600" algn="l" defTabSz="914400" rtl="0" eaLnBrk="1" latinLnBrk="0" hangingPunct="1">
-              <a:lnSpc>
-                <a:spcPct val="90000"/>
-              </a:lnSpc>
-              <a:spcBef>
-                <a:spcPts val="500"/>
-              </a:spcBef>
-              <a:buFont typeface="Arial" panose="020B0604020202020204" pitchFamily="34" charset="0"/>
-              <a:buChar char="•"/>
-              <a:defRPr sz="1800" kern="1200">
-                <a:solidFill>
-                  <a:schemeClr val="tx1"/>
-                </a:solidFill>
-                <a:latin typeface="+mn-lt"/>
-                <a:ea typeface="+mn-ea"/>
-                <a:cs typeface="+mn-cs"/>
-              </a:defRPr>
-            </a:lvl5pPr>
-            <a:lvl6pPr marL="2514600" indent="-228600" algn="l" defTabSz="914400" rtl="0" eaLnBrk="1" latinLnBrk="0" hangingPunct="1">
-              <a:lnSpc>
-                <a:spcPct val="90000"/>
-              </a:lnSpc>
-              <a:spcBef>
-                <a:spcPts val="500"/>
-              </a:spcBef>
-              <a:buFont typeface="Arial" panose="020B0604020202020204" pitchFamily="34" charset="0"/>
-              <a:buChar char="•"/>
-              <a:defRPr sz="1800" kern="1200">
-                <a:solidFill>
-                  <a:schemeClr val="tx1"/>
-                </a:solidFill>
-                <a:latin typeface="+mn-lt"/>
-                <a:ea typeface="+mn-ea"/>
-                <a:cs typeface="+mn-cs"/>
-              </a:defRPr>
-            </a:lvl6pPr>
-            <a:lvl7pPr marL="2971800" indent="-228600" algn="l" defTabSz="914400" rtl="0" eaLnBrk="1" latinLnBrk="0" hangingPunct="1">
-              <a:lnSpc>
-                <a:spcPct val="90000"/>
-              </a:lnSpc>
-              <a:spcBef>
-                <a:spcPts val="500"/>
-              </a:spcBef>
-              <a:buFont typeface="Arial" panose="020B0604020202020204" pitchFamily="34" charset="0"/>
-              <a:buChar char="•"/>
-              <a:defRPr sz="1800" kern="1200">
-                <a:solidFill>
-                  <a:schemeClr val="tx1"/>
-                </a:solidFill>
-                <a:latin typeface="+mn-lt"/>
-                <a:ea typeface="+mn-ea"/>
-                <a:cs typeface="+mn-cs"/>
-              </a:defRPr>
-            </a:lvl7pPr>
-            <a:lvl8pPr marL="3429000" indent="-228600" algn="l" defTabSz="914400" rtl="0" eaLnBrk="1" latinLnBrk="0" hangingPunct="1">
-              <a:lnSpc>
-                <a:spcPct val="90000"/>
-              </a:lnSpc>
-              <a:spcBef>
-                <a:spcPts val="500"/>
-              </a:spcBef>
-              <a:buFont typeface="Arial" panose="020B0604020202020204" pitchFamily="34" charset="0"/>
-              <a:buChar char="•"/>
-              <a:defRPr sz="1800" kern="1200">
-                <a:solidFill>
-                  <a:schemeClr val="tx1"/>
-                </a:solidFill>
-                <a:latin typeface="+mn-lt"/>
-                <a:ea typeface="+mn-ea"/>
-                <a:cs typeface="+mn-cs"/>
-              </a:defRPr>
-            </a:lvl8pPr>
-            <a:lvl9pPr marL="3886200" indent="-228600" algn="l" defTabSz="914400" rtl="0" eaLnBrk="1" latinLnBrk="0" hangingPunct="1">
-              <a:lnSpc>
-                <a:spcPct val="90000"/>
-              </a:lnSpc>
-              <a:spcBef>
-                <a:spcPts val="500"/>
-              </a:spcBef>
-              <a:buFont typeface="Arial" panose="020B0604020202020204" pitchFamily="34" charset="0"/>
-              <a:buChar char="•"/>
-              <a:defRPr sz="1800" kern="1200">
-                <a:solidFill>
-                  <a:schemeClr val="tx1"/>
-                </a:solidFill>
-                <a:latin typeface="+mn-lt"/>
-                <a:ea typeface="+mn-ea"/>
-                <a:cs typeface="+mn-cs"/>
-              </a:defRPr>
-            </a:lvl9pPr>
-          </a:lstStyle>
-          <a:p>
-            <a:pPr marL="0" indent="0">
-              <a:buClr>
-                <a:srgbClr val="7F39FB"/>
-              </a:buClr>
-              <a:buSzPct val="100000"/>
-              <a:buNone/>
-            </a:pPr>
-            <a:r>
-              <a:rPr lang="ru-RU" dirty="0">
-                <a:solidFill>
-                  <a:schemeClr val="bg1">
-                    <a:lumMod val="85000"/>
-                  </a:schemeClr>
-                </a:solidFill>
-                <a:latin typeface="VDS" panose="02000506000000020004" pitchFamily="2" charset="-52"/>
-                <a:cs typeface="Arial" panose="020B0604020202020204" pitchFamily="34" charset="0"/>
-              </a:rPr>
-              <a:t>Быстрый и экономный результат</a:t>
-            </a:r>
-          </a:p>
-        </p:txBody>
-      </p:sp>
-      <p:pic>
-        <p:nvPicPr>
-          <p:cNvPr id="3" name="Рисунок 2">
-            <a:extLst>
-              <a:ext uri="{FF2B5EF4-FFF2-40B4-BE49-F238E27FC236}">
-                <a16:creationId xmlns:a16="http://schemas.microsoft.com/office/drawing/2014/main" id="{AE429443-3F9F-475A-A069-A326A7B927BB}"/>
-              </a:ext>
-            </a:extLst>
-          </p:cNvPr>
-          <p:cNvPicPr>
-            <a:picLocks noChangeAspect="1"/>
-          </p:cNvPicPr>
-          <p:nvPr/>
-        </p:nvPicPr>
-        <p:blipFill>
-          <a:blip r:embed="rId4" cstate="print">
-            <a:duotone>
-              <a:prstClr val="black"/>
-              <a:srgbClr val="7F39FB">
-                <a:tint val="45000"/>
-                <a:satMod val="400000"/>
-              </a:srgbClr>
-            </a:duotone>
-            <a:extLst>
-              <a:ext uri="{BEBA8EAE-BF5A-486C-A8C5-ECC9F3942E4B}">
-                <a14:imgProps xmlns:a14="http://schemas.microsoft.com/office/drawing/2010/main">
-                  <a14:imgLayer r:embed="rId5">
-                    <a14:imgEffect>
-                      <a14:artisticPhotocopy/>
-                    </a14:imgEffect>
-                  </a14:imgLayer>
-                </a14:imgProps>
-              </a:ext>
-              <a:ext uri="{28A0092B-C50C-407E-A947-70E740481C1C}">
-                <a14:useLocalDpi xmlns:a14="http://schemas.microsoft.com/office/drawing/2010/main" val="0"/>
-              </a:ext>
-            </a:extLst>
-          </a:blip>
-          <a:stretch>
-            <a:fillRect/>
-          </a:stretch>
-        </p:blipFill>
-        <p:spPr>
-          <a:xfrm>
-            <a:off x="796702" y="5247500"/>
-            <a:ext cx="1103153" cy="1103153"/>
-          </a:xfrm>
-          <a:prstGeom prst="rect">
-            <a:avLst/>
-          </a:prstGeom>
-        </p:spPr>
-      </p:pic>
-      <p:pic>
-        <p:nvPicPr>
-          <p:cNvPr id="5" name="Рисунок 4">
-            <a:extLst>
-              <a:ext uri="{FF2B5EF4-FFF2-40B4-BE49-F238E27FC236}">
-                <a16:creationId xmlns:a16="http://schemas.microsoft.com/office/drawing/2014/main" id="{20FAE2C2-4FAD-4861-B4F2-9ACA29573310}"/>
-              </a:ext>
-            </a:extLst>
-          </p:cNvPr>
-          <p:cNvPicPr>
-            <a:picLocks noChangeAspect="1"/>
-          </p:cNvPicPr>
-          <p:nvPr/>
-        </p:nvPicPr>
-        <p:blipFill>
-          <a:blip r:embed="rId6" cstate="print">
-            <a:duotone>
-              <a:prstClr val="black"/>
-              <a:srgbClr val="7F39FB">
-                <a:tint val="45000"/>
-                <a:satMod val="400000"/>
-              </a:srgbClr>
-            </a:duotone>
-            <a:extLst>
-              <a:ext uri="{BEBA8EAE-BF5A-486C-A8C5-ECC9F3942E4B}">
-                <a14:imgProps xmlns:a14="http://schemas.microsoft.com/office/drawing/2010/main">
-                  <a14:imgLayer r:embed="rId7">
-                    <a14:imgEffect>
-                      <a14:artisticPhotocopy/>
-                    </a14:imgEffect>
-                  </a14:imgLayer>
-                </a14:imgProps>
-              </a:ext>
-              <a:ext uri="{28A0092B-C50C-407E-A947-70E740481C1C}">
-                <a14:useLocalDpi xmlns:a14="http://schemas.microsoft.com/office/drawing/2010/main" val="0"/>
-              </a:ext>
-            </a:extLst>
-          </a:blip>
-          <a:stretch>
-            <a:fillRect/>
-          </a:stretch>
-        </p:blipFill>
-        <p:spPr>
-          <a:xfrm>
-            <a:off x="830337" y="3921258"/>
-            <a:ext cx="1103154" cy="1103154"/>
-          </a:xfrm>
-          <a:prstGeom prst="rect">
-            <a:avLst/>
-          </a:prstGeom>
-        </p:spPr>
-      </p:pic>
-      <p:pic>
-        <p:nvPicPr>
-          <p:cNvPr id="8" name="Рисунок 7">
-            <a:extLst>
-              <a:ext uri="{FF2B5EF4-FFF2-40B4-BE49-F238E27FC236}">
-                <a16:creationId xmlns:a16="http://schemas.microsoft.com/office/drawing/2014/main" id="{2224DBC1-0D60-4FE9-B22E-2CB67C875485}"/>
-              </a:ext>
-            </a:extLst>
-          </p:cNvPr>
-          <p:cNvPicPr>
-            <a:picLocks noChangeAspect="1"/>
-          </p:cNvPicPr>
-          <p:nvPr/>
-        </p:nvPicPr>
-        <p:blipFill>
-          <a:blip r:embed="rId8" cstate="print">
-            <a:duotone>
-              <a:prstClr val="black"/>
-              <a:srgbClr val="7F39FB">
-                <a:tint val="45000"/>
-                <a:satMod val="400000"/>
-              </a:srgbClr>
-            </a:duotone>
-            <a:extLst>
-              <a:ext uri="{BEBA8EAE-BF5A-486C-A8C5-ECC9F3942E4B}">
-                <a14:imgProps xmlns:a14="http://schemas.microsoft.com/office/drawing/2010/main">
-                  <a14:imgLayer r:embed="rId9">
-                    <a14:imgEffect>
-                      <a14:artisticPhotocopy/>
-                    </a14:imgEffect>
-                  </a14:imgLayer>
-                </a14:imgProps>
-              </a:ext>
-              <a:ext uri="{28A0092B-C50C-407E-A947-70E740481C1C}">
-                <a14:useLocalDpi xmlns:a14="http://schemas.microsoft.com/office/drawing/2010/main" val="0"/>
-              </a:ext>
-            </a:extLst>
-          </a:blip>
-          <a:stretch>
-            <a:fillRect/>
-          </a:stretch>
-        </p:blipFill>
-        <p:spPr>
-          <a:xfrm>
-            <a:off x="6375760" y="3693338"/>
-            <a:ext cx="1103153" cy="1103153"/>
-          </a:xfrm>
-          <a:prstGeom prst="rect">
-            <a:avLst/>
-          </a:prstGeom>
-        </p:spPr>
-      </p:pic>
-      <p:pic>
-        <p:nvPicPr>
-          <p:cNvPr id="31" name="Рисунок 30">
-            <a:extLst>
-              <a:ext uri="{FF2B5EF4-FFF2-40B4-BE49-F238E27FC236}">
-                <a16:creationId xmlns:a16="http://schemas.microsoft.com/office/drawing/2014/main" id="{F3E1230D-2654-46EB-BFB3-2D6B9B17C9AC}"/>
-              </a:ext>
-            </a:extLst>
-          </p:cNvPr>
-          <p:cNvPicPr>
-            <a:picLocks noChangeAspect="1"/>
-          </p:cNvPicPr>
-          <p:nvPr/>
-        </p:nvPicPr>
-        <p:blipFill>
-          <a:blip r:embed="rId10" cstate="print">
-            <a:duotone>
-              <a:prstClr val="black"/>
-              <a:srgbClr val="7F39FB">
-                <a:tint val="45000"/>
-                <a:satMod val="400000"/>
-              </a:srgbClr>
-            </a:duotone>
-            <a:extLst>
-              <a:ext uri="{BEBA8EAE-BF5A-486C-A8C5-ECC9F3942E4B}">
-                <a14:imgProps xmlns:a14="http://schemas.microsoft.com/office/drawing/2010/main">
-                  <a14:imgLayer r:embed="rId11">
-                    <a14:imgEffect>
-                      <a14:artisticPhotocopy/>
-                    </a14:imgEffect>
-                  </a14:imgLayer>
-                </a14:imgProps>
-              </a:ext>
-              <a:ext uri="{28A0092B-C50C-407E-A947-70E740481C1C}">
-                <a14:useLocalDpi xmlns:a14="http://schemas.microsoft.com/office/drawing/2010/main" val="0"/>
-              </a:ext>
-            </a:extLst>
-          </a:blip>
-          <a:stretch>
-            <a:fillRect/>
-          </a:stretch>
-        </p:blipFill>
-        <p:spPr>
-          <a:xfrm>
-            <a:off x="6439959" y="2252070"/>
-            <a:ext cx="1103153" cy="1103153"/>
-          </a:xfrm>
-          <a:prstGeom prst="rect">
-            <a:avLst/>
-          </a:prstGeom>
-        </p:spPr>
-      </p:pic>
-      <p:pic>
-        <p:nvPicPr>
-          <p:cNvPr id="33" name="Рисунок 32">
-            <a:extLst>
-              <a:ext uri="{FF2B5EF4-FFF2-40B4-BE49-F238E27FC236}">
-                <a16:creationId xmlns:a16="http://schemas.microsoft.com/office/drawing/2014/main" id="{23D6CE3C-D858-41DE-8540-BDC7DAFEEC90}"/>
-              </a:ext>
-            </a:extLst>
-          </p:cNvPr>
-          <p:cNvPicPr>
-            <a:picLocks noChangeAspect="1"/>
-          </p:cNvPicPr>
-          <p:nvPr/>
-        </p:nvPicPr>
-        <p:blipFill>
-          <a:blip r:embed="rId12" cstate="print">
-            <a:duotone>
-              <a:prstClr val="black"/>
-              <a:srgbClr val="7F39FB">
-                <a:tint val="45000"/>
-                <a:satMod val="400000"/>
-              </a:srgbClr>
-            </a:duotone>
-            <a:extLst>
-              <a:ext uri="{BEBA8EAE-BF5A-486C-A8C5-ECC9F3942E4B}">
-                <a14:imgProps xmlns:a14="http://schemas.microsoft.com/office/drawing/2010/main">
-                  <a14:imgLayer r:embed="rId13">
-                    <a14:imgEffect>
-                      <a14:artisticPhotocopy/>
-                    </a14:imgEffect>
-                  </a14:imgLayer>
-                </a14:imgProps>
-              </a:ext>
-              <a:ext uri="{28A0092B-C50C-407E-A947-70E740481C1C}">
-                <a14:useLocalDpi xmlns:a14="http://schemas.microsoft.com/office/drawing/2010/main" val="0"/>
-              </a:ext>
-            </a:extLst>
-          </a:blip>
-          <a:stretch>
-            <a:fillRect/>
-          </a:stretch>
-        </p:blipFill>
-        <p:spPr>
-          <a:xfrm>
-            <a:off x="6375760" y="5232842"/>
-            <a:ext cx="1103152" cy="1103152"/>
-          </a:xfrm>
-          <a:prstGeom prst="rect">
-            <a:avLst/>
-          </a:prstGeom>
-        </p:spPr>
-      </p:pic>
-      <p:pic>
-        <p:nvPicPr>
-          <p:cNvPr id="4" name="Рисунок 3">
-            <a:extLst>
-              <a:ext uri="{FF2B5EF4-FFF2-40B4-BE49-F238E27FC236}">
-                <a16:creationId xmlns:a16="http://schemas.microsoft.com/office/drawing/2014/main" id="{64882A2A-8441-41AB-BEF5-9847DDC307B7}"/>
-              </a:ext>
-            </a:extLst>
-          </p:cNvPr>
-          <p:cNvPicPr>
-            <a:picLocks noChangeAspect="1"/>
-          </p:cNvPicPr>
-          <p:nvPr/>
-        </p:nvPicPr>
-        <p:blipFill>
-          <a:blip r:embed="rId14" cstate="print">
-            <a:duotone>
-              <a:prstClr val="black"/>
-              <a:srgbClr val="7F39FB">
-                <a:tint val="45000"/>
-                <a:satMod val="400000"/>
-              </a:srgbClr>
-            </a:duotone>
-            <a:extLst>
-              <a:ext uri="{BEBA8EAE-BF5A-486C-A8C5-ECC9F3942E4B}">
-                <a14:imgProps xmlns:a14="http://schemas.microsoft.com/office/drawing/2010/main">
-                  <a14:imgLayer r:embed="rId15">
-                    <a14:imgEffect>
-                      <a14:artisticPhotocopy/>
-                    </a14:imgEffect>
-                  </a14:imgLayer>
-                </a14:imgProps>
-              </a:ext>
-              <a:ext uri="{28A0092B-C50C-407E-A947-70E740481C1C}">
-                <a14:useLocalDpi xmlns:a14="http://schemas.microsoft.com/office/drawing/2010/main" val="0"/>
-              </a:ext>
-            </a:extLst>
-          </a:blip>
-          <a:stretch>
-            <a:fillRect/>
-          </a:stretch>
-        </p:blipFill>
-        <p:spPr>
-          <a:xfrm>
-            <a:off x="779409" y="2328802"/>
-            <a:ext cx="1205010" cy="1205010"/>
-          </a:xfrm>
-          <a:prstGeom prst="rect">
-            <a:avLst/>
-          </a:prstGeom>
-        </p:spPr>
-      </p:pic>
-      <p:sp>
-        <p:nvSpPr>
-          <p:cNvPr id="22" name="Подзаголовок 2">
-            <a:extLst>
-              <a:ext uri="{FF2B5EF4-FFF2-40B4-BE49-F238E27FC236}">
-                <a16:creationId xmlns:a16="http://schemas.microsoft.com/office/drawing/2014/main" id="{C44FD1D1-C37F-4D5C-8D9D-39AD811F2940}"/>
-              </a:ext>
-            </a:extLst>
-          </p:cNvPr>
-          <p:cNvSpPr txBox="1">
-            <a:spLocks/>
-          </p:cNvSpPr>
-          <p:nvPr/>
-        </p:nvSpPr>
-        <p:spPr>
-          <a:xfrm>
-            <a:off x="2270262" y="2670209"/>
-            <a:ext cx="3221324" cy="946696"/>
-          </a:xfrm>
-          <a:prstGeom prst="rect">
-            <a:avLst/>
-          </a:prstGeom>
-          <a:solidFill>
-            <a:srgbClr val="121212">
-              <a:alpha val="0"/>
-            </a:srgbClr>
-          </a:solidFill>
-        </p:spPr>
-        <p:txBody>
-          <a:bodyPr>
-            <a:normAutofit/>
-          </a:bodyPr>
-          <a:lstStyle>
-            <a:lvl1pPr marL="228600" indent="-228600" algn="l" defTabSz="914400" rtl="0" eaLnBrk="1" latinLnBrk="0" hangingPunct="1">
-              <a:lnSpc>
-                <a:spcPct val="90000"/>
-              </a:lnSpc>
-              <a:spcBef>
-                <a:spcPts val="1000"/>
-              </a:spcBef>
-              <a:buFont typeface="Arial" panose="020B0604020202020204" pitchFamily="34" charset="0"/>
-              <a:buChar char="•"/>
-              <a:defRPr sz="2800" kern="1200">
-                <a:solidFill>
-                  <a:schemeClr val="tx1"/>
-                </a:solidFill>
-                <a:latin typeface="+mn-lt"/>
-                <a:ea typeface="+mn-ea"/>
-                <a:cs typeface="+mn-cs"/>
-              </a:defRPr>
-            </a:lvl1pPr>
-            <a:lvl2pPr marL="685800" indent="-228600" algn="l" defTabSz="914400" rtl="0" eaLnBrk="1" latinLnBrk="0" hangingPunct="1">
-              <a:lnSpc>
-                <a:spcPct val="90000"/>
-              </a:lnSpc>
-              <a:spcBef>
-                <a:spcPts val="500"/>
-              </a:spcBef>
-              <a:buFont typeface="Arial" panose="020B0604020202020204" pitchFamily="34" charset="0"/>
-              <a:buChar char="•"/>
-              <a:defRPr sz="2400" kern="1200">
-                <a:solidFill>
-                  <a:schemeClr val="tx1"/>
-                </a:solidFill>
-                <a:latin typeface="+mn-lt"/>
-                <a:ea typeface="+mn-ea"/>
-                <a:cs typeface="+mn-cs"/>
-              </a:defRPr>
-            </a:lvl2pPr>
-            <a:lvl3pPr marL="1143000" indent="-228600" algn="l" defTabSz="914400" rtl="0" eaLnBrk="1" latinLnBrk="0" hangingPunct="1">
-              <a:lnSpc>
-                <a:spcPct val="90000"/>
-              </a:lnSpc>
-              <a:spcBef>
-                <a:spcPts val="500"/>
-              </a:spcBef>
-              <a:buFont typeface="Arial" panose="020B0604020202020204" pitchFamily="34" charset="0"/>
-              <a:buChar char="•"/>
-              <a:defRPr sz="2000" kern="1200">
-                <a:solidFill>
-                  <a:schemeClr val="tx1"/>
-                </a:solidFill>
-                <a:latin typeface="+mn-lt"/>
-                <a:ea typeface="+mn-ea"/>
-                <a:cs typeface="+mn-cs"/>
-              </a:defRPr>
-            </a:lvl3pPr>
-            <a:lvl4pPr marL="1600200" indent="-228600" algn="l" defTabSz="914400" rtl="0" eaLnBrk="1" latinLnBrk="0" hangingPunct="1">
-              <a:lnSpc>
-                <a:spcPct val="90000"/>
-              </a:lnSpc>
-              <a:spcBef>
-                <a:spcPts val="500"/>
-              </a:spcBef>
-              <a:buFont typeface="Arial" panose="020B0604020202020204" pitchFamily="34" charset="0"/>
-              <a:buChar char="•"/>
-              <a:defRPr sz="1800" kern="1200">
-                <a:solidFill>
-                  <a:schemeClr val="tx1"/>
-                </a:solidFill>
-                <a:latin typeface="+mn-lt"/>
-                <a:ea typeface="+mn-ea"/>
-                <a:cs typeface="+mn-cs"/>
-              </a:defRPr>
-            </a:lvl4pPr>
-            <a:lvl5pPr marL="2057400" indent="-228600" algn="l" defTabSz="914400" rtl="0" eaLnBrk="1" latinLnBrk="0" hangingPunct="1">
-              <a:lnSpc>
-                <a:spcPct val="90000"/>
-              </a:lnSpc>
-              <a:spcBef>
-                <a:spcPts val="500"/>
-              </a:spcBef>
-              <a:buFont typeface="Arial" panose="020B0604020202020204" pitchFamily="34" charset="0"/>
-              <a:buChar char="•"/>
-              <a:defRPr sz="1800" kern="1200">
-                <a:solidFill>
-                  <a:schemeClr val="tx1"/>
-                </a:solidFill>
-                <a:latin typeface="+mn-lt"/>
-                <a:ea typeface="+mn-ea"/>
-                <a:cs typeface="+mn-cs"/>
-              </a:defRPr>
-            </a:lvl5pPr>
-            <a:lvl6pPr marL="2514600" indent="-228600" algn="l" defTabSz="914400" rtl="0" eaLnBrk="1" latinLnBrk="0" hangingPunct="1">
-              <a:lnSpc>
-                <a:spcPct val="90000"/>
-              </a:lnSpc>
-              <a:spcBef>
-                <a:spcPts val="500"/>
-              </a:spcBef>
-              <a:buFont typeface="Arial" panose="020B0604020202020204" pitchFamily="34" charset="0"/>
-              <a:buChar char="•"/>
-              <a:defRPr sz="1800" kern="1200">
-                <a:solidFill>
-                  <a:schemeClr val="tx1"/>
-                </a:solidFill>
-                <a:latin typeface="+mn-lt"/>
-                <a:ea typeface="+mn-ea"/>
-                <a:cs typeface="+mn-cs"/>
-              </a:defRPr>
-            </a:lvl6pPr>
-            <a:lvl7pPr marL="2971800" indent="-228600" algn="l" defTabSz="914400" rtl="0" eaLnBrk="1" latinLnBrk="0" hangingPunct="1">
-              <a:lnSpc>
-                <a:spcPct val="90000"/>
-              </a:lnSpc>
-              <a:spcBef>
-                <a:spcPts val="500"/>
-              </a:spcBef>
-              <a:buFont typeface="Arial" panose="020B0604020202020204" pitchFamily="34" charset="0"/>
-              <a:buChar char="•"/>
-              <a:defRPr sz="1800" kern="1200">
-                <a:solidFill>
-                  <a:schemeClr val="tx1"/>
-                </a:solidFill>
-                <a:latin typeface="+mn-lt"/>
-                <a:ea typeface="+mn-ea"/>
-                <a:cs typeface="+mn-cs"/>
-              </a:defRPr>
-            </a:lvl7pPr>
-            <a:lvl8pPr marL="3429000" indent="-228600" algn="l" defTabSz="914400" rtl="0" eaLnBrk="1" latinLnBrk="0" hangingPunct="1">
-              <a:lnSpc>
-                <a:spcPct val="90000"/>
-              </a:lnSpc>
-              <a:spcBef>
-                <a:spcPts val="500"/>
-              </a:spcBef>
-              <a:buFont typeface="Arial" panose="020B0604020202020204" pitchFamily="34" charset="0"/>
-              <a:buChar char="•"/>
-              <a:defRPr sz="1800" kern="1200">
-                <a:solidFill>
-                  <a:schemeClr val="tx1"/>
-                </a:solidFill>
-                <a:latin typeface="+mn-lt"/>
-                <a:ea typeface="+mn-ea"/>
-                <a:cs typeface="+mn-cs"/>
-              </a:defRPr>
-            </a:lvl8pPr>
-            <a:lvl9pPr marL="3886200" indent="-228600" algn="l" defTabSz="914400" rtl="0" eaLnBrk="1" latinLnBrk="0" hangingPunct="1">
-              <a:lnSpc>
-                <a:spcPct val="90000"/>
-              </a:lnSpc>
-              <a:spcBef>
-                <a:spcPts val="500"/>
-              </a:spcBef>
-              <a:buFont typeface="Arial" panose="020B0604020202020204" pitchFamily="34" charset="0"/>
-              <a:buChar char="•"/>
-              <a:defRPr sz="1800" kern="1200">
-                <a:solidFill>
-                  <a:schemeClr val="tx1"/>
-                </a:solidFill>
-                <a:latin typeface="+mn-lt"/>
-                <a:ea typeface="+mn-ea"/>
-                <a:cs typeface="+mn-cs"/>
-              </a:defRPr>
-            </a:lvl9pPr>
-          </a:lstStyle>
-          <a:p>
-            <a:pPr marL="0" indent="0">
-              <a:buClr>
-                <a:srgbClr val="7F39FB"/>
-              </a:buClr>
-              <a:buSzPct val="100000"/>
-              <a:buNone/>
-            </a:pPr>
-            <a:r>
-              <a:rPr lang="ru-RU" dirty="0">
-                <a:solidFill>
-                  <a:schemeClr val="bg1">
-                    <a:lumMod val="85000"/>
-                  </a:schemeClr>
-                </a:solidFill>
-                <a:latin typeface="VDS" panose="02000506000000020004" pitchFamily="2" charset="-52"/>
-                <a:cs typeface="Arial" panose="020B0604020202020204" pitchFamily="34" charset="0"/>
-              </a:rPr>
-              <a:t>Сбор команды</a:t>
-            </a:r>
-          </a:p>
-        </p:txBody>
-      </p:sp>
-      <p:sp>
-        <p:nvSpPr>
-          <p:cNvPr id="2" name="Подзаголовок 2">
-            <a:extLst>
-              <a:ext uri="{FF2B5EF4-FFF2-40B4-BE49-F238E27FC236}">
-                <a16:creationId xmlns:a16="http://schemas.microsoft.com/office/drawing/2014/main" id="{6D687397-D99D-26F8-7666-7F8A5F06537B}"/>
-              </a:ext>
-            </a:extLst>
-          </p:cNvPr>
-          <p:cNvSpPr txBox="1">
-            <a:spLocks/>
-          </p:cNvSpPr>
-          <p:nvPr/>
-        </p:nvSpPr>
-        <p:spPr>
-          <a:xfrm>
-            <a:off x="711682" y="1382106"/>
-            <a:ext cx="3221324" cy="946696"/>
-          </a:xfrm>
-          <a:prstGeom prst="rect">
-            <a:avLst/>
-          </a:prstGeom>
-          <a:solidFill>
-            <a:srgbClr val="121212">
-              <a:alpha val="0"/>
-            </a:srgbClr>
-          </a:solidFill>
-        </p:spPr>
-        <p:txBody>
-          <a:bodyPr>
-            <a:normAutofit/>
-          </a:bodyPr>
-          <a:lstStyle>
-            <a:lvl1pPr marL="228600" indent="-228600" algn="l" defTabSz="914400" rtl="0" eaLnBrk="1" latinLnBrk="0" hangingPunct="1">
-              <a:lnSpc>
-                <a:spcPct val="90000"/>
-              </a:lnSpc>
-              <a:spcBef>
-                <a:spcPts val="1000"/>
-              </a:spcBef>
-              <a:buFont typeface="Arial" panose="020B0604020202020204" pitchFamily="34" charset="0"/>
-              <a:buChar char="•"/>
-              <a:defRPr sz="2800" kern="1200">
-                <a:solidFill>
-                  <a:schemeClr val="tx1"/>
-                </a:solidFill>
-                <a:latin typeface="+mn-lt"/>
-                <a:ea typeface="+mn-ea"/>
-                <a:cs typeface="+mn-cs"/>
-              </a:defRPr>
-            </a:lvl1pPr>
-            <a:lvl2pPr marL="685800" indent="-228600" algn="l" defTabSz="914400" rtl="0" eaLnBrk="1" latinLnBrk="0" hangingPunct="1">
-              <a:lnSpc>
-                <a:spcPct val="90000"/>
-              </a:lnSpc>
-              <a:spcBef>
-                <a:spcPts val="500"/>
-              </a:spcBef>
-              <a:buFont typeface="Arial" panose="020B0604020202020204" pitchFamily="34" charset="0"/>
-              <a:buChar char="•"/>
-              <a:defRPr sz="2400" kern="1200">
-                <a:solidFill>
-                  <a:schemeClr val="tx1"/>
-                </a:solidFill>
-                <a:latin typeface="+mn-lt"/>
-                <a:ea typeface="+mn-ea"/>
-                <a:cs typeface="+mn-cs"/>
-              </a:defRPr>
-            </a:lvl2pPr>
-            <a:lvl3pPr marL="1143000" indent="-228600" algn="l" defTabSz="914400" rtl="0" eaLnBrk="1" latinLnBrk="0" hangingPunct="1">
-              <a:lnSpc>
-                <a:spcPct val="90000"/>
-              </a:lnSpc>
-              <a:spcBef>
-                <a:spcPts val="500"/>
-              </a:spcBef>
-              <a:buFont typeface="Arial" panose="020B0604020202020204" pitchFamily="34" charset="0"/>
-              <a:buChar char="•"/>
-              <a:defRPr sz="2000" kern="1200">
-                <a:solidFill>
-                  <a:schemeClr val="tx1"/>
-                </a:solidFill>
-                <a:latin typeface="+mn-lt"/>
-                <a:ea typeface="+mn-ea"/>
-                <a:cs typeface="+mn-cs"/>
-              </a:defRPr>
-            </a:lvl3pPr>
-            <a:lvl4pPr marL="1600200" indent="-228600" algn="l" defTabSz="914400" rtl="0" eaLnBrk="1" latinLnBrk="0" hangingPunct="1">
-              <a:lnSpc>
-                <a:spcPct val="90000"/>
-              </a:lnSpc>
-              <a:spcBef>
-                <a:spcPts val="500"/>
-              </a:spcBef>
-              <a:buFont typeface="Arial" panose="020B0604020202020204" pitchFamily="34" charset="0"/>
-              <a:buChar char="•"/>
-              <a:defRPr sz="1800" kern="1200">
-                <a:solidFill>
-                  <a:schemeClr val="tx1"/>
-                </a:solidFill>
-                <a:latin typeface="+mn-lt"/>
-                <a:ea typeface="+mn-ea"/>
-                <a:cs typeface="+mn-cs"/>
-              </a:defRPr>
-            </a:lvl4pPr>
-            <a:lvl5pPr marL="2057400" indent="-228600" algn="l" defTabSz="914400" rtl="0" eaLnBrk="1" latinLnBrk="0" hangingPunct="1">
-              <a:lnSpc>
-                <a:spcPct val="90000"/>
-              </a:lnSpc>
-              <a:spcBef>
-                <a:spcPts val="500"/>
-              </a:spcBef>
-              <a:buFont typeface="Arial" panose="020B0604020202020204" pitchFamily="34" charset="0"/>
-              <a:buChar char="•"/>
-              <a:defRPr sz="1800" kern="1200">
-                <a:solidFill>
-                  <a:schemeClr val="tx1"/>
-                </a:solidFill>
-                <a:latin typeface="+mn-lt"/>
-                <a:ea typeface="+mn-ea"/>
-                <a:cs typeface="+mn-cs"/>
-              </a:defRPr>
-            </a:lvl5pPr>
-            <a:lvl6pPr marL="2514600" indent="-228600" algn="l" defTabSz="914400" rtl="0" eaLnBrk="1" latinLnBrk="0" hangingPunct="1">
-              <a:lnSpc>
-                <a:spcPct val="90000"/>
-              </a:lnSpc>
-              <a:spcBef>
-                <a:spcPts val="500"/>
-              </a:spcBef>
-              <a:buFont typeface="Arial" panose="020B0604020202020204" pitchFamily="34" charset="0"/>
-              <a:buChar char="•"/>
-              <a:defRPr sz="1800" kern="1200">
-                <a:solidFill>
-                  <a:schemeClr val="tx1"/>
-                </a:solidFill>
-                <a:latin typeface="+mn-lt"/>
-                <a:ea typeface="+mn-ea"/>
-                <a:cs typeface="+mn-cs"/>
-              </a:defRPr>
-            </a:lvl6pPr>
-            <a:lvl7pPr marL="2971800" indent="-228600" algn="l" defTabSz="914400" rtl="0" eaLnBrk="1" latinLnBrk="0" hangingPunct="1">
-              <a:lnSpc>
-                <a:spcPct val="90000"/>
-              </a:lnSpc>
-              <a:spcBef>
-                <a:spcPts val="500"/>
-              </a:spcBef>
-              <a:buFont typeface="Arial" panose="020B0604020202020204" pitchFamily="34" charset="0"/>
-              <a:buChar char="•"/>
-              <a:defRPr sz="1800" kern="1200">
-                <a:solidFill>
-                  <a:schemeClr val="tx1"/>
-                </a:solidFill>
-                <a:latin typeface="+mn-lt"/>
-                <a:ea typeface="+mn-ea"/>
-                <a:cs typeface="+mn-cs"/>
-              </a:defRPr>
-            </a:lvl7pPr>
-            <a:lvl8pPr marL="3429000" indent="-228600" algn="l" defTabSz="914400" rtl="0" eaLnBrk="1" latinLnBrk="0" hangingPunct="1">
-              <a:lnSpc>
-                <a:spcPct val="90000"/>
-              </a:lnSpc>
-              <a:spcBef>
-                <a:spcPts val="500"/>
-              </a:spcBef>
-              <a:buFont typeface="Arial" panose="020B0604020202020204" pitchFamily="34" charset="0"/>
-              <a:buChar char="•"/>
-              <a:defRPr sz="1800" kern="1200">
-                <a:solidFill>
-                  <a:schemeClr val="tx1"/>
-                </a:solidFill>
-                <a:latin typeface="+mn-lt"/>
-                <a:ea typeface="+mn-ea"/>
-                <a:cs typeface="+mn-cs"/>
-              </a:defRPr>
-            </a:lvl8pPr>
-            <a:lvl9pPr marL="3886200" indent="-228600" algn="l" defTabSz="914400" rtl="0" eaLnBrk="1" latinLnBrk="0" hangingPunct="1">
-              <a:lnSpc>
-                <a:spcPct val="90000"/>
-              </a:lnSpc>
-              <a:spcBef>
-                <a:spcPts val="500"/>
-              </a:spcBef>
-              <a:buFont typeface="Arial" panose="020B0604020202020204" pitchFamily="34" charset="0"/>
-              <a:buChar char="•"/>
-              <a:defRPr sz="1800" kern="1200">
-                <a:solidFill>
-                  <a:schemeClr val="tx1"/>
-                </a:solidFill>
-                <a:latin typeface="+mn-lt"/>
-                <a:ea typeface="+mn-ea"/>
-                <a:cs typeface="+mn-cs"/>
-              </a:defRPr>
-            </a:lvl9pPr>
-          </a:lstStyle>
-          <a:p>
-            <a:pPr marL="0" indent="0">
-              <a:buClr>
-                <a:srgbClr val="7F39FB"/>
-              </a:buClr>
-              <a:buSzPct val="100000"/>
-              <a:buNone/>
-            </a:pPr>
-            <a:r>
-              <a:rPr lang="ru-RU" dirty="0">
-                <a:solidFill>
-                  <a:schemeClr val="bg1">
-                    <a:lumMod val="85000"/>
-                  </a:schemeClr>
-                </a:solidFill>
-                <a:latin typeface="VDS" panose="02000506000000020004" pitchFamily="2" charset="-52"/>
-                <a:cs typeface="Arial" panose="020B0604020202020204" pitchFamily="34" charset="0"/>
-              </a:rPr>
-              <a:t>Для студентов:</a:t>
-            </a:r>
-          </a:p>
-        </p:txBody>
-      </p:sp>
-      <p:sp>
-        <p:nvSpPr>
-          <p:cNvPr id="6" name="Подзаголовок 2">
-            <a:extLst>
-              <a:ext uri="{FF2B5EF4-FFF2-40B4-BE49-F238E27FC236}">
-                <a16:creationId xmlns:a16="http://schemas.microsoft.com/office/drawing/2014/main" id="{7F33579F-0DD0-9C02-7668-DA3B9A57BCF8}"/>
-              </a:ext>
-            </a:extLst>
-          </p:cNvPr>
-          <p:cNvSpPr txBox="1">
-            <a:spLocks/>
-          </p:cNvSpPr>
-          <p:nvPr/>
-        </p:nvSpPr>
-        <p:spPr>
-          <a:xfrm>
-            <a:off x="6439959" y="1382106"/>
-            <a:ext cx="4495670" cy="946696"/>
-          </a:xfrm>
-          <a:prstGeom prst="rect">
-            <a:avLst/>
-          </a:prstGeom>
-          <a:solidFill>
-            <a:srgbClr val="121212">
-              <a:alpha val="0"/>
-            </a:srgbClr>
-          </a:solidFill>
-        </p:spPr>
-        <p:txBody>
-          <a:bodyPr>
-            <a:normAutofit/>
-          </a:bodyPr>
-          <a:lstStyle>
-            <a:lvl1pPr marL="228600" indent="-228600" algn="l" defTabSz="914400" rtl="0" eaLnBrk="1" latinLnBrk="0" hangingPunct="1">
-              <a:lnSpc>
-                <a:spcPct val="90000"/>
-              </a:lnSpc>
-              <a:spcBef>
-                <a:spcPts val="1000"/>
-              </a:spcBef>
-              <a:buFont typeface="Arial" panose="020B0604020202020204" pitchFamily="34" charset="0"/>
-              <a:buChar char="•"/>
-              <a:defRPr sz="2800" kern="1200">
-                <a:solidFill>
-                  <a:schemeClr val="tx1"/>
-                </a:solidFill>
-                <a:latin typeface="+mn-lt"/>
-                <a:ea typeface="+mn-ea"/>
-                <a:cs typeface="+mn-cs"/>
-              </a:defRPr>
-            </a:lvl1pPr>
-            <a:lvl2pPr marL="685800" indent="-228600" algn="l" defTabSz="914400" rtl="0" eaLnBrk="1" latinLnBrk="0" hangingPunct="1">
-              <a:lnSpc>
-                <a:spcPct val="90000"/>
-              </a:lnSpc>
-              <a:spcBef>
-                <a:spcPts val="500"/>
-              </a:spcBef>
-              <a:buFont typeface="Arial" panose="020B0604020202020204" pitchFamily="34" charset="0"/>
-              <a:buChar char="•"/>
-              <a:defRPr sz="2400" kern="1200">
-                <a:solidFill>
-                  <a:schemeClr val="tx1"/>
-                </a:solidFill>
-                <a:latin typeface="+mn-lt"/>
-                <a:ea typeface="+mn-ea"/>
-                <a:cs typeface="+mn-cs"/>
-              </a:defRPr>
-            </a:lvl2pPr>
-            <a:lvl3pPr marL="1143000" indent="-228600" algn="l" defTabSz="914400" rtl="0" eaLnBrk="1" latinLnBrk="0" hangingPunct="1">
-              <a:lnSpc>
-                <a:spcPct val="90000"/>
-              </a:lnSpc>
-              <a:spcBef>
-                <a:spcPts val="500"/>
-              </a:spcBef>
-              <a:buFont typeface="Arial" panose="020B0604020202020204" pitchFamily="34" charset="0"/>
-              <a:buChar char="•"/>
-              <a:defRPr sz="2000" kern="1200">
-                <a:solidFill>
-                  <a:schemeClr val="tx1"/>
-                </a:solidFill>
-                <a:latin typeface="+mn-lt"/>
-                <a:ea typeface="+mn-ea"/>
-                <a:cs typeface="+mn-cs"/>
-              </a:defRPr>
-            </a:lvl3pPr>
-            <a:lvl4pPr marL="1600200" indent="-228600" algn="l" defTabSz="914400" rtl="0" eaLnBrk="1" latinLnBrk="0" hangingPunct="1">
-              <a:lnSpc>
-                <a:spcPct val="90000"/>
-              </a:lnSpc>
-              <a:spcBef>
-                <a:spcPts val="500"/>
-              </a:spcBef>
-              <a:buFont typeface="Arial" panose="020B0604020202020204" pitchFamily="34" charset="0"/>
-              <a:buChar char="•"/>
-              <a:defRPr sz="1800" kern="1200">
-                <a:solidFill>
-                  <a:schemeClr val="tx1"/>
-                </a:solidFill>
-                <a:latin typeface="+mn-lt"/>
-                <a:ea typeface="+mn-ea"/>
-                <a:cs typeface="+mn-cs"/>
-              </a:defRPr>
-            </a:lvl4pPr>
-            <a:lvl5pPr marL="2057400" indent="-228600" algn="l" defTabSz="914400" rtl="0" eaLnBrk="1" latinLnBrk="0" hangingPunct="1">
-              <a:lnSpc>
-                <a:spcPct val="90000"/>
-              </a:lnSpc>
-              <a:spcBef>
-                <a:spcPts val="500"/>
-              </a:spcBef>
-              <a:buFont typeface="Arial" panose="020B0604020202020204" pitchFamily="34" charset="0"/>
-              <a:buChar char="•"/>
-              <a:defRPr sz="1800" kern="1200">
-                <a:solidFill>
-                  <a:schemeClr val="tx1"/>
-                </a:solidFill>
-                <a:latin typeface="+mn-lt"/>
-                <a:ea typeface="+mn-ea"/>
-                <a:cs typeface="+mn-cs"/>
-              </a:defRPr>
-            </a:lvl5pPr>
-            <a:lvl6pPr marL="2514600" indent="-228600" algn="l" defTabSz="914400" rtl="0" eaLnBrk="1" latinLnBrk="0" hangingPunct="1">
-              <a:lnSpc>
-                <a:spcPct val="90000"/>
-              </a:lnSpc>
-              <a:spcBef>
-                <a:spcPts val="500"/>
-              </a:spcBef>
-              <a:buFont typeface="Arial" panose="020B0604020202020204" pitchFamily="34" charset="0"/>
-              <a:buChar char="•"/>
-              <a:defRPr sz="1800" kern="1200">
-                <a:solidFill>
-                  <a:schemeClr val="tx1"/>
-                </a:solidFill>
-                <a:latin typeface="+mn-lt"/>
-                <a:ea typeface="+mn-ea"/>
-                <a:cs typeface="+mn-cs"/>
-              </a:defRPr>
-            </a:lvl6pPr>
-            <a:lvl7pPr marL="2971800" indent="-228600" algn="l" defTabSz="914400" rtl="0" eaLnBrk="1" latinLnBrk="0" hangingPunct="1">
-              <a:lnSpc>
-                <a:spcPct val="90000"/>
-              </a:lnSpc>
-              <a:spcBef>
-                <a:spcPts val="500"/>
-              </a:spcBef>
-              <a:buFont typeface="Arial" panose="020B0604020202020204" pitchFamily="34" charset="0"/>
-              <a:buChar char="•"/>
-              <a:defRPr sz="1800" kern="1200">
-                <a:solidFill>
-                  <a:schemeClr val="tx1"/>
-                </a:solidFill>
-                <a:latin typeface="+mn-lt"/>
-                <a:ea typeface="+mn-ea"/>
-                <a:cs typeface="+mn-cs"/>
-              </a:defRPr>
-            </a:lvl7pPr>
-            <a:lvl8pPr marL="3429000" indent="-228600" algn="l" defTabSz="914400" rtl="0" eaLnBrk="1" latinLnBrk="0" hangingPunct="1">
-              <a:lnSpc>
-                <a:spcPct val="90000"/>
-              </a:lnSpc>
-              <a:spcBef>
-                <a:spcPts val="500"/>
-              </a:spcBef>
-              <a:buFont typeface="Arial" panose="020B0604020202020204" pitchFamily="34" charset="0"/>
-              <a:buChar char="•"/>
-              <a:defRPr sz="1800" kern="1200">
-                <a:solidFill>
-                  <a:schemeClr val="tx1"/>
-                </a:solidFill>
-                <a:latin typeface="+mn-lt"/>
-                <a:ea typeface="+mn-ea"/>
-                <a:cs typeface="+mn-cs"/>
-              </a:defRPr>
-            </a:lvl8pPr>
-            <a:lvl9pPr marL="3886200" indent="-228600" algn="l" defTabSz="914400" rtl="0" eaLnBrk="1" latinLnBrk="0" hangingPunct="1">
-              <a:lnSpc>
-                <a:spcPct val="90000"/>
-              </a:lnSpc>
-              <a:spcBef>
-                <a:spcPts val="500"/>
-              </a:spcBef>
-              <a:buFont typeface="Arial" panose="020B0604020202020204" pitchFamily="34" charset="0"/>
-              <a:buChar char="•"/>
-              <a:defRPr sz="1800" kern="1200">
-                <a:solidFill>
-                  <a:schemeClr val="tx1"/>
-                </a:solidFill>
-                <a:latin typeface="+mn-lt"/>
-                <a:ea typeface="+mn-ea"/>
-                <a:cs typeface="+mn-cs"/>
-              </a:defRPr>
-            </a:lvl9pPr>
-          </a:lstStyle>
-          <a:p>
-            <a:pPr marL="0" indent="0">
-              <a:buClr>
-                <a:srgbClr val="7F39FB"/>
-              </a:buClr>
-              <a:buSzPct val="100000"/>
-              <a:buNone/>
-            </a:pPr>
-            <a:r>
-              <a:rPr lang="ru-RU" dirty="0">
-                <a:solidFill>
-                  <a:schemeClr val="bg1">
-                    <a:lumMod val="85000"/>
-                  </a:schemeClr>
-                </a:solidFill>
-                <a:latin typeface="VDS" panose="02000506000000020004" pitchFamily="2" charset="-52"/>
-                <a:cs typeface="Arial" panose="020B0604020202020204" pitchFamily="34" charset="0"/>
-              </a:rPr>
-              <a:t>Для предпринимателей:</a:t>
-            </a:r>
-          </a:p>
-        </p:txBody>
-      </p:sp>
-    </p:spTree>
-    <p:extLst>
-      <p:ext uri="{BB962C8B-B14F-4D97-AF65-F5344CB8AC3E}">
-        <p14:creationId xmlns:p14="http://schemas.microsoft.com/office/powerpoint/2010/main" val="239412443"/>
-      </p:ext>
-    </p:extLst>
-  </p:cSld>
-  <p:clrMapOvr>
-    <a:masterClrMapping/>
-  </p:clrMapOvr>
-</p:sld>
-</file>
-
-<file path=ppt/slides/slide8.xml><?xml version="1.0" encoding="utf-8"?>
-<p:sld xmlns:a="http://schemas.openxmlformats.org/drawingml/2006/main" xmlns:r="http://schemas.openxmlformats.org/officeDocument/2006/relationships" xmlns:p="http://schemas.openxmlformats.org/presentationml/2006/main">
-  <p:cSld>
-    <p:bg>
-      <p:bgPr>
-        <a:solidFill>
-          <a:srgbClr val="121212"/>
-        </a:solidFill>
-        <a:effectLst/>
-      </p:bgPr>
-    </p:bg>
-    <p:spTree>
-      <p:nvGrpSpPr>
-        <p:cNvPr id="1" name=""/>
-        <p:cNvGrpSpPr/>
-        <p:nvPr/>
-      </p:nvGrpSpPr>
-      <p:grpSpPr>
-        <a:xfrm>
-          <a:off x="0" y="0"/>
-          <a:ext cx="0" cy="0"/>
-          <a:chOff x="0" y="0"/>
-          <a:chExt cx="0" cy="0"/>
-        </a:xfrm>
-      </p:grpSpPr>
-      <p:sp>
-        <p:nvSpPr>
-          <p:cNvPr id="12" name="Подзаголовок 2">
-            <a:extLst>
-              <a:ext uri="{FF2B5EF4-FFF2-40B4-BE49-F238E27FC236}">
-                <a16:creationId xmlns:a16="http://schemas.microsoft.com/office/drawing/2014/main" id="{EE804BE5-7086-4725-9D8D-39ECD913A505}"/>
-              </a:ext>
-            </a:extLst>
-          </p:cNvPr>
-          <p:cNvSpPr txBox="1">
-            <a:spLocks/>
-          </p:cNvSpPr>
-          <p:nvPr/>
-        </p:nvSpPr>
-        <p:spPr>
-          <a:xfrm>
-            <a:off x="113926" y="443193"/>
-            <a:ext cx="6261834" cy="874319"/>
-          </a:xfrm>
-          <a:prstGeom prst="rect">
-            <a:avLst/>
-          </a:prstGeom>
-          <a:solidFill>
-            <a:srgbClr val="121212">
-              <a:alpha val="0"/>
-            </a:srgbClr>
-          </a:solidFill>
-        </p:spPr>
-        <p:txBody>
-          <a:bodyPr vert="horz" lIns="91440" tIns="45720" rIns="91440" bIns="45720" rtlCol="0">
-            <a:normAutofit fontScale="92500"/>
-          </a:bodyPr>
-          <a:lstStyle>
-            <a:lvl1pPr marL="0" indent="0" algn="ctr" defTabSz="914400" rtl="0" eaLnBrk="1" latinLnBrk="0" hangingPunct="1">
-              <a:lnSpc>
-                <a:spcPct val="90000"/>
-              </a:lnSpc>
-              <a:spcBef>
-                <a:spcPts val="1000"/>
-              </a:spcBef>
-              <a:buFont typeface="Arial" panose="020B0604020202020204" pitchFamily="34" charset="0"/>
-              <a:buNone/>
-              <a:defRPr sz="2400" kern="1200">
-                <a:solidFill>
-                  <a:schemeClr val="tx1"/>
-                </a:solidFill>
-                <a:latin typeface="+mn-lt"/>
-                <a:ea typeface="+mn-ea"/>
-                <a:cs typeface="+mn-cs"/>
-              </a:defRPr>
-            </a:lvl1pPr>
-            <a:lvl2pPr marL="457200" indent="0" algn="ctr" defTabSz="914400" rtl="0" eaLnBrk="1" latinLnBrk="0" hangingPunct="1">
-              <a:lnSpc>
-                <a:spcPct val="90000"/>
-              </a:lnSpc>
-              <a:spcBef>
-                <a:spcPts val="500"/>
-              </a:spcBef>
-              <a:buFont typeface="Arial" panose="020B0604020202020204" pitchFamily="34" charset="0"/>
-              <a:buNone/>
-              <a:defRPr sz="2000" kern="1200">
-                <a:solidFill>
-                  <a:schemeClr val="tx1"/>
-                </a:solidFill>
-                <a:latin typeface="+mn-lt"/>
-                <a:ea typeface="+mn-ea"/>
-                <a:cs typeface="+mn-cs"/>
-              </a:defRPr>
-            </a:lvl2pPr>
-            <a:lvl3pPr marL="914400" indent="0" algn="ctr" defTabSz="914400" rtl="0" eaLnBrk="1" latinLnBrk="0" hangingPunct="1">
-              <a:lnSpc>
-                <a:spcPct val="90000"/>
-              </a:lnSpc>
-              <a:spcBef>
-                <a:spcPts val="500"/>
-              </a:spcBef>
-              <a:buFont typeface="Arial" panose="020B0604020202020204" pitchFamily="34" charset="0"/>
-              <a:buNone/>
-              <a:defRPr sz="1800" kern="1200">
-                <a:solidFill>
-                  <a:schemeClr val="tx1"/>
-                </a:solidFill>
-                <a:latin typeface="+mn-lt"/>
-                <a:ea typeface="+mn-ea"/>
-                <a:cs typeface="+mn-cs"/>
-              </a:defRPr>
-            </a:lvl3pPr>
-            <a:lvl4pPr marL="1371600" indent="0" algn="ctr" defTabSz="914400" rtl="0" eaLnBrk="1" latinLnBrk="0" hangingPunct="1">
-              <a:lnSpc>
-                <a:spcPct val="90000"/>
-              </a:lnSpc>
-              <a:spcBef>
-                <a:spcPts val="500"/>
-              </a:spcBef>
-              <a:buFont typeface="Arial" panose="020B0604020202020204" pitchFamily="34" charset="0"/>
-              <a:buNone/>
-              <a:defRPr sz="1600" kern="1200">
-                <a:solidFill>
-                  <a:schemeClr val="tx1"/>
-                </a:solidFill>
-                <a:latin typeface="+mn-lt"/>
-                <a:ea typeface="+mn-ea"/>
-                <a:cs typeface="+mn-cs"/>
-              </a:defRPr>
-            </a:lvl4pPr>
-            <a:lvl5pPr marL="1828800" indent="0" algn="ctr" defTabSz="914400" rtl="0" eaLnBrk="1" latinLnBrk="0" hangingPunct="1">
-              <a:lnSpc>
-                <a:spcPct val="90000"/>
-              </a:lnSpc>
-              <a:spcBef>
-                <a:spcPts val="500"/>
-              </a:spcBef>
-              <a:buFont typeface="Arial" panose="020B0604020202020204" pitchFamily="34" charset="0"/>
-              <a:buNone/>
-              <a:defRPr sz="1600" kern="1200">
-                <a:solidFill>
-                  <a:schemeClr val="tx1"/>
-                </a:solidFill>
-                <a:latin typeface="+mn-lt"/>
-                <a:ea typeface="+mn-ea"/>
-                <a:cs typeface="+mn-cs"/>
-              </a:defRPr>
-            </a:lvl5pPr>
-            <a:lvl6pPr marL="2286000" indent="0" algn="ctr" defTabSz="914400" rtl="0" eaLnBrk="1" latinLnBrk="0" hangingPunct="1">
-              <a:lnSpc>
-                <a:spcPct val="90000"/>
-              </a:lnSpc>
-              <a:spcBef>
-                <a:spcPts val="500"/>
-              </a:spcBef>
-              <a:buFont typeface="Arial" panose="020B0604020202020204" pitchFamily="34" charset="0"/>
-              <a:buNone/>
-              <a:defRPr sz="1600" kern="1200">
-                <a:solidFill>
-                  <a:schemeClr val="tx1"/>
-                </a:solidFill>
-                <a:latin typeface="+mn-lt"/>
-                <a:ea typeface="+mn-ea"/>
-                <a:cs typeface="+mn-cs"/>
-              </a:defRPr>
-            </a:lvl6pPr>
-            <a:lvl7pPr marL="2743200" indent="0" algn="ctr" defTabSz="914400" rtl="0" eaLnBrk="1" latinLnBrk="0" hangingPunct="1">
-              <a:lnSpc>
-                <a:spcPct val="90000"/>
-              </a:lnSpc>
-              <a:spcBef>
-                <a:spcPts val="500"/>
-              </a:spcBef>
-              <a:buFont typeface="Arial" panose="020B0604020202020204" pitchFamily="34" charset="0"/>
-              <a:buNone/>
-              <a:defRPr sz="1600" kern="1200">
-                <a:solidFill>
-                  <a:schemeClr val="tx1"/>
-                </a:solidFill>
-                <a:latin typeface="+mn-lt"/>
-                <a:ea typeface="+mn-ea"/>
-                <a:cs typeface="+mn-cs"/>
-              </a:defRPr>
-            </a:lvl7pPr>
-            <a:lvl8pPr marL="3200400" indent="0" algn="ctr" defTabSz="914400" rtl="0" eaLnBrk="1" latinLnBrk="0" hangingPunct="1">
-              <a:lnSpc>
-                <a:spcPct val="90000"/>
-              </a:lnSpc>
-              <a:spcBef>
-                <a:spcPts val="500"/>
-              </a:spcBef>
-              <a:buFont typeface="Arial" panose="020B0604020202020204" pitchFamily="34" charset="0"/>
-              <a:buNone/>
-              <a:defRPr sz="1600" kern="1200">
-                <a:solidFill>
-                  <a:schemeClr val="tx1"/>
-                </a:solidFill>
-                <a:latin typeface="+mn-lt"/>
-                <a:ea typeface="+mn-ea"/>
-                <a:cs typeface="+mn-cs"/>
-              </a:defRPr>
-            </a:lvl8pPr>
-            <a:lvl9pPr marL="3657600" indent="0" algn="ctr" defTabSz="914400" rtl="0" eaLnBrk="1" latinLnBrk="0" hangingPunct="1">
-              <a:lnSpc>
-                <a:spcPct val="90000"/>
-              </a:lnSpc>
-              <a:spcBef>
-                <a:spcPts val="500"/>
-              </a:spcBef>
-              <a:buFont typeface="Arial" panose="020B0604020202020204" pitchFamily="34" charset="0"/>
-              <a:buNone/>
-              <a:defRPr sz="1600" kern="1200">
-                <a:solidFill>
-                  <a:schemeClr val="tx1"/>
-                </a:solidFill>
-                <a:latin typeface="+mn-lt"/>
-                <a:ea typeface="+mn-ea"/>
-                <a:cs typeface="+mn-cs"/>
-              </a:defRPr>
-            </a:lvl9pPr>
-          </a:lstStyle>
-          <a:p>
-            <a:pPr algn="l"/>
-            <a:r>
-              <a:rPr lang="ru-RU" sz="4400" dirty="0">
-                <a:solidFill>
-                  <a:schemeClr val="bg1">
-                    <a:lumMod val="85000"/>
-                  </a:schemeClr>
-                </a:solidFill>
-                <a:latin typeface="VDS" panose="02000506000000020004" pitchFamily="2" charset="-52"/>
-                <a:cs typeface="Arial" panose="020B0604020202020204" pitchFamily="34" charset="0"/>
-              </a:rPr>
-              <a:t>План развития проекта</a:t>
-            </a:r>
-          </a:p>
-        </p:txBody>
-      </p:sp>
-      <p:pic>
-        <p:nvPicPr>
-          <p:cNvPr id="15" name="Рисунок 14">
-            <a:extLst>
-              <a:ext uri="{FF2B5EF4-FFF2-40B4-BE49-F238E27FC236}">
-                <a16:creationId xmlns:a16="http://schemas.microsoft.com/office/drawing/2014/main" id="{7302D167-2FD3-4880-8D0A-306FFEAA926D}"/>
-              </a:ext>
-            </a:extLst>
-          </p:cNvPr>
-          <p:cNvPicPr>
-            <a:picLocks noChangeAspect="1"/>
-          </p:cNvPicPr>
-          <p:nvPr/>
-        </p:nvPicPr>
-        <p:blipFill>
-          <a:blip r:embed="rId2" cstate="print">
-            <a:extLst>
-              <a:ext uri="{28A0092B-C50C-407E-A947-70E740481C1C}">
-                <a14:useLocalDpi xmlns:a14="http://schemas.microsoft.com/office/drawing/2010/main" val="0"/>
-              </a:ext>
-              <a:ext uri="{96DAC541-7B7A-43D3-8B79-37D633B846F1}">
-                <asvg:svgBlip xmlns:asvg="http://schemas.microsoft.com/office/drawing/2016/SVG/main" r:embed="rId3"/>
-              </a:ext>
-            </a:extLst>
-          </a:blip>
-          <a:stretch>
-            <a:fillRect/>
-          </a:stretch>
-        </p:blipFill>
-        <p:spPr>
-          <a:xfrm>
-            <a:off x="11398270" y="103291"/>
-            <a:ext cx="679804" cy="679804"/>
-          </a:xfrm>
-          <a:prstGeom prst="rect">
-            <a:avLst/>
-          </a:prstGeom>
-        </p:spPr>
-      </p:pic>
-      <p:sp>
-        <p:nvSpPr>
-          <p:cNvPr id="20" name="TextBox 19">
-            <a:extLst>
-              <a:ext uri="{FF2B5EF4-FFF2-40B4-BE49-F238E27FC236}">
-                <a16:creationId xmlns:a16="http://schemas.microsoft.com/office/drawing/2014/main" id="{54D6DEF4-07CA-45E3-B832-03CC0857405E}"/>
-              </a:ext>
-            </a:extLst>
-          </p:cNvPr>
-          <p:cNvSpPr txBox="1"/>
-          <p:nvPr/>
-        </p:nvSpPr>
-        <p:spPr>
-          <a:xfrm>
-            <a:off x="0" y="43083"/>
-            <a:ext cx="5072513" cy="400110"/>
-          </a:xfrm>
-          <a:prstGeom prst="rect">
-            <a:avLst/>
-          </a:prstGeom>
-          <a:noFill/>
-        </p:spPr>
-        <p:txBody>
-          <a:bodyPr wrap="square" rtlCol="0">
-            <a:spAutoFit/>
-          </a:bodyPr>
-          <a:lstStyle/>
-          <a:p>
-            <a:r>
-              <a:rPr lang="en-US" sz="2000" b="1" dirty="0">
-                <a:solidFill>
-                  <a:srgbClr val="7F39FB"/>
-                </a:solidFill>
-                <a:latin typeface="Arial" panose="020B0604020202020204" pitchFamily="34" charset="0"/>
-                <a:cs typeface="Arial" panose="020B0604020202020204" pitchFamily="34" charset="0"/>
-              </a:rPr>
-              <a:t>PROJECT</a:t>
-            </a:r>
-            <a:r>
-              <a:rPr lang="en-US" sz="2000" b="1" dirty="0">
-                <a:solidFill>
-                  <a:schemeClr val="bg1"/>
-                </a:solidFill>
-                <a:latin typeface="Arial" panose="020B0604020202020204" pitchFamily="34" charset="0"/>
-                <a:cs typeface="Arial" panose="020B0604020202020204" pitchFamily="34" charset="0"/>
-              </a:rPr>
-              <a:t> HUB</a:t>
-            </a:r>
-            <a:endParaRPr lang="ru-RU" sz="2000" b="1" dirty="0">
-              <a:solidFill>
-                <a:schemeClr val="bg1"/>
-              </a:solidFill>
-              <a:latin typeface="Arial" panose="020B0604020202020204" pitchFamily="34" charset="0"/>
-              <a:cs typeface="Arial" panose="020B0604020202020204" pitchFamily="34" charset="0"/>
-            </a:endParaRPr>
-          </a:p>
-        </p:txBody>
-      </p:sp>
-      <p:cxnSp>
-        <p:nvCxnSpPr>
-          <p:cNvPr id="7" name="Прямая соединительная линия 6">
-            <a:extLst>
-              <a:ext uri="{FF2B5EF4-FFF2-40B4-BE49-F238E27FC236}">
-                <a16:creationId xmlns:a16="http://schemas.microsoft.com/office/drawing/2014/main" id="{9B899CA5-7AE0-49B4-B846-58C98AE8BDCD}"/>
-              </a:ext>
-            </a:extLst>
-          </p:cNvPr>
-          <p:cNvCxnSpPr>
-            <a:cxnSpLocks/>
-          </p:cNvCxnSpPr>
-          <p:nvPr/>
-        </p:nvCxnSpPr>
-        <p:spPr>
-          <a:xfrm>
-            <a:off x="106306" y="507346"/>
-            <a:ext cx="0" cy="5843307"/>
-          </a:xfrm>
-          <a:prstGeom prst="line">
-            <a:avLst/>
-          </a:prstGeom>
-          <a:ln w="22225" cap="sq">
-            <a:solidFill>
-              <a:srgbClr val="7030A0">
-                <a:alpha val="38000"/>
-              </a:srgbClr>
-            </a:solidFill>
-            <a:prstDash val="dash"/>
-            <a:round/>
-          </a:ln>
-        </p:spPr>
-        <p:style>
-          <a:lnRef idx="3">
-            <a:schemeClr val="dk1"/>
-          </a:lnRef>
-          <a:fillRef idx="0">
-            <a:schemeClr val="dk1"/>
-          </a:fillRef>
-          <a:effectRef idx="2">
-            <a:schemeClr val="dk1"/>
-          </a:effectRef>
-          <a:fontRef idx="minor">
-            <a:schemeClr val="tx1"/>
-          </a:fontRef>
-        </p:style>
-      </p:cxnSp>
-      <p:sp>
-        <p:nvSpPr>
-          <p:cNvPr id="10" name="TextBox 9">
-            <a:extLst>
-              <a:ext uri="{FF2B5EF4-FFF2-40B4-BE49-F238E27FC236}">
                 <a16:creationId xmlns:a16="http://schemas.microsoft.com/office/drawing/2014/main" id="{8F420D8B-4F2B-4624-937A-C63CD087A73F}"/>
               </a:ext>
             </a:extLst>
@@ -13522,7 +12248,7 @@
         </p:nvSpPr>
         <p:spPr>
           <a:xfrm>
-            <a:off x="1095819" y="4191998"/>
+            <a:off x="1426411" y="4222154"/>
             <a:ext cx="1980304" cy="946696"/>
           </a:xfrm>
           <a:prstGeom prst="rect">
@@ -13710,7 +12436,7 @@
               <a:buSzPct val="100000"/>
             </a:pPr>
             <a:r>
-              <a:rPr lang="ru-RU" dirty="0">
+              <a:rPr lang="en-US" dirty="0">
                 <a:solidFill>
                   <a:schemeClr val="bg1">
                     <a:lumMod val="85000"/>
@@ -13719,8 +12445,17 @@
                 <a:latin typeface="VDS" panose="02000506000000020004" pitchFamily="2" charset="-52"/>
                 <a:cs typeface="Arial" panose="020B0604020202020204" pitchFamily="34" charset="0"/>
               </a:rPr>
-              <a:t>Этап До</a:t>
+              <a:t>PoC</a:t>
             </a:r>
+            <a:endParaRPr lang="ru-RU" dirty="0">
+              <a:solidFill>
+                <a:schemeClr val="bg1">
+                  <a:lumMod val="85000"/>
+                </a:schemeClr>
+              </a:solidFill>
+              <a:latin typeface="VDS" panose="02000506000000020004" pitchFamily="2" charset="-52"/>
+              <a:cs typeface="Arial" panose="020B0604020202020204" pitchFamily="34" charset="0"/>
+            </a:endParaRPr>
           </a:p>
         </p:txBody>
       </p:sp>
@@ -13937,31 +12672,7 @@
                 <a:latin typeface="VDS" panose="02000506000000020004" pitchFamily="2" charset="-52"/>
                 <a:cs typeface="Arial" panose="020B0604020202020204" pitchFamily="34" charset="0"/>
               </a:rPr>
-              <a:t>Правки</a:t>
-            </a:r>
-            <a:r>
-              <a:rPr lang="en-US" dirty="0">
-                <a:solidFill>
-                  <a:schemeClr val="bg1">
-                    <a:lumMod val="85000"/>
-                  </a:schemeClr>
-                </a:solidFill>
-                <a:latin typeface="VDS" panose="02000506000000020004" pitchFamily="2" charset="-52"/>
-                <a:cs typeface="Arial" panose="020B0604020202020204" pitchFamily="34" charset="0"/>
-              </a:rPr>
-              <a:t>/</a:t>
-            </a:r>
-            <a:r>
-              <a:rPr lang="ru-RU" dirty="0">
-                <a:solidFill>
-                  <a:schemeClr val="bg1">
-                    <a:lumMod val="85000"/>
-                  </a:schemeClr>
-                </a:solidFill>
-                <a:latin typeface="VDS" panose="02000506000000020004" pitchFamily="2" charset="-52"/>
-                <a:cs typeface="Arial" panose="020B0604020202020204" pitchFamily="34" charset="0"/>
-              </a:rPr>
-              <a:t>доработка функционала</a:t>
+              <a:t>Редизайн приложения</a:t>
             </a:r>
           </a:p>
         </p:txBody>
@@ -13982,7 +12693,7 @@
         </p:nvSpPr>
         <p:spPr>
           <a:xfrm>
-            <a:off x="3244843" y="2344135"/>
+            <a:off x="3637795" y="2355181"/>
             <a:ext cx="3762666" cy="946696"/>
           </a:xfrm>
           <a:prstGeom prst="rect">
@@ -15033,7 +13744,7 @@
 </p:sld>
 </file>
 
-<file path=ppt/slides/slide9.xml><?xml version="1.0" encoding="utf-8"?>
+<file path=ppt/slides/slide8.xml><?xml version="1.0" encoding="utf-8"?>
 <p:sld xmlns:a="http://schemas.openxmlformats.org/drawingml/2006/main" xmlns:r="http://schemas.openxmlformats.org/officeDocument/2006/relationships" xmlns:p="http://schemas.openxmlformats.org/presentationml/2006/main">
   <p:cSld>
     <p:bg>
